--- a/Sprint-2/Artefatos_Sprint1.pptx
+++ b/Sprint-2/Artefatos_Sprint1.pptx
@@ -1,25 +1,120 @@
 
 <file path=ppt/presentation.xml><?xml version="1.0" encoding="utf-8"?>
-<p:presentation xmlns:a="http://schemas.openxmlformats.org/drawingml/2006/main" xmlns:p="http://schemas.openxmlformats.org/presentationml/2006/main" xmlns:r="http://schemas.openxmlformats.org/officeDocument/2006/relationships" xmlns:p14="http://schemas.microsoft.com/office/powerpoint/2010/main" xmlns:p15="http://schemas.microsoft.com/office/powerpoint/2012/main" xmlns:mc="http://schemas.openxmlformats.org/markup-compatibility/2006">
+<p:presentation xmlns:a="http://schemas.openxmlformats.org/drawingml/2006/main" xmlns:r="http://schemas.openxmlformats.org/officeDocument/2006/relationships" xmlns:p="http://schemas.openxmlformats.org/presentationml/2006/main">
   <p:sldMasterIdLst>
-    <p:sldMasterId id="2147483648" r:id="rId2"/>
-    <p:sldMasterId id="2147483661" r:id="rId3"/>
+    <p:sldMasterId id="2147483648" r:id="rId1"/>
+    <p:sldMasterId id="2147483661" r:id="rId2"/>
   </p:sldMasterIdLst>
   <p:sldIdLst>
-    <p:sldId id="256" r:id="rId4"/>
-    <p:sldId id="257" r:id="rId5"/>
-    <p:sldId id="258" r:id="rId6"/>
-    <p:sldId id="259" r:id="rId7"/>
-    <p:sldId id="260" r:id="rId8"/>
-    <p:sldId id="261" r:id="rId9"/>
+    <p:sldId id="256" r:id="rId3"/>
+    <p:sldId id="257" r:id="rId4"/>
+    <p:sldId id="258" r:id="rId5"/>
+    <p:sldId id="259" r:id="rId6"/>
+    <p:sldId id="260" r:id="rId7"/>
+    <p:sldId id="261" r:id="rId8"/>
   </p:sldIdLst>
-  <p:sldSz cx="9144000" cy="5143500"/>
+  <p:sldSz cx="9144000" cy="5143500" type="screen16x9"/>
   <p:notesSz cx="6858000" cy="9144000"/>
+  <p:defaultTextStyle>
+    <a:defPPr>
+      <a:defRPr lang="pt-BR"/>
+    </a:defPPr>
+    <a:lvl1pPr marL="0" algn="l" defTabSz="914400" rtl="0" eaLnBrk="1" latinLnBrk="0" hangingPunct="1">
+      <a:defRPr sz="1800" kern="1200">
+        <a:solidFill>
+          <a:schemeClr val="tx1"/>
+        </a:solidFill>
+        <a:latin typeface="+mn-lt"/>
+        <a:ea typeface="+mn-ea"/>
+        <a:cs typeface="+mn-cs"/>
+      </a:defRPr>
+    </a:lvl1pPr>
+    <a:lvl2pPr marL="457200" algn="l" defTabSz="914400" rtl="0" eaLnBrk="1" latinLnBrk="0" hangingPunct="1">
+      <a:defRPr sz="1800" kern="1200">
+        <a:solidFill>
+          <a:schemeClr val="tx1"/>
+        </a:solidFill>
+        <a:latin typeface="+mn-lt"/>
+        <a:ea typeface="+mn-ea"/>
+        <a:cs typeface="+mn-cs"/>
+      </a:defRPr>
+    </a:lvl2pPr>
+    <a:lvl3pPr marL="914400" algn="l" defTabSz="914400" rtl="0" eaLnBrk="1" latinLnBrk="0" hangingPunct="1">
+      <a:defRPr sz="1800" kern="1200">
+        <a:solidFill>
+          <a:schemeClr val="tx1"/>
+        </a:solidFill>
+        <a:latin typeface="+mn-lt"/>
+        <a:ea typeface="+mn-ea"/>
+        <a:cs typeface="+mn-cs"/>
+      </a:defRPr>
+    </a:lvl3pPr>
+    <a:lvl4pPr marL="1371600" algn="l" defTabSz="914400" rtl="0" eaLnBrk="1" latinLnBrk="0" hangingPunct="1">
+      <a:defRPr sz="1800" kern="1200">
+        <a:solidFill>
+          <a:schemeClr val="tx1"/>
+        </a:solidFill>
+        <a:latin typeface="+mn-lt"/>
+        <a:ea typeface="+mn-ea"/>
+        <a:cs typeface="+mn-cs"/>
+      </a:defRPr>
+    </a:lvl4pPr>
+    <a:lvl5pPr marL="1828800" algn="l" defTabSz="914400" rtl="0" eaLnBrk="1" latinLnBrk="0" hangingPunct="1">
+      <a:defRPr sz="1800" kern="1200">
+        <a:solidFill>
+          <a:schemeClr val="tx1"/>
+        </a:solidFill>
+        <a:latin typeface="+mn-lt"/>
+        <a:ea typeface="+mn-ea"/>
+        <a:cs typeface="+mn-cs"/>
+      </a:defRPr>
+    </a:lvl5pPr>
+    <a:lvl6pPr marL="2286000" algn="l" defTabSz="914400" rtl="0" eaLnBrk="1" latinLnBrk="0" hangingPunct="1">
+      <a:defRPr sz="1800" kern="1200">
+        <a:solidFill>
+          <a:schemeClr val="tx1"/>
+        </a:solidFill>
+        <a:latin typeface="+mn-lt"/>
+        <a:ea typeface="+mn-ea"/>
+        <a:cs typeface="+mn-cs"/>
+      </a:defRPr>
+    </a:lvl6pPr>
+    <a:lvl7pPr marL="2743200" algn="l" defTabSz="914400" rtl="0" eaLnBrk="1" latinLnBrk="0" hangingPunct="1">
+      <a:defRPr sz="1800" kern="1200">
+        <a:solidFill>
+          <a:schemeClr val="tx1"/>
+        </a:solidFill>
+        <a:latin typeface="+mn-lt"/>
+        <a:ea typeface="+mn-ea"/>
+        <a:cs typeface="+mn-cs"/>
+      </a:defRPr>
+    </a:lvl7pPr>
+    <a:lvl8pPr marL="3200400" algn="l" defTabSz="914400" rtl="0" eaLnBrk="1" latinLnBrk="0" hangingPunct="1">
+      <a:defRPr sz="1800" kern="1200">
+        <a:solidFill>
+          <a:schemeClr val="tx1"/>
+        </a:solidFill>
+        <a:latin typeface="+mn-lt"/>
+        <a:ea typeface="+mn-ea"/>
+        <a:cs typeface="+mn-cs"/>
+      </a:defRPr>
+    </a:lvl8pPr>
+    <a:lvl9pPr marL="3657600" algn="l" defTabSz="914400" rtl="0" eaLnBrk="1" latinLnBrk="0" hangingPunct="1">
+      <a:defRPr sz="1800" kern="1200">
+        <a:solidFill>
+          <a:schemeClr val="tx1"/>
+        </a:solidFill>
+        <a:latin typeface="+mn-lt"/>
+        <a:ea typeface="+mn-ea"/>
+        <a:cs typeface="+mn-cs"/>
+      </a:defRPr>
+    </a:lvl9pPr>
+  </p:defaultTextStyle>
 </p:presentation>
 </file>
 
 <file path=ppt/slideLayouts/slideLayout1.xml><?xml version="1.0" encoding="utf-8"?>
-<p:sldLayout xmlns:a="http://schemas.openxmlformats.org/drawingml/2006/main" xmlns:p="http://schemas.openxmlformats.org/presentationml/2006/main" xmlns:r="http://schemas.openxmlformats.org/officeDocument/2006/relationships" xmlns:p14="http://schemas.microsoft.com/office/powerpoint/2010/main" xmlns:p15="http://schemas.microsoft.com/office/powerpoint/2012/main" xmlns:mc="http://schemas.openxmlformats.org/markup-compatibility/2006" type="blank" preserve="1">
+<p:sldLayout xmlns:a="http://schemas.openxmlformats.org/drawingml/2006/main" xmlns:r="http://schemas.openxmlformats.org/officeDocument/2006/relationships" xmlns:p="http://schemas.openxmlformats.org/presentationml/2006/main" type="blank" preserve="1">
   <p:cSld name="Blank Slide">
     <p:spTree>
       <p:nvGrpSpPr>
@@ -37,11 +132,14 @@
       </p:grpSpPr>
     </p:spTree>
   </p:cSld>
+  <p:clrMapOvr>
+    <a:masterClrMapping/>
+  </p:clrMapOvr>
 </p:sldLayout>
 </file>
 
 <file path=ppt/slideLayouts/slideLayout10.xml><?xml version="1.0" encoding="utf-8"?>
-<p:sldLayout xmlns:a="http://schemas.openxmlformats.org/drawingml/2006/main" xmlns:p="http://schemas.openxmlformats.org/presentationml/2006/main" xmlns:r="http://schemas.openxmlformats.org/officeDocument/2006/relationships" xmlns:p14="http://schemas.microsoft.com/office/powerpoint/2010/main" xmlns:p15="http://schemas.microsoft.com/office/powerpoint/2012/main" xmlns:mc="http://schemas.openxmlformats.org/markup-compatibility/2006" type="objOverTx" preserve="1">
+<p:sldLayout xmlns:a="http://schemas.openxmlformats.org/drawingml/2006/main" xmlns:r="http://schemas.openxmlformats.org/officeDocument/2006/relationships" xmlns:p="http://schemas.openxmlformats.org/presentationml/2006/main" type="objOverTx" preserve="1">
   <p:cSld name="Title, Content over Content">
     <p:spTree>
       <p:nvGrpSpPr>
@@ -77,15 +175,16 @@
           </a:prstGeom>
         </p:spPr>
         <p:txBody>
-          <a:bodyPr lIns="0" rIns="0" tIns="0" bIns="0" anchor="ctr"/>
-          <a:p>
-            <a:endParaRPr b="0" lang="pt-BR" sz="1400" spc="-1" strike="noStrike">
-              <a:solidFill>
-                <a:srgbClr val="000000"/>
-              </a:solidFill>
-              <a:uFill>
-                <a:solidFill>
-                  <a:srgbClr val="ffffff"/>
+          <a:bodyPr lIns="0" tIns="0" rIns="0" bIns="0" anchor="ctr"/>
+          <a:lstStyle/>
+          <a:p>
+            <a:endParaRPr lang="pt-BR" sz="1400" b="0" strike="noStrike" spc="-1">
+              <a:solidFill>
+                <a:srgbClr val="000000"/>
+              </a:solidFill>
+              <a:uFill>
+                <a:solidFill>
+                  <a:srgbClr val="FFFFFF"/>
                 </a:solidFill>
               </a:uFill>
               <a:latin typeface="Arial"/>
@@ -113,15 +212,16 @@
           </a:prstGeom>
         </p:spPr>
         <p:txBody>
-          <a:bodyPr lIns="0" rIns="0" tIns="0" bIns="0"/>
-          <a:p>
-            <a:endParaRPr b="0" lang="pt-BR" sz="1400" spc="-1" strike="noStrike">
-              <a:solidFill>
-                <a:srgbClr val="000000"/>
-              </a:solidFill>
-              <a:uFill>
-                <a:solidFill>
-                  <a:srgbClr val="ffffff"/>
+          <a:bodyPr lIns="0" tIns="0" rIns="0" bIns="0"/>
+          <a:lstStyle/>
+          <a:p>
+            <a:endParaRPr lang="pt-BR" sz="1400" b="0" strike="noStrike" spc="-1">
+              <a:solidFill>
+                <a:srgbClr val="000000"/>
+              </a:solidFill>
+              <a:uFill>
+                <a:solidFill>
+                  <a:srgbClr val="FFFFFF"/>
                 </a:solidFill>
               </a:uFill>
               <a:latin typeface="Arial"/>
@@ -149,15 +249,16 @@
           </a:prstGeom>
         </p:spPr>
         <p:txBody>
-          <a:bodyPr lIns="0" rIns="0" tIns="0" bIns="0"/>
-          <a:p>
-            <a:endParaRPr b="0" lang="pt-BR" sz="1400" spc="-1" strike="noStrike">
-              <a:solidFill>
-                <a:srgbClr val="000000"/>
-              </a:solidFill>
-              <a:uFill>
-                <a:solidFill>
-                  <a:srgbClr val="ffffff"/>
+          <a:bodyPr lIns="0" tIns="0" rIns="0" bIns="0"/>
+          <a:lstStyle/>
+          <a:p>
+            <a:endParaRPr lang="pt-BR" sz="1400" b="0" strike="noStrike" spc="-1">
+              <a:solidFill>
+                <a:srgbClr val="000000"/>
+              </a:solidFill>
+              <a:uFill>
+                <a:solidFill>
+                  <a:srgbClr val="FFFFFF"/>
                 </a:solidFill>
               </a:uFill>
               <a:latin typeface="Arial"/>
@@ -167,11 +268,14 @@
       </p:sp>
     </p:spTree>
   </p:cSld>
+  <p:clrMapOvr>
+    <a:masterClrMapping/>
+  </p:clrMapOvr>
 </p:sldLayout>
 </file>
 
 <file path=ppt/slideLayouts/slideLayout11.xml><?xml version="1.0" encoding="utf-8"?>
-<p:sldLayout xmlns:a="http://schemas.openxmlformats.org/drawingml/2006/main" xmlns:p="http://schemas.openxmlformats.org/presentationml/2006/main" xmlns:r="http://schemas.openxmlformats.org/officeDocument/2006/relationships" xmlns:p14="http://schemas.microsoft.com/office/powerpoint/2010/main" xmlns:p15="http://schemas.microsoft.com/office/powerpoint/2012/main" xmlns:mc="http://schemas.openxmlformats.org/markup-compatibility/2006" type="fourObj" preserve="1">
+<p:sldLayout xmlns:a="http://schemas.openxmlformats.org/drawingml/2006/main" xmlns:r="http://schemas.openxmlformats.org/officeDocument/2006/relationships" xmlns:p="http://schemas.openxmlformats.org/presentationml/2006/main" type="fourObj" preserve="1">
   <p:cSld name="Title, 4 Content">
     <p:spTree>
       <p:nvGrpSpPr>
@@ -207,15 +311,16 @@
           </a:prstGeom>
         </p:spPr>
         <p:txBody>
-          <a:bodyPr lIns="0" rIns="0" tIns="0" bIns="0" anchor="ctr"/>
-          <a:p>
-            <a:endParaRPr b="0" lang="pt-BR" sz="1400" spc="-1" strike="noStrike">
-              <a:solidFill>
-                <a:srgbClr val="000000"/>
-              </a:solidFill>
-              <a:uFill>
-                <a:solidFill>
-                  <a:srgbClr val="ffffff"/>
+          <a:bodyPr lIns="0" tIns="0" rIns="0" bIns="0" anchor="ctr"/>
+          <a:lstStyle/>
+          <a:p>
+            <a:endParaRPr lang="pt-BR" sz="1400" b="0" strike="noStrike" spc="-1">
+              <a:solidFill>
+                <a:srgbClr val="000000"/>
+              </a:solidFill>
+              <a:uFill>
+                <a:solidFill>
+                  <a:srgbClr val="FFFFFF"/>
                 </a:solidFill>
               </a:uFill>
               <a:latin typeface="Arial"/>
@@ -243,15 +348,16 @@
           </a:prstGeom>
         </p:spPr>
         <p:txBody>
-          <a:bodyPr lIns="0" rIns="0" tIns="0" bIns="0"/>
-          <a:p>
-            <a:endParaRPr b="0" lang="pt-BR" sz="1400" spc="-1" strike="noStrike">
-              <a:solidFill>
-                <a:srgbClr val="000000"/>
-              </a:solidFill>
-              <a:uFill>
-                <a:solidFill>
-                  <a:srgbClr val="ffffff"/>
+          <a:bodyPr lIns="0" tIns="0" rIns="0" bIns="0"/>
+          <a:lstStyle/>
+          <a:p>
+            <a:endParaRPr lang="pt-BR" sz="1400" b="0" strike="noStrike" spc="-1">
+              <a:solidFill>
+                <a:srgbClr val="000000"/>
+              </a:solidFill>
+              <a:uFill>
+                <a:solidFill>
+                  <a:srgbClr val="FFFFFF"/>
                 </a:solidFill>
               </a:uFill>
               <a:latin typeface="Arial"/>
@@ -279,15 +385,16 @@
           </a:prstGeom>
         </p:spPr>
         <p:txBody>
-          <a:bodyPr lIns="0" rIns="0" tIns="0" bIns="0"/>
-          <a:p>
-            <a:endParaRPr b="0" lang="pt-BR" sz="1400" spc="-1" strike="noStrike">
-              <a:solidFill>
-                <a:srgbClr val="000000"/>
-              </a:solidFill>
-              <a:uFill>
-                <a:solidFill>
-                  <a:srgbClr val="ffffff"/>
+          <a:bodyPr lIns="0" tIns="0" rIns="0" bIns="0"/>
+          <a:lstStyle/>
+          <a:p>
+            <a:endParaRPr lang="pt-BR" sz="1400" b="0" strike="noStrike" spc="-1">
+              <a:solidFill>
+                <a:srgbClr val="000000"/>
+              </a:solidFill>
+              <a:uFill>
+                <a:solidFill>
+                  <a:srgbClr val="FFFFFF"/>
                 </a:solidFill>
               </a:uFill>
               <a:latin typeface="Arial"/>
@@ -315,15 +422,16 @@
           </a:prstGeom>
         </p:spPr>
         <p:txBody>
-          <a:bodyPr lIns="0" rIns="0" tIns="0" bIns="0"/>
-          <a:p>
-            <a:endParaRPr b="0" lang="pt-BR" sz="1400" spc="-1" strike="noStrike">
-              <a:solidFill>
-                <a:srgbClr val="000000"/>
-              </a:solidFill>
-              <a:uFill>
-                <a:solidFill>
-                  <a:srgbClr val="ffffff"/>
+          <a:bodyPr lIns="0" tIns="0" rIns="0" bIns="0"/>
+          <a:lstStyle/>
+          <a:p>
+            <a:endParaRPr lang="pt-BR" sz="1400" b="0" strike="noStrike" spc="-1">
+              <a:solidFill>
+                <a:srgbClr val="000000"/>
+              </a:solidFill>
+              <a:uFill>
+                <a:solidFill>
+                  <a:srgbClr val="FFFFFF"/>
                 </a:solidFill>
               </a:uFill>
               <a:latin typeface="Arial"/>
@@ -351,15 +459,16 @@
           </a:prstGeom>
         </p:spPr>
         <p:txBody>
-          <a:bodyPr lIns="0" rIns="0" tIns="0" bIns="0"/>
-          <a:p>
-            <a:endParaRPr b="0" lang="pt-BR" sz="1400" spc="-1" strike="noStrike">
-              <a:solidFill>
-                <a:srgbClr val="000000"/>
-              </a:solidFill>
-              <a:uFill>
-                <a:solidFill>
-                  <a:srgbClr val="ffffff"/>
+          <a:bodyPr lIns="0" tIns="0" rIns="0" bIns="0"/>
+          <a:lstStyle/>
+          <a:p>
+            <a:endParaRPr lang="pt-BR" sz="1400" b="0" strike="noStrike" spc="-1">
+              <a:solidFill>
+                <a:srgbClr val="000000"/>
+              </a:solidFill>
+              <a:uFill>
+                <a:solidFill>
+                  <a:srgbClr val="FFFFFF"/>
                 </a:solidFill>
               </a:uFill>
               <a:latin typeface="Arial"/>
@@ -369,11 +478,14 @@
       </p:sp>
     </p:spTree>
   </p:cSld>
+  <p:clrMapOvr>
+    <a:masterClrMapping/>
+  </p:clrMapOvr>
 </p:sldLayout>
 </file>
 
 <file path=ppt/slideLayouts/slideLayout12.xml><?xml version="1.0" encoding="utf-8"?>
-<p:sldLayout xmlns:a="http://schemas.openxmlformats.org/drawingml/2006/main" xmlns:p="http://schemas.openxmlformats.org/presentationml/2006/main" xmlns:r="http://schemas.openxmlformats.org/officeDocument/2006/relationships" xmlns:p14="http://schemas.microsoft.com/office/powerpoint/2010/main" xmlns:p15="http://schemas.microsoft.com/office/powerpoint/2012/main" xmlns:mc="http://schemas.openxmlformats.org/markup-compatibility/2006" type="blank" preserve="1">
+<p:sldLayout xmlns:a="http://schemas.openxmlformats.org/drawingml/2006/main" xmlns:r="http://schemas.openxmlformats.org/officeDocument/2006/relationships" xmlns:p="http://schemas.openxmlformats.org/presentationml/2006/main" type="blank" preserve="1">
   <p:cSld name="Title, 6 Content">
     <p:spTree>
       <p:nvGrpSpPr>
@@ -409,15 +521,16 @@
           </a:prstGeom>
         </p:spPr>
         <p:txBody>
-          <a:bodyPr lIns="0" rIns="0" tIns="0" bIns="0" anchor="ctr"/>
-          <a:p>
-            <a:endParaRPr b="0" lang="pt-BR" sz="1400" spc="-1" strike="noStrike">
-              <a:solidFill>
-                <a:srgbClr val="000000"/>
-              </a:solidFill>
-              <a:uFill>
-                <a:solidFill>
-                  <a:srgbClr val="ffffff"/>
+          <a:bodyPr lIns="0" tIns="0" rIns="0" bIns="0" anchor="ctr"/>
+          <a:lstStyle/>
+          <a:p>
+            <a:endParaRPr lang="pt-BR" sz="1400" b="0" strike="noStrike" spc="-1">
+              <a:solidFill>
+                <a:srgbClr val="000000"/>
+              </a:solidFill>
+              <a:uFill>
+                <a:solidFill>
+                  <a:srgbClr val="FFFFFF"/>
                 </a:solidFill>
               </a:uFill>
               <a:latin typeface="Arial"/>
@@ -445,15 +558,16 @@
           </a:prstGeom>
         </p:spPr>
         <p:txBody>
-          <a:bodyPr lIns="0" rIns="0" tIns="0" bIns="0"/>
-          <a:p>
-            <a:endParaRPr b="0" lang="pt-BR" sz="1400" spc="-1" strike="noStrike">
-              <a:solidFill>
-                <a:srgbClr val="000000"/>
-              </a:solidFill>
-              <a:uFill>
-                <a:solidFill>
-                  <a:srgbClr val="ffffff"/>
+          <a:bodyPr lIns="0" tIns="0" rIns="0" bIns="0"/>
+          <a:lstStyle/>
+          <a:p>
+            <a:endParaRPr lang="pt-BR" sz="1400" b="0" strike="noStrike" spc="-1">
+              <a:solidFill>
+                <a:srgbClr val="000000"/>
+              </a:solidFill>
+              <a:uFill>
+                <a:solidFill>
+                  <a:srgbClr val="FFFFFF"/>
                 </a:solidFill>
               </a:uFill>
               <a:latin typeface="Arial"/>
@@ -481,15 +595,16 @@
           </a:prstGeom>
         </p:spPr>
         <p:txBody>
-          <a:bodyPr lIns="0" rIns="0" tIns="0" bIns="0"/>
-          <a:p>
-            <a:endParaRPr b="0" lang="pt-BR" sz="1400" spc="-1" strike="noStrike">
-              <a:solidFill>
-                <a:srgbClr val="000000"/>
-              </a:solidFill>
-              <a:uFill>
-                <a:solidFill>
-                  <a:srgbClr val="ffffff"/>
+          <a:bodyPr lIns="0" tIns="0" rIns="0" bIns="0"/>
+          <a:lstStyle/>
+          <a:p>
+            <a:endParaRPr lang="pt-BR" sz="1400" b="0" strike="noStrike" spc="-1">
+              <a:solidFill>
+                <a:srgbClr val="000000"/>
+              </a:solidFill>
+              <a:uFill>
+                <a:solidFill>
+                  <a:srgbClr val="FFFFFF"/>
                 </a:solidFill>
               </a:uFill>
               <a:latin typeface="Arial"/>
@@ -499,7 +614,7 @@
       </p:sp>
       <p:pic>
         <p:nvPicPr>
-          <p:cNvPr id="36" name="" descr=""/>
+          <p:cNvPr id="36" name="Imagem 35"/>
           <p:cNvPicPr/>
           <p:nvPr/>
         </p:nvPicPr>
@@ -522,12 +637,12 @@
       </p:pic>
       <p:pic>
         <p:nvPicPr>
-          <p:cNvPr id="37" name="" descr=""/>
+          <p:cNvPr id="37" name="Imagem 36"/>
           <p:cNvPicPr/>
           <p:nvPr/>
         </p:nvPicPr>
         <p:blipFill>
-          <a:blip r:embed="rId3"/>
+          <a:blip r:embed="rId2"/>
           <a:stretch/>
         </p:blipFill>
         <p:spPr>
@@ -545,11 +660,14 @@
       </p:pic>
     </p:spTree>
   </p:cSld>
+  <p:clrMapOvr>
+    <a:masterClrMapping/>
+  </p:clrMapOvr>
 </p:sldLayout>
 </file>
 
 <file path=ppt/slideLayouts/slideLayout13.xml><?xml version="1.0" encoding="utf-8"?>
-<p:sldLayout xmlns:a="http://schemas.openxmlformats.org/drawingml/2006/main" xmlns:p="http://schemas.openxmlformats.org/presentationml/2006/main" xmlns:r="http://schemas.openxmlformats.org/officeDocument/2006/relationships" xmlns:p14="http://schemas.microsoft.com/office/powerpoint/2010/main" xmlns:p15="http://schemas.microsoft.com/office/powerpoint/2012/main" xmlns:mc="http://schemas.openxmlformats.org/markup-compatibility/2006" type="blank" preserve="1">
+<p:sldLayout xmlns:a="http://schemas.openxmlformats.org/drawingml/2006/main" xmlns:r="http://schemas.openxmlformats.org/officeDocument/2006/relationships" xmlns:p="http://schemas.openxmlformats.org/presentationml/2006/main" type="blank" preserve="1">
   <p:cSld name="Blank Slide">
     <p:spTree>
       <p:nvGrpSpPr>
@@ -567,11 +685,14 @@
       </p:grpSpPr>
     </p:spTree>
   </p:cSld>
+  <p:clrMapOvr>
+    <a:masterClrMapping/>
+  </p:clrMapOvr>
 </p:sldLayout>
 </file>
 
 <file path=ppt/slideLayouts/slideLayout14.xml><?xml version="1.0" encoding="utf-8"?>
-<p:sldLayout xmlns:a="http://schemas.openxmlformats.org/drawingml/2006/main" xmlns:p="http://schemas.openxmlformats.org/presentationml/2006/main" xmlns:r="http://schemas.openxmlformats.org/officeDocument/2006/relationships" xmlns:p14="http://schemas.microsoft.com/office/powerpoint/2010/main" xmlns:p15="http://schemas.microsoft.com/office/powerpoint/2012/main" xmlns:mc="http://schemas.openxmlformats.org/markup-compatibility/2006" type="tx" preserve="1">
+<p:sldLayout xmlns:a="http://schemas.openxmlformats.org/drawingml/2006/main" xmlns:r="http://schemas.openxmlformats.org/officeDocument/2006/relationships" xmlns:p="http://schemas.openxmlformats.org/presentationml/2006/main" type="tx" preserve="1">
   <p:cSld name="Title Slide">
     <p:spTree>
       <p:nvGrpSpPr>
@@ -607,15 +728,16 @@
           </a:prstGeom>
         </p:spPr>
         <p:txBody>
-          <a:bodyPr lIns="0" rIns="0" tIns="0" bIns="0" anchor="ctr"/>
-          <a:p>
-            <a:endParaRPr b="0" lang="pt-BR" sz="1400" spc="-1" strike="noStrike">
-              <a:solidFill>
-                <a:srgbClr val="000000"/>
-              </a:solidFill>
-              <a:uFill>
-                <a:solidFill>
-                  <a:srgbClr val="ffffff"/>
+          <a:bodyPr lIns="0" tIns="0" rIns="0" bIns="0" anchor="ctr"/>
+          <a:lstStyle/>
+          <a:p>
+            <a:endParaRPr lang="pt-BR" sz="1400" b="0" strike="noStrike" spc="-1">
+              <a:solidFill>
+                <a:srgbClr val="000000"/>
+              </a:solidFill>
+              <a:uFill>
+                <a:solidFill>
+                  <a:srgbClr val="FFFFFF"/>
                 </a:solidFill>
               </a:uFill>
               <a:latin typeface="Arial"/>
@@ -643,16 +765,17 @@
           </a:prstGeom>
         </p:spPr>
         <p:txBody>
-          <a:bodyPr lIns="0" rIns="0" tIns="0" bIns="0" anchor="ctr"/>
+          <a:bodyPr lIns="0" tIns="0" rIns="0" bIns="0" anchor="ctr"/>
+          <a:lstStyle/>
           <a:p>
             <a:pPr algn="ctr"/>
-            <a:endParaRPr b="0" lang="pt-BR" sz="3200" spc="-1" strike="noStrike">
-              <a:solidFill>
-                <a:srgbClr val="000000"/>
-              </a:solidFill>
-              <a:uFill>
-                <a:solidFill>
-                  <a:srgbClr val="ffffff"/>
+            <a:endParaRPr lang="pt-BR" sz="3200" b="0" strike="noStrike" spc="-1">
+              <a:solidFill>
+                <a:srgbClr val="000000"/>
+              </a:solidFill>
+              <a:uFill>
+                <a:solidFill>
+                  <a:srgbClr val="FFFFFF"/>
                 </a:solidFill>
               </a:uFill>
               <a:latin typeface="Arial"/>
@@ -662,11 +785,14 @@
       </p:sp>
     </p:spTree>
   </p:cSld>
+  <p:clrMapOvr>
+    <a:masterClrMapping/>
+  </p:clrMapOvr>
 </p:sldLayout>
 </file>
 
 <file path=ppt/slideLayouts/slideLayout15.xml><?xml version="1.0" encoding="utf-8"?>
-<p:sldLayout xmlns:a="http://schemas.openxmlformats.org/drawingml/2006/main" xmlns:p="http://schemas.openxmlformats.org/presentationml/2006/main" xmlns:r="http://schemas.openxmlformats.org/officeDocument/2006/relationships" xmlns:p14="http://schemas.microsoft.com/office/powerpoint/2010/main" xmlns:p15="http://schemas.microsoft.com/office/powerpoint/2012/main" xmlns:mc="http://schemas.openxmlformats.org/markup-compatibility/2006" type="obj" preserve="1">
+<p:sldLayout xmlns:a="http://schemas.openxmlformats.org/drawingml/2006/main" xmlns:r="http://schemas.openxmlformats.org/officeDocument/2006/relationships" xmlns:p="http://schemas.openxmlformats.org/presentationml/2006/main" type="obj" preserve="1">
   <p:cSld name="Title, Content">
     <p:spTree>
       <p:nvGrpSpPr>
@@ -702,15 +828,16 @@
           </a:prstGeom>
         </p:spPr>
         <p:txBody>
-          <a:bodyPr lIns="0" rIns="0" tIns="0" bIns="0" anchor="ctr"/>
-          <a:p>
-            <a:endParaRPr b="0" lang="pt-BR" sz="1400" spc="-1" strike="noStrike">
-              <a:solidFill>
-                <a:srgbClr val="000000"/>
-              </a:solidFill>
-              <a:uFill>
-                <a:solidFill>
-                  <a:srgbClr val="ffffff"/>
+          <a:bodyPr lIns="0" tIns="0" rIns="0" bIns="0" anchor="ctr"/>
+          <a:lstStyle/>
+          <a:p>
+            <a:endParaRPr lang="pt-BR" sz="1400" b="0" strike="noStrike" spc="-1">
+              <a:solidFill>
+                <a:srgbClr val="000000"/>
+              </a:solidFill>
+              <a:uFill>
+                <a:solidFill>
+                  <a:srgbClr val="FFFFFF"/>
                 </a:solidFill>
               </a:uFill>
               <a:latin typeface="Arial"/>
@@ -738,15 +865,16 @@
           </a:prstGeom>
         </p:spPr>
         <p:txBody>
-          <a:bodyPr lIns="0" rIns="0" tIns="0" bIns="0"/>
-          <a:p>
-            <a:endParaRPr b="0" lang="pt-BR" sz="1400" spc="-1" strike="noStrike">
-              <a:solidFill>
-                <a:srgbClr val="000000"/>
-              </a:solidFill>
-              <a:uFill>
-                <a:solidFill>
-                  <a:srgbClr val="ffffff"/>
+          <a:bodyPr lIns="0" tIns="0" rIns="0" bIns="0"/>
+          <a:lstStyle/>
+          <a:p>
+            <a:endParaRPr lang="pt-BR" sz="1400" b="0" strike="noStrike" spc="-1">
+              <a:solidFill>
+                <a:srgbClr val="000000"/>
+              </a:solidFill>
+              <a:uFill>
+                <a:solidFill>
+                  <a:srgbClr val="FFFFFF"/>
                 </a:solidFill>
               </a:uFill>
               <a:latin typeface="Arial"/>
@@ -756,11 +884,14 @@
       </p:sp>
     </p:spTree>
   </p:cSld>
+  <p:clrMapOvr>
+    <a:masterClrMapping/>
+  </p:clrMapOvr>
 </p:sldLayout>
 </file>
 
 <file path=ppt/slideLayouts/slideLayout16.xml><?xml version="1.0" encoding="utf-8"?>
-<p:sldLayout xmlns:a="http://schemas.openxmlformats.org/drawingml/2006/main" xmlns:p="http://schemas.openxmlformats.org/presentationml/2006/main" xmlns:r="http://schemas.openxmlformats.org/officeDocument/2006/relationships" xmlns:p14="http://schemas.microsoft.com/office/powerpoint/2010/main" xmlns:p15="http://schemas.microsoft.com/office/powerpoint/2012/main" xmlns:mc="http://schemas.openxmlformats.org/markup-compatibility/2006" type="twoObj" preserve="1">
+<p:sldLayout xmlns:a="http://schemas.openxmlformats.org/drawingml/2006/main" xmlns:r="http://schemas.openxmlformats.org/officeDocument/2006/relationships" xmlns:p="http://schemas.openxmlformats.org/presentationml/2006/main" type="twoObj" preserve="1">
   <p:cSld name="Title, 2 Content">
     <p:spTree>
       <p:nvGrpSpPr>
@@ -796,15 +927,16 @@
           </a:prstGeom>
         </p:spPr>
         <p:txBody>
-          <a:bodyPr lIns="0" rIns="0" tIns="0" bIns="0" anchor="ctr"/>
-          <a:p>
-            <a:endParaRPr b="0" lang="pt-BR" sz="1400" spc="-1" strike="noStrike">
-              <a:solidFill>
-                <a:srgbClr val="000000"/>
-              </a:solidFill>
-              <a:uFill>
-                <a:solidFill>
-                  <a:srgbClr val="ffffff"/>
+          <a:bodyPr lIns="0" tIns="0" rIns="0" bIns="0" anchor="ctr"/>
+          <a:lstStyle/>
+          <a:p>
+            <a:endParaRPr lang="pt-BR" sz="1400" b="0" strike="noStrike" spc="-1">
+              <a:solidFill>
+                <a:srgbClr val="000000"/>
+              </a:solidFill>
+              <a:uFill>
+                <a:solidFill>
+                  <a:srgbClr val="FFFFFF"/>
                 </a:solidFill>
               </a:uFill>
               <a:latin typeface="Arial"/>
@@ -832,15 +964,16 @@
           </a:prstGeom>
         </p:spPr>
         <p:txBody>
-          <a:bodyPr lIns="0" rIns="0" tIns="0" bIns="0"/>
-          <a:p>
-            <a:endParaRPr b="0" lang="pt-BR" sz="1400" spc="-1" strike="noStrike">
-              <a:solidFill>
-                <a:srgbClr val="000000"/>
-              </a:solidFill>
-              <a:uFill>
-                <a:solidFill>
-                  <a:srgbClr val="ffffff"/>
+          <a:bodyPr lIns="0" tIns="0" rIns="0" bIns="0"/>
+          <a:lstStyle/>
+          <a:p>
+            <a:endParaRPr lang="pt-BR" sz="1400" b="0" strike="noStrike" spc="-1">
+              <a:solidFill>
+                <a:srgbClr val="000000"/>
+              </a:solidFill>
+              <a:uFill>
+                <a:solidFill>
+                  <a:srgbClr val="FFFFFF"/>
                 </a:solidFill>
               </a:uFill>
               <a:latin typeface="Arial"/>
@@ -868,15 +1001,16 @@
           </a:prstGeom>
         </p:spPr>
         <p:txBody>
-          <a:bodyPr lIns="0" rIns="0" tIns="0" bIns="0"/>
-          <a:p>
-            <a:endParaRPr b="0" lang="pt-BR" sz="1400" spc="-1" strike="noStrike">
-              <a:solidFill>
-                <a:srgbClr val="000000"/>
-              </a:solidFill>
-              <a:uFill>
-                <a:solidFill>
-                  <a:srgbClr val="ffffff"/>
+          <a:bodyPr lIns="0" tIns="0" rIns="0" bIns="0"/>
+          <a:lstStyle/>
+          <a:p>
+            <a:endParaRPr lang="pt-BR" sz="1400" b="0" strike="noStrike" spc="-1">
+              <a:solidFill>
+                <a:srgbClr val="000000"/>
+              </a:solidFill>
+              <a:uFill>
+                <a:solidFill>
+                  <a:srgbClr val="FFFFFF"/>
                 </a:solidFill>
               </a:uFill>
               <a:latin typeface="Arial"/>
@@ -886,11 +1020,14 @@
       </p:sp>
     </p:spTree>
   </p:cSld>
+  <p:clrMapOvr>
+    <a:masterClrMapping/>
+  </p:clrMapOvr>
 </p:sldLayout>
 </file>
 
 <file path=ppt/slideLayouts/slideLayout17.xml><?xml version="1.0" encoding="utf-8"?>
-<p:sldLayout xmlns:a="http://schemas.openxmlformats.org/drawingml/2006/main" xmlns:p="http://schemas.openxmlformats.org/presentationml/2006/main" xmlns:r="http://schemas.openxmlformats.org/officeDocument/2006/relationships" xmlns:p14="http://schemas.microsoft.com/office/powerpoint/2010/main" xmlns:p15="http://schemas.microsoft.com/office/powerpoint/2012/main" xmlns:mc="http://schemas.openxmlformats.org/markup-compatibility/2006" type="titleOnly" preserve="1">
+<p:sldLayout xmlns:a="http://schemas.openxmlformats.org/drawingml/2006/main" xmlns:r="http://schemas.openxmlformats.org/officeDocument/2006/relationships" xmlns:p="http://schemas.openxmlformats.org/presentationml/2006/main" type="titleOnly" preserve="1">
   <p:cSld name="Title Only">
     <p:spTree>
       <p:nvGrpSpPr>
@@ -926,15 +1063,16 @@
           </a:prstGeom>
         </p:spPr>
         <p:txBody>
-          <a:bodyPr lIns="0" rIns="0" tIns="0" bIns="0" anchor="ctr"/>
-          <a:p>
-            <a:endParaRPr b="0" lang="pt-BR" sz="1400" spc="-1" strike="noStrike">
-              <a:solidFill>
-                <a:srgbClr val="000000"/>
-              </a:solidFill>
-              <a:uFill>
-                <a:solidFill>
-                  <a:srgbClr val="ffffff"/>
+          <a:bodyPr lIns="0" tIns="0" rIns="0" bIns="0" anchor="ctr"/>
+          <a:lstStyle/>
+          <a:p>
+            <a:endParaRPr lang="pt-BR" sz="1400" b="0" strike="noStrike" spc="-1">
+              <a:solidFill>
+                <a:srgbClr val="000000"/>
+              </a:solidFill>
+              <a:uFill>
+                <a:solidFill>
+                  <a:srgbClr val="FFFFFF"/>
                 </a:solidFill>
               </a:uFill>
               <a:latin typeface="Arial"/>
@@ -944,11 +1082,14 @@
       </p:sp>
     </p:spTree>
   </p:cSld>
+  <p:clrMapOvr>
+    <a:masterClrMapping/>
+  </p:clrMapOvr>
 </p:sldLayout>
 </file>
 
 <file path=ppt/slideLayouts/slideLayout18.xml><?xml version="1.0" encoding="utf-8"?>
-<p:sldLayout xmlns:a="http://schemas.openxmlformats.org/drawingml/2006/main" xmlns:p="http://schemas.openxmlformats.org/presentationml/2006/main" xmlns:r="http://schemas.openxmlformats.org/officeDocument/2006/relationships" xmlns:p14="http://schemas.microsoft.com/office/powerpoint/2010/main" xmlns:p15="http://schemas.microsoft.com/office/powerpoint/2012/main" xmlns:mc="http://schemas.openxmlformats.org/markup-compatibility/2006" type="objOnly" preserve="1">
+<p:sldLayout xmlns:a="http://schemas.openxmlformats.org/drawingml/2006/main" xmlns:r="http://schemas.openxmlformats.org/officeDocument/2006/relationships" xmlns:p="http://schemas.openxmlformats.org/presentationml/2006/main" type="objOnly" preserve="1">
   <p:cSld name="Centered Text">
     <p:spTree>
       <p:nvGrpSpPr>
@@ -984,16 +1125,17 @@
           </a:prstGeom>
         </p:spPr>
         <p:txBody>
-          <a:bodyPr lIns="0" rIns="0" tIns="0" bIns="0" anchor="ctr"/>
+          <a:bodyPr lIns="0" tIns="0" rIns="0" bIns="0" anchor="ctr"/>
+          <a:lstStyle/>
           <a:p>
             <a:pPr algn="ctr"/>
-            <a:endParaRPr b="0" lang="pt-BR" sz="3200" spc="-1" strike="noStrike">
-              <a:solidFill>
-                <a:srgbClr val="000000"/>
-              </a:solidFill>
-              <a:uFill>
-                <a:solidFill>
-                  <a:srgbClr val="ffffff"/>
+            <a:endParaRPr lang="pt-BR" sz="3200" b="0" strike="noStrike" spc="-1">
+              <a:solidFill>
+                <a:srgbClr val="000000"/>
+              </a:solidFill>
+              <a:uFill>
+                <a:solidFill>
+                  <a:srgbClr val="FFFFFF"/>
                 </a:solidFill>
               </a:uFill>
               <a:latin typeface="Arial"/>
@@ -1003,11 +1145,14 @@
       </p:sp>
     </p:spTree>
   </p:cSld>
+  <p:clrMapOvr>
+    <a:masterClrMapping/>
+  </p:clrMapOvr>
 </p:sldLayout>
 </file>
 
 <file path=ppt/slideLayouts/slideLayout19.xml><?xml version="1.0" encoding="utf-8"?>
-<p:sldLayout xmlns:a="http://schemas.openxmlformats.org/drawingml/2006/main" xmlns:p="http://schemas.openxmlformats.org/presentationml/2006/main" xmlns:r="http://schemas.openxmlformats.org/officeDocument/2006/relationships" xmlns:p14="http://schemas.microsoft.com/office/powerpoint/2010/main" xmlns:p15="http://schemas.microsoft.com/office/powerpoint/2012/main" xmlns:mc="http://schemas.openxmlformats.org/markup-compatibility/2006" type="twoObjAndObj" preserve="1">
+<p:sldLayout xmlns:a="http://schemas.openxmlformats.org/drawingml/2006/main" xmlns:r="http://schemas.openxmlformats.org/officeDocument/2006/relationships" xmlns:p="http://schemas.openxmlformats.org/presentationml/2006/main" type="twoObjAndObj" preserve="1">
   <p:cSld name="Title, 2 Content and Content">
     <p:spTree>
       <p:nvGrpSpPr>
@@ -1043,15 +1188,16 @@
           </a:prstGeom>
         </p:spPr>
         <p:txBody>
-          <a:bodyPr lIns="0" rIns="0" tIns="0" bIns="0" anchor="ctr"/>
-          <a:p>
-            <a:endParaRPr b="0" lang="pt-BR" sz="1400" spc="-1" strike="noStrike">
-              <a:solidFill>
-                <a:srgbClr val="000000"/>
-              </a:solidFill>
-              <a:uFill>
-                <a:solidFill>
-                  <a:srgbClr val="ffffff"/>
+          <a:bodyPr lIns="0" tIns="0" rIns="0" bIns="0" anchor="ctr"/>
+          <a:lstStyle/>
+          <a:p>
+            <a:endParaRPr lang="pt-BR" sz="1400" b="0" strike="noStrike" spc="-1">
+              <a:solidFill>
+                <a:srgbClr val="000000"/>
+              </a:solidFill>
+              <a:uFill>
+                <a:solidFill>
+                  <a:srgbClr val="FFFFFF"/>
                 </a:solidFill>
               </a:uFill>
               <a:latin typeface="Arial"/>
@@ -1079,15 +1225,16 @@
           </a:prstGeom>
         </p:spPr>
         <p:txBody>
-          <a:bodyPr lIns="0" rIns="0" tIns="0" bIns="0"/>
-          <a:p>
-            <a:endParaRPr b="0" lang="pt-BR" sz="1400" spc="-1" strike="noStrike">
-              <a:solidFill>
-                <a:srgbClr val="000000"/>
-              </a:solidFill>
-              <a:uFill>
-                <a:solidFill>
-                  <a:srgbClr val="ffffff"/>
+          <a:bodyPr lIns="0" tIns="0" rIns="0" bIns="0"/>
+          <a:lstStyle/>
+          <a:p>
+            <a:endParaRPr lang="pt-BR" sz="1400" b="0" strike="noStrike" spc="-1">
+              <a:solidFill>
+                <a:srgbClr val="000000"/>
+              </a:solidFill>
+              <a:uFill>
+                <a:solidFill>
+                  <a:srgbClr val="FFFFFF"/>
                 </a:solidFill>
               </a:uFill>
               <a:latin typeface="Arial"/>
@@ -1115,15 +1262,16 @@
           </a:prstGeom>
         </p:spPr>
         <p:txBody>
-          <a:bodyPr lIns="0" rIns="0" tIns="0" bIns="0"/>
-          <a:p>
-            <a:endParaRPr b="0" lang="pt-BR" sz="1400" spc="-1" strike="noStrike">
-              <a:solidFill>
-                <a:srgbClr val="000000"/>
-              </a:solidFill>
-              <a:uFill>
-                <a:solidFill>
-                  <a:srgbClr val="ffffff"/>
+          <a:bodyPr lIns="0" tIns="0" rIns="0" bIns="0"/>
+          <a:lstStyle/>
+          <a:p>
+            <a:endParaRPr lang="pt-BR" sz="1400" b="0" strike="noStrike" spc="-1">
+              <a:solidFill>
+                <a:srgbClr val="000000"/>
+              </a:solidFill>
+              <a:uFill>
+                <a:solidFill>
+                  <a:srgbClr val="FFFFFF"/>
                 </a:solidFill>
               </a:uFill>
               <a:latin typeface="Arial"/>
@@ -1151,15 +1299,16 @@
           </a:prstGeom>
         </p:spPr>
         <p:txBody>
-          <a:bodyPr lIns="0" rIns="0" tIns="0" bIns="0"/>
-          <a:p>
-            <a:endParaRPr b="0" lang="pt-BR" sz="1400" spc="-1" strike="noStrike">
-              <a:solidFill>
-                <a:srgbClr val="000000"/>
-              </a:solidFill>
-              <a:uFill>
-                <a:solidFill>
-                  <a:srgbClr val="ffffff"/>
+          <a:bodyPr lIns="0" tIns="0" rIns="0" bIns="0"/>
+          <a:lstStyle/>
+          <a:p>
+            <a:endParaRPr lang="pt-BR" sz="1400" b="0" strike="noStrike" spc="-1">
+              <a:solidFill>
+                <a:srgbClr val="000000"/>
+              </a:solidFill>
+              <a:uFill>
+                <a:solidFill>
+                  <a:srgbClr val="FFFFFF"/>
                 </a:solidFill>
               </a:uFill>
               <a:latin typeface="Arial"/>
@@ -1169,11 +1318,14 @@
       </p:sp>
     </p:spTree>
   </p:cSld>
+  <p:clrMapOvr>
+    <a:masterClrMapping/>
+  </p:clrMapOvr>
 </p:sldLayout>
 </file>
 
 <file path=ppt/slideLayouts/slideLayout2.xml><?xml version="1.0" encoding="utf-8"?>
-<p:sldLayout xmlns:a="http://schemas.openxmlformats.org/drawingml/2006/main" xmlns:p="http://schemas.openxmlformats.org/presentationml/2006/main" xmlns:r="http://schemas.openxmlformats.org/officeDocument/2006/relationships" xmlns:p14="http://schemas.microsoft.com/office/powerpoint/2010/main" xmlns:p15="http://schemas.microsoft.com/office/powerpoint/2012/main" xmlns:mc="http://schemas.openxmlformats.org/markup-compatibility/2006" type="tx" preserve="1">
+<p:sldLayout xmlns:a="http://schemas.openxmlformats.org/drawingml/2006/main" xmlns:r="http://schemas.openxmlformats.org/officeDocument/2006/relationships" xmlns:p="http://schemas.openxmlformats.org/presentationml/2006/main" type="tx" preserve="1">
   <p:cSld name="Title Slide">
     <p:spTree>
       <p:nvGrpSpPr>
@@ -1209,15 +1361,16 @@
           </a:prstGeom>
         </p:spPr>
         <p:txBody>
-          <a:bodyPr lIns="0" rIns="0" tIns="0" bIns="0" anchor="ctr"/>
-          <a:p>
-            <a:endParaRPr b="0" lang="pt-BR" sz="1400" spc="-1" strike="noStrike">
-              <a:solidFill>
-                <a:srgbClr val="000000"/>
-              </a:solidFill>
-              <a:uFill>
-                <a:solidFill>
-                  <a:srgbClr val="ffffff"/>
+          <a:bodyPr lIns="0" tIns="0" rIns="0" bIns="0" anchor="ctr"/>
+          <a:lstStyle/>
+          <a:p>
+            <a:endParaRPr lang="pt-BR" sz="1400" b="0" strike="noStrike" spc="-1">
+              <a:solidFill>
+                <a:srgbClr val="000000"/>
+              </a:solidFill>
+              <a:uFill>
+                <a:solidFill>
+                  <a:srgbClr val="FFFFFF"/>
                 </a:solidFill>
               </a:uFill>
               <a:latin typeface="Arial"/>
@@ -1245,16 +1398,17 @@
           </a:prstGeom>
         </p:spPr>
         <p:txBody>
-          <a:bodyPr lIns="0" rIns="0" tIns="0" bIns="0" anchor="ctr"/>
+          <a:bodyPr lIns="0" tIns="0" rIns="0" bIns="0" anchor="ctr"/>
+          <a:lstStyle/>
           <a:p>
             <a:pPr algn="ctr"/>
-            <a:endParaRPr b="0" lang="pt-BR" sz="3200" spc="-1" strike="noStrike">
-              <a:solidFill>
-                <a:srgbClr val="000000"/>
-              </a:solidFill>
-              <a:uFill>
-                <a:solidFill>
-                  <a:srgbClr val="ffffff"/>
+            <a:endParaRPr lang="pt-BR" sz="3200" b="0" strike="noStrike" spc="-1">
+              <a:solidFill>
+                <a:srgbClr val="000000"/>
+              </a:solidFill>
+              <a:uFill>
+                <a:solidFill>
+                  <a:srgbClr val="FFFFFF"/>
                 </a:solidFill>
               </a:uFill>
               <a:latin typeface="Arial"/>
@@ -1264,11 +1418,14 @@
       </p:sp>
     </p:spTree>
   </p:cSld>
+  <p:clrMapOvr>
+    <a:masterClrMapping/>
+  </p:clrMapOvr>
 </p:sldLayout>
 </file>
 
 <file path=ppt/slideLayouts/slideLayout20.xml><?xml version="1.0" encoding="utf-8"?>
-<p:sldLayout xmlns:a="http://schemas.openxmlformats.org/drawingml/2006/main" xmlns:p="http://schemas.openxmlformats.org/presentationml/2006/main" xmlns:r="http://schemas.openxmlformats.org/officeDocument/2006/relationships" xmlns:p14="http://schemas.microsoft.com/office/powerpoint/2010/main" xmlns:p15="http://schemas.microsoft.com/office/powerpoint/2012/main" xmlns:mc="http://schemas.openxmlformats.org/markup-compatibility/2006" type="objAndTwoObj" preserve="1">
+<p:sldLayout xmlns:a="http://schemas.openxmlformats.org/drawingml/2006/main" xmlns:r="http://schemas.openxmlformats.org/officeDocument/2006/relationships" xmlns:p="http://schemas.openxmlformats.org/presentationml/2006/main" type="objAndTwoObj" preserve="1">
   <p:cSld name="Title Content and 2 Content">
     <p:spTree>
       <p:nvGrpSpPr>
@@ -1304,15 +1461,16 @@
           </a:prstGeom>
         </p:spPr>
         <p:txBody>
-          <a:bodyPr lIns="0" rIns="0" tIns="0" bIns="0" anchor="ctr"/>
-          <a:p>
-            <a:endParaRPr b="0" lang="pt-BR" sz="1400" spc="-1" strike="noStrike">
-              <a:solidFill>
-                <a:srgbClr val="000000"/>
-              </a:solidFill>
-              <a:uFill>
-                <a:solidFill>
-                  <a:srgbClr val="ffffff"/>
+          <a:bodyPr lIns="0" tIns="0" rIns="0" bIns="0" anchor="ctr"/>
+          <a:lstStyle/>
+          <a:p>
+            <a:endParaRPr lang="pt-BR" sz="1400" b="0" strike="noStrike" spc="-1">
+              <a:solidFill>
+                <a:srgbClr val="000000"/>
+              </a:solidFill>
+              <a:uFill>
+                <a:solidFill>
+                  <a:srgbClr val="FFFFFF"/>
                 </a:solidFill>
               </a:uFill>
               <a:latin typeface="Arial"/>
@@ -1340,15 +1498,16 @@
           </a:prstGeom>
         </p:spPr>
         <p:txBody>
-          <a:bodyPr lIns="0" rIns="0" tIns="0" bIns="0"/>
-          <a:p>
-            <a:endParaRPr b="0" lang="pt-BR" sz="1400" spc="-1" strike="noStrike">
-              <a:solidFill>
-                <a:srgbClr val="000000"/>
-              </a:solidFill>
-              <a:uFill>
-                <a:solidFill>
-                  <a:srgbClr val="ffffff"/>
+          <a:bodyPr lIns="0" tIns="0" rIns="0" bIns="0"/>
+          <a:lstStyle/>
+          <a:p>
+            <a:endParaRPr lang="pt-BR" sz="1400" b="0" strike="noStrike" spc="-1">
+              <a:solidFill>
+                <a:srgbClr val="000000"/>
+              </a:solidFill>
+              <a:uFill>
+                <a:solidFill>
+                  <a:srgbClr val="FFFFFF"/>
                 </a:solidFill>
               </a:uFill>
               <a:latin typeface="Arial"/>
@@ -1376,15 +1535,16 @@
           </a:prstGeom>
         </p:spPr>
         <p:txBody>
-          <a:bodyPr lIns="0" rIns="0" tIns="0" bIns="0"/>
-          <a:p>
-            <a:endParaRPr b="0" lang="pt-BR" sz="1400" spc="-1" strike="noStrike">
-              <a:solidFill>
-                <a:srgbClr val="000000"/>
-              </a:solidFill>
-              <a:uFill>
-                <a:solidFill>
-                  <a:srgbClr val="ffffff"/>
+          <a:bodyPr lIns="0" tIns="0" rIns="0" bIns="0"/>
+          <a:lstStyle/>
+          <a:p>
+            <a:endParaRPr lang="pt-BR" sz="1400" b="0" strike="noStrike" spc="-1">
+              <a:solidFill>
+                <a:srgbClr val="000000"/>
+              </a:solidFill>
+              <a:uFill>
+                <a:solidFill>
+                  <a:srgbClr val="FFFFFF"/>
                 </a:solidFill>
               </a:uFill>
               <a:latin typeface="Arial"/>
@@ -1412,15 +1572,16 @@
           </a:prstGeom>
         </p:spPr>
         <p:txBody>
-          <a:bodyPr lIns="0" rIns="0" tIns="0" bIns="0"/>
-          <a:p>
-            <a:endParaRPr b="0" lang="pt-BR" sz="1400" spc="-1" strike="noStrike">
-              <a:solidFill>
-                <a:srgbClr val="000000"/>
-              </a:solidFill>
-              <a:uFill>
-                <a:solidFill>
-                  <a:srgbClr val="ffffff"/>
+          <a:bodyPr lIns="0" tIns="0" rIns="0" bIns="0"/>
+          <a:lstStyle/>
+          <a:p>
+            <a:endParaRPr lang="pt-BR" sz="1400" b="0" strike="noStrike" spc="-1">
+              <a:solidFill>
+                <a:srgbClr val="000000"/>
+              </a:solidFill>
+              <a:uFill>
+                <a:solidFill>
+                  <a:srgbClr val="FFFFFF"/>
                 </a:solidFill>
               </a:uFill>
               <a:latin typeface="Arial"/>
@@ -1430,11 +1591,14 @@
       </p:sp>
     </p:spTree>
   </p:cSld>
+  <p:clrMapOvr>
+    <a:masterClrMapping/>
+  </p:clrMapOvr>
 </p:sldLayout>
 </file>
 
 <file path=ppt/slideLayouts/slideLayout21.xml><?xml version="1.0" encoding="utf-8"?>
-<p:sldLayout xmlns:a="http://schemas.openxmlformats.org/drawingml/2006/main" xmlns:p="http://schemas.openxmlformats.org/presentationml/2006/main" xmlns:r="http://schemas.openxmlformats.org/officeDocument/2006/relationships" xmlns:p14="http://schemas.microsoft.com/office/powerpoint/2010/main" xmlns:p15="http://schemas.microsoft.com/office/powerpoint/2012/main" xmlns:mc="http://schemas.openxmlformats.org/markup-compatibility/2006" type="twoObjOverTx" preserve="1">
+<p:sldLayout xmlns:a="http://schemas.openxmlformats.org/drawingml/2006/main" xmlns:r="http://schemas.openxmlformats.org/officeDocument/2006/relationships" xmlns:p="http://schemas.openxmlformats.org/presentationml/2006/main" type="twoObjOverTx" preserve="1">
   <p:cSld name="Title, 2 Content over Content">
     <p:spTree>
       <p:nvGrpSpPr>
@@ -1470,15 +1634,16 @@
           </a:prstGeom>
         </p:spPr>
         <p:txBody>
-          <a:bodyPr lIns="0" rIns="0" tIns="0" bIns="0" anchor="ctr"/>
-          <a:p>
-            <a:endParaRPr b="0" lang="pt-BR" sz="1400" spc="-1" strike="noStrike">
-              <a:solidFill>
-                <a:srgbClr val="000000"/>
-              </a:solidFill>
-              <a:uFill>
-                <a:solidFill>
-                  <a:srgbClr val="ffffff"/>
+          <a:bodyPr lIns="0" tIns="0" rIns="0" bIns="0" anchor="ctr"/>
+          <a:lstStyle/>
+          <a:p>
+            <a:endParaRPr lang="pt-BR" sz="1400" b="0" strike="noStrike" spc="-1">
+              <a:solidFill>
+                <a:srgbClr val="000000"/>
+              </a:solidFill>
+              <a:uFill>
+                <a:solidFill>
+                  <a:srgbClr val="FFFFFF"/>
                 </a:solidFill>
               </a:uFill>
               <a:latin typeface="Arial"/>
@@ -1506,15 +1671,16 @@
           </a:prstGeom>
         </p:spPr>
         <p:txBody>
-          <a:bodyPr lIns="0" rIns="0" tIns="0" bIns="0"/>
-          <a:p>
-            <a:endParaRPr b="0" lang="pt-BR" sz="1400" spc="-1" strike="noStrike">
-              <a:solidFill>
-                <a:srgbClr val="000000"/>
-              </a:solidFill>
-              <a:uFill>
-                <a:solidFill>
-                  <a:srgbClr val="ffffff"/>
+          <a:bodyPr lIns="0" tIns="0" rIns="0" bIns="0"/>
+          <a:lstStyle/>
+          <a:p>
+            <a:endParaRPr lang="pt-BR" sz="1400" b="0" strike="noStrike" spc="-1">
+              <a:solidFill>
+                <a:srgbClr val="000000"/>
+              </a:solidFill>
+              <a:uFill>
+                <a:solidFill>
+                  <a:srgbClr val="FFFFFF"/>
                 </a:solidFill>
               </a:uFill>
               <a:latin typeface="Arial"/>
@@ -1542,15 +1708,16 @@
           </a:prstGeom>
         </p:spPr>
         <p:txBody>
-          <a:bodyPr lIns="0" rIns="0" tIns="0" bIns="0"/>
-          <a:p>
-            <a:endParaRPr b="0" lang="pt-BR" sz="1400" spc="-1" strike="noStrike">
-              <a:solidFill>
-                <a:srgbClr val="000000"/>
-              </a:solidFill>
-              <a:uFill>
-                <a:solidFill>
-                  <a:srgbClr val="ffffff"/>
+          <a:bodyPr lIns="0" tIns="0" rIns="0" bIns="0"/>
+          <a:lstStyle/>
+          <a:p>
+            <a:endParaRPr lang="pt-BR" sz="1400" b="0" strike="noStrike" spc="-1">
+              <a:solidFill>
+                <a:srgbClr val="000000"/>
+              </a:solidFill>
+              <a:uFill>
+                <a:solidFill>
+                  <a:srgbClr val="FFFFFF"/>
                 </a:solidFill>
               </a:uFill>
               <a:latin typeface="Arial"/>
@@ -1578,15 +1745,16 @@
           </a:prstGeom>
         </p:spPr>
         <p:txBody>
-          <a:bodyPr lIns="0" rIns="0" tIns="0" bIns="0"/>
-          <a:p>
-            <a:endParaRPr b="0" lang="pt-BR" sz="1400" spc="-1" strike="noStrike">
-              <a:solidFill>
-                <a:srgbClr val="000000"/>
-              </a:solidFill>
-              <a:uFill>
-                <a:solidFill>
-                  <a:srgbClr val="ffffff"/>
+          <a:bodyPr lIns="0" tIns="0" rIns="0" bIns="0"/>
+          <a:lstStyle/>
+          <a:p>
+            <a:endParaRPr lang="pt-BR" sz="1400" b="0" strike="noStrike" spc="-1">
+              <a:solidFill>
+                <a:srgbClr val="000000"/>
+              </a:solidFill>
+              <a:uFill>
+                <a:solidFill>
+                  <a:srgbClr val="FFFFFF"/>
                 </a:solidFill>
               </a:uFill>
               <a:latin typeface="Arial"/>
@@ -1596,11 +1764,14 @@
       </p:sp>
     </p:spTree>
   </p:cSld>
+  <p:clrMapOvr>
+    <a:masterClrMapping/>
+  </p:clrMapOvr>
 </p:sldLayout>
 </file>
 
 <file path=ppt/slideLayouts/slideLayout22.xml><?xml version="1.0" encoding="utf-8"?>
-<p:sldLayout xmlns:a="http://schemas.openxmlformats.org/drawingml/2006/main" xmlns:p="http://schemas.openxmlformats.org/presentationml/2006/main" xmlns:r="http://schemas.openxmlformats.org/officeDocument/2006/relationships" xmlns:p14="http://schemas.microsoft.com/office/powerpoint/2010/main" xmlns:p15="http://schemas.microsoft.com/office/powerpoint/2012/main" xmlns:mc="http://schemas.openxmlformats.org/markup-compatibility/2006" type="objOverTx" preserve="1">
+<p:sldLayout xmlns:a="http://schemas.openxmlformats.org/drawingml/2006/main" xmlns:r="http://schemas.openxmlformats.org/officeDocument/2006/relationships" xmlns:p="http://schemas.openxmlformats.org/presentationml/2006/main" type="objOverTx" preserve="1">
   <p:cSld name="Title, Content over Content">
     <p:spTree>
       <p:nvGrpSpPr>
@@ -1636,15 +1807,16 @@
           </a:prstGeom>
         </p:spPr>
         <p:txBody>
-          <a:bodyPr lIns="0" rIns="0" tIns="0" bIns="0" anchor="ctr"/>
-          <a:p>
-            <a:endParaRPr b="0" lang="pt-BR" sz="1400" spc="-1" strike="noStrike">
-              <a:solidFill>
-                <a:srgbClr val="000000"/>
-              </a:solidFill>
-              <a:uFill>
-                <a:solidFill>
-                  <a:srgbClr val="ffffff"/>
+          <a:bodyPr lIns="0" tIns="0" rIns="0" bIns="0" anchor="ctr"/>
+          <a:lstStyle/>
+          <a:p>
+            <a:endParaRPr lang="pt-BR" sz="1400" b="0" strike="noStrike" spc="-1">
+              <a:solidFill>
+                <a:srgbClr val="000000"/>
+              </a:solidFill>
+              <a:uFill>
+                <a:solidFill>
+                  <a:srgbClr val="FFFFFF"/>
                 </a:solidFill>
               </a:uFill>
               <a:latin typeface="Arial"/>
@@ -1672,15 +1844,16 @@
           </a:prstGeom>
         </p:spPr>
         <p:txBody>
-          <a:bodyPr lIns="0" rIns="0" tIns="0" bIns="0"/>
-          <a:p>
-            <a:endParaRPr b="0" lang="pt-BR" sz="1400" spc="-1" strike="noStrike">
-              <a:solidFill>
-                <a:srgbClr val="000000"/>
-              </a:solidFill>
-              <a:uFill>
-                <a:solidFill>
-                  <a:srgbClr val="ffffff"/>
+          <a:bodyPr lIns="0" tIns="0" rIns="0" bIns="0"/>
+          <a:lstStyle/>
+          <a:p>
+            <a:endParaRPr lang="pt-BR" sz="1400" b="0" strike="noStrike" spc="-1">
+              <a:solidFill>
+                <a:srgbClr val="000000"/>
+              </a:solidFill>
+              <a:uFill>
+                <a:solidFill>
+                  <a:srgbClr val="FFFFFF"/>
                 </a:solidFill>
               </a:uFill>
               <a:latin typeface="Arial"/>
@@ -1708,15 +1881,16 @@
           </a:prstGeom>
         </p:spPr>
         <p:txBody>
-          <a:bodyPr lIns="0" rIns="0" tIns="0" bIns="0"/>
-          <a:p>
-            <a:endParaRPr b="0" lang="pt-BR" sz="1400" spc="-1" strike="noStrike">
-              <a:solidFill>
-                <a:srgbClr val="000000"/>
-              </a:solidFill>
-              <a:uFill>
-                <a:solidFill>
-                  <a:srgbClr val="ffffff"/>
+          <a:bodyPr lIns="0" tIns="0" rIns="0" bIns="0"/>
+          <a:lstStyle/>
+          <a:p>
+            <a:endParaRPr lang="pt-BR" sz="1400" b="0" strike="noStrike" spc="-1">
+              <a:solidFill>
+                <a:srgbClr val="000000"/>
+              </a:solidFill>
+              <a:uFill>
+                <a:solidFill>
+                  <a:srgbClr val="FFFFFF"/>
                 </a:solidFill>
               </a:uFill>
               <a:latin typeface="Arial"/>
@@ -1726,11 +1900,14 @@
       </p:sp>
     </p:spTree>
   </p:cSld>
+  <p:clrMapOvr>
+    <a:masterClrMapping/>
+  </p:clrMapOvr>
 </p:sldLayout>
 </file>
 
 <file path=ppt/slideLayouts/slideLayout23.xml><?xml version="1.0" encoding="utf-8"?>
-<p:sldLayout xmlns:a="http://schemas.openxmlformats.org/drawingml/2006/main" xmlns:p="http://schemas.openxmlformats.org/presentationml/2006/main" xmlns:r="http://schemas.openxmlformats.org/officeDocument/2006/relationships" xmlns:p14="http://schemas.microsoft.com/office/powerpoint/2010/main" xmlns:p15="http://schemas.microsoft.com/office/powerpoint/2012/main" xmlns:mc="http://schemas.openxmlformats.org/markup-compatibility/2006" type="fourObj" preserve="1">
+<p:sldLayout xmlns:a="http://schemas.openxmlformats.org/drawingml/2006/main" xmlns:r="http://schemas.openxmlformats.org/officeDocument/2006/relationships" xmlns:p="http://schemas.openxmlformats.org/presentationml/2006/main" type="fourObj" preserve="1">
   <p:cSld name="Title, 4 Content">
     <p:spTree>
       <p:nvGrpSpPr>
@@ -1766,15 +1943,16 @@
           </a:prstGeom>
         </p:spPr>
         <p:txBody>
-          <a:bodyPr lIns="0" rIns="0" tIns="0" bIns="0" anchor="ctr"/>
-          <a:p>
-            <a:endParaRPr b="0" lang="pt-BR" sz="1400" spc="-1" strike="noStrike">
-              <a:solidFill>
-                <a:srgbClr val="000000"/>
-              </a:solidFill>
-              <a:uFill>
-                <a:solidFill>
-                  <a:srgbClr val="ffffff"/>
+          <a:bodyPr lIns="0" tIns="0" rIns="0" bIns="0" anchor="ctr"/>
+          <a:lstStyle/>
+          <a:p>
+            <a:endParaRPr lang="pt-BR" sz="1400" b="0" strike="noStrike" spc="-1">
+              <a:solidFill>
+                <a:srgbClr val="000000"/>
+              </a:solidFill>
+              <a:uFill>
+                <a:solidFill>
+                  <a:srgbClr val="FFFFFF"/>
                 </a:solidFill>
               </a:uFill>
               <a:latin typeface="Arial"/>
@@ -1802,15 +1980,16 @@
           </a:prstGeom>
         </p:spPr>
         <p:txBody>
-          <a:bodyPr lIns="0" rIns="0" tIns="0" bIns="0"/>
-          <a:p>
-            <a:endParaRPr b="0" lang="pt-BR" sz="1400" spc="-1" strike="noStrike">
-              <a:solidFill>
-                <a:srgbClr val="000000"/>
-              </a:solidFill>
-              <a:uFill>
-                <a:solidFill>
-                  <a:srgbClr val="ffffff"/>
+          <a:bodyPr lIns="0" tIns="0" rIns="0" bIns="0"/>
+          <a:lstStyle/>
+          <a:p>
+            <a:endParaRPr lang="pt-BR" sz="1400" b="0" strike="noStrike" spc="-1">
+              <a:solidFill>
+                <a:srgbClr val="000000"/>
+              </a:solidFill>
+              <a:uFill>
+                <a:solidFill>
+                  <a:srgbClr val="FFFFFF"/>
                 </a:solidFill>
               </a:uFill>
               <a:latin typeface="Arial"/>
@@ -1838,15 +2017,16 @@
           </a:prstGeom>
         </p:spPr>
         <p:txBody>
-          <a:bodyPr lIns="0" rIns="0" tIns="0" bIns="0"/>
-          <a:p>
-            <a:endParaRPr b="0" lang="pt-BR" sz="1400" spc="-1" strike="noStrike">
-              <a:solidFill>
-                <a:srgbClr val="000000"/>
-              </a:solidFill>
-              <a:uFill>
-                <a:solidFill>
-                  <a:srgbClr val="ffffff"/>
+          <a:bodyPr lIns="0" tIns="0" rIns="0" bIns="0"/>
+          <a:lstStyle/>
+          <a:p>
+            <a:endParaRPr lang="pt-BR" sz="1400" b="0" strike="noStrike" spc="-1">
+              <a:solidFill>
+                <a:srgbClr val="000000"/>
+              </a:solidFill>
+              <a:uFill>
+                <a:solidFill>
+                  <a:srgbClr val="FFFFFF"/>
                 </a:solidFill>
               </a:uFill>
               <a:latin typeface="Arial"/>
@@ -1874,15 +2054,16 @@
           </a:prstGeom>
         </p:spPr>
         <p:txBody>
-          <a:bodyPr lIns="0" rIns="0" tIns="0" bIns="0"/>
-          <a:p>
-            <a:endParaRPr b="0" lang="pt-BR" sz="1400" spc="-1" strike="noStrike">
-              <a:solidFill>
-                <a:srgbClr val="000000"/>
-              </a:solidFill>
-              <a:uFill>
-                <a:solidFill>
-                  <a:srgbClr val="ffffff"/>
+          <a:bodyPr lIns="0" tIns="0" rIns="0" bIns="0"/>
+          <a:lstStyle/>
+          <a:p>
+            <a:endParaRPr lang="pt-BR" sz="1400" b="0" strike="noStrike" spc="-1">
+              <a:solidFill>
+                <a:srgbClr val="000000"/>
+              </a:solidFill>
+              <a:uFill>
+                <a:solidFill>
+                  <a:srgbClr val="FFFFFF"/>
                 </a:solidFill>
               </a:uFill>
               <a:latin typeface="Arial"/>
@@ -1910,15 +2091,16 @@
           </a:prstGeom>
         </p:spPr>
         <p:txBody>
-          <a:bodyPr lIns="0" rIns="0" tIns="0" bIns="0"/>
-          <a:p>
-            <a:endParaRPr b="0" lang="pt-BR" sz="1400" spc="-1" strike="noStrike">
-              <a:solidFill>
-                <a:srgbClr val="000000"/>
-              </a:solidFill>
-              <a:uFill>
-                <a:solidFill>
-                  <a:srgbClr val="ffffff"/>
+          <a:bodyPr lIns="0" tIns="0" rIns="0" bIns="0"/>
+          <a:lstStyle/>
+          <a:p>
+            <a:endParaRPr lang="pt-BR" sz="1400" b="0" strike="noStrike" spc="-1">
+              <a:solidFill>
+                <a:srgbClr val="000000"/>
+              </a:solidFill>
+              <a:uFill>
+                <a:solidFill>
+                  <a:srgbClr val="FFFFFF"/>
                 </a:solidFill>
               </a:uFill>
               <a:latin typeface="Arial"/>
@@ -1928,11 +2110,14 @@
       </p:sp>
     </p:spTree>
   </p:cSld>
+  <p:clrMapOvr>
+    <a:masterClrMapping/>
+  </p:clrMapOvr>
 </p:sldLayout>
 </file>
 
 <file path=ppt/slideLayouts/slideLayout24.xml><?xml version="1.0" encoding="utf-8"?>
-<p:sldLayout xmlns:a="http://schemas.openxmlformats.org/drawingml/2006/main" xmlns:p="http://schemas.openxmlformats.org/presentationml/2006/main" xmlns:r="http://schemas.openxmlformats.org/officeDocument/2006/relationships" xmlns:p14="http://schemas.microsoft.com/office/powerpoint/2010/main" xmlns:p15="http://schemas.microsoft.com/office/powerpoint/2012/main" xmlns:mc="http://schemas.openxmlformats.org/markup-compatibility/2006" type="blank" preserve="1">
+<p:sldLayout xmlns:a="http://schemas.openxmlformats.org/drawingml/2006/main" xmlns:r="http://schemas.openxmlformats.org/officeDocument/2006/relationships" xmlns:p="http://schemas.openxmlformats.org/presentationml/2006/main" type="blank" preserve="1">
   <p:cSld name="Title, 6 Content">
     <p:spTree>
       <p:nvGrpSpPr>
@@ -1968,15 +2153,16 @@
           </a:prstGeom>
         </p:spPr>
         <p:txBody>
-          <a:bodyPr lIns="0" rIns="0" tIns="0" bIns="0" anchor="ctr"/>
-          <a:p>
-            <a:endParaRPr b="0" lang="pt-BR" sz="1400" spc="-1" strike="noStrike">
-              <a:solidFill>
-                <a:srgbClr val="000000"/>
-              </a:solidFill>
-              <a:uFill>
-                <a:solidFill>
-                  <a:srgbClr val="ffffff"/>
+          <a:bodyPr lIns="0" tIns="0" rIns="0" bIns="0" anchor="ctr"/>
+          <a:lstStyle/>
+          <a:p>
+            <a:endParaRPr lang="pt-BR" sz="1400" b="0" strike="noStrike" spc="-1">
+              <a:solidFill>
+                <a:srgbClr val="000000"/>
+              </a:solidFill>
+              <a:uFill>
+                <a:solidFill>
+                  <a:srgbClr val="FFFFFF"/>
                 </a:solidFill>
               </a:uFill>
               <a:latin typeface="Arial"/>
@@ -2004,15 +2190,16 @@
           </a:prstGeom>
         </p:spPr>
         <p:txBody>
-          <a:bodyPr lIns="0" rIns="0" tIns="0" bIns="0"/>
-          <a:p>
-            <a:endParaRPr b="0" lang="pt-BR" sz="1400" spc="-1" strike="noStrike">
-              <a:solidFill>
-                <a:srgbClr val="000000"/>
-              </a:solidFill>
-              <a:uFill>
-                <a:solidFill>
-                  <a:srgbClr val="ffffff"/>
+          <a:bodyPr lIns="0" tIns="0" rIns="0" bIns="0"/>
+          <a:lstStyle/>
+          <a:p>
+            <a:endParaRPr lang="pt-BR" sz="1400" b="0" strike="noStrike" spc="-1">
+              <a:solidFill>
+                <a:srgbClr val="000000"/>
+              </a:solidFill>
+              <a:uFill>
+                <a:solidFill>
+                  <a:srgbClr val="FFFFFF"/>
                 </a:solidFill>
               </a:uFill>
               <a:latin typeface="Arial"/>
@@ -2040,15 +2227,16 @@
           </a:prstGeom>
         </p:spPr>
         <p:txBody>
-          <a:bodyPr lIns="0" rIns="0" tIns="0" bIns="0"/>
-          <a:p>
-            <a:endParaRPr b="0" lang="pt-BR" sz="1400" spc="-1" strike="noStrike">
-              <a:solidFill>
-                <a:srgbClr val="000000"/>
-              </a:solidFill>
-              <a:uFill>
-                <a:solidFill>
-                  <a:srgbClr val="ffffff"/>
+          <a:bodyPr lIns="0" tIns="0" rIns="0" bIns="0"/>
+          <a:lstStyle/>
+          <a:p>
+            <a:endParaRPr lang="pt-BR" sz="1400" b="0" strike="noStrike" spc="-1">
+              <a:solidFill>
+                <a:srgbClr val="000000"/>
+              </a:solidFill>
+              <a:uFill>
+                <a:solidFill>
+                  <a:srgbClr val="FFFFFF"/>
                 </a:solidFill>
               </a:uFill>
               <a:latin typeface="Arial"/>
@@ -2058,7 +2246,7 @@
       </p:sp>
       <p:pic>
         <p:nvPicPr>
-          <p:cNvPr id="74" name="" descr=""/>
+          <p:cNvPr id="74" name="Imagem 73"/>
           <p:cNvPicPr/>
           <p:nvPr/>
         </p:nvPicPr>
@@ -2081,12 +2269,12 @@
       </p:pic>
       <p:pic>
         <p:nvPicPr>
-          <p:cNvPr id="75" name="" descr=""/>
+          <p:cNvPr id="75" name="Imagem 74"/>
           <p:cNvPicPr/>
           <p:nvPr/>
         </p:nvPicPr>
         <p:blipFill>
-          <a:blip r:embed="rId3"/>
+          <a:blip r:embed="rId2"/>
           <a:stretch/>
         </p:blipFill>
         <p:spPr>
@@ -2104,11 +2292,14 @@
       </p:pic>
     </p:spTree>
   </p:cSld>
+  <p:clrMapOvr>
+    <a:masterClrMapping/>
+  </p:clrMapOvr>
 </p:sldLayout>
 </file>
 
 <file path=ppt/slideLayouts/slideLayout3.xml><?xml version="1.0" encoding="utf-8"?>
-<p:sldLayout xmlns:a="http://schemas.openxmlformats.org/drawingml/2006/main" xmlns:p="http://schemas.openxmlformats.org/presentationml/2006/main" xmlns:r="http://schemas.openxmlformats.org/officeDocument/2006/relationships" xmlns:p14="http://schemas.microsoft.com/office/powerpoint/2010/main" xmlns:p15="http://schemas.microsoft.com/office/powerpoint/2012/main" xmlns:mc="http://schemas.openxmlformats.org/markup-compatibility/2006" type="obj" preserve="1">
+<p:sldLayout xmlns:a="http://schemas.openxmlformats.org/drawingml/2006/main" xmlns:r="http://schemas.openxmlformats.org/officeDocument/2006/relationships" xmlns:p="http://schemas.openxmlformats.org/presentationml/2006/main" type="obj" preserve="1">
   <p:cSld name="Title, Content">
     <p:spTree>
       <p:nvGrpSpPr>
@@ -2144,15 +2335,16 @@
           </a:prstGeom>
         </p:spPr>
         <p:txBody>
-          <a:bodyPr lIns="0" rIns="0" tIns="0" bIns="0" anchor="ctr"/>
-          <a:p>
-            <a:endParaRPr b="0" lang="pt-BR" sz="1400" spc="-1" strike="noStrike">
-              <a:solidFill>
-                <a:srgbClr val="000000"/>
-              </a:solidFill>
-              <a:uFill>
-                <a:solidFill>
-                  <a:srgbClr val="ffffff"/>
+          <a:bodyPr lIns="0" tIns="0" rIns="0" bIns="0" anchor="ctr"/>
+          <a:lstStyle/>
+          <a:p>
+            <a:endParaRPr lang="pt-BR" sz="1400" b="0" strike="noStrike" spc="-1">
+              <a:solidFill>
+                <a:srgbClr val="000000"/>
+              </a:solidFill>
+              <a:uFill>
+                <a:solidFill>
+                  <a:srgbClr val="FFFFFF"/>
                 </a:solidFill>
               </a:uFill>
               <a:latin typeface="Arial"/>
@@ -2180,15 +2372,16 @@
           </a:prstGeom>
         </p:spPr>
         <p:txBody>
-          <a:bodyPr lIns="0" rIns="0" tIns="0" bIns="0"/>
-          <a:p>
-            <a:endParaRPr b="0" lang="pt-BR" sz="1400" spc="-1" strike="noStrike">
-              <a:solidFill>
-                <a:srgbClr val="000000"/>
-              </a:solidFill>
-              <a:uFill>
-                <a:solidFill>
-                  <a:srgbClr val="ffffff"/>
+          <a:bodyPr lIns="0" tIns="0" rIns="0" bIns="0"/>
+          <a:lstStyle/>
+          <a:p>
+            <a:endParaRPr lang="pt-BR" sz="1400" b="0" strike="noStrike" spc="-1">
+              <a:solidFill>
+                <a:srgbClr val="000000"/>
+              </a:solidFill>
+              <a:uFill>
+                <a:solidFill>
+                  <a:srgbClr val="FFFFFF"/>
                 </a:solidFill>
               </a:uFill>
               <a:latin typeface="Arial"/>
@@ -2198,11 +2391,14 @@
       </p:sp>
     </p:spTree>
   </p:cSld>
+  <p:clrMapOvr>
+    <a:masterClrMapping/>
+  </p:clrMapOvr>
 </p:sldLayout>
 </file>
 
 <file path=ppt/slideLayouts/slideLayout4.xml><?xml version="1.0" encoding="utf-8"?>
-<p:sldLayout xmlns:a="http://schemas.openxmlformats.org/drawingml/2006/main" xmlns:p="http://schemas.openxmlformats.org/presentationml/2006/main" xmlns:r="http://schemas.openxmlformats.org/officeDocument/2006/relationships" xmlns:p14="http://schemas.microsoft.com/office/powerpoint/2010/main" xmlns:p15="http://schemas.microsoft.com/office/powerpoint/2012/main" xmlns:mc="http://schemas.openxmlformats.org/markup-compatibility/2006" type="twoObj" preserve="1">
+<p:sldLayout xmlns:a="http://schemas.openxmlformats.org/drawingml/2006/main" xmlns:r="http://schemas.openxmlformats.org/officeDocument/2006/relationships" xmlns:p="http://schemas.openxmlformats.org/presentationml/2006/main" type="twoObj" preserve="1">
   <p:cSld name="Title, 2 Content">
     <p:spTree>
       <p:nvGrpSpPr>
@@ -2238,15 +2434,16 @@
           </a:prstGeom>
         </p:spPr>
         <p:txBody>
-          <a:bodyPr lIns="0" rIns="0" tIns="0" bIns="0" anchor="ctr"/>
-          <a:p>
-            <a:endParaRPr b="0" lang="pt-BR" sz="1400" spc="-1" strike="noStrike">
-              <a:solidFill>
-                <a:srgbClr val="000000"/>
-              </a:solidFill>
-              <a:uFill>
-                <a:solidFill>
-                  <a:srgbClr val="ffffff"/>
+          <a:bodyPr lIns="0" tIns="0" rIns="0" bIns="0" anchor="ctr"/>
+          <a:lstStyle/>
+          <a:p>
+            <a:endParaRPr lang="pt-BR" sz="1400" b="0" strike="noStrike" spc="-1">
+              <a:solidFill>
+                <a:srgbClr val="000000"/>
+              </a:solidFill>
+              <a:uFill>
+                <a:solidFill>
+                  <a:srgbClr val="FFFFFF"/>
                 </a:solidFill>
               </a:uFill>
               <a:latin typeface="Arial"/>
@@ -2274,15 +2471,16 @@
           </a:prstGeom>
         </p:spPr>
         <p:txBody>
-          <a:bodyPr lIns="0" rIns="0" tIns="0" bIns="0"/>
-          <a:p>
-            <a:endParaRPr b="0" lang="pt-BR" sz="1400" spc="-1" strike="noStrike">
-              <a:solidFill>
-                <a:srgbClr val="000000"/>
-              </a:solidFill>
-              <a:uFill>
-                <a:solidFill>
-                  <a:srgbClr val="ffffff"/>
+          <a:bodyPr lIns="0" tIns="0" rIns="0" bIns="0"/>
+          <a:lstStyle/>
+          <a:p>
+            <a:endParaRPr lang="pt-BR" sz="1400" b="0" strike="noStrike" spc="-1">
+              <a:solidFill>
+                <a:srgbClr val="000000"/>
+              </a:solidFill>
+              <a:uFill>
+                <a:solidFill>
+                  <a:srgbClr val="FFFFFF"/>
                 </a:solidFill>
               </a:uFill>
               <a:latin typeface="Arial"/>
@@ -2310,15 +2508,16 @@
           </a:prstGeom>
         </p:spPr>
         <p:txBody>
-          <a:bodyPr lIns="0" rIns="0" tIns="0" bIns="0"/>
-          <a:p>
-            <a:endParaRPr b="0" lang="pt-BR" sz="1400" spc="-1" strike="noStrike">
-              <a:solidFill>
-                <a:srgbClr val="000000"/>
-              </a:solidFill>
-              <a:uFill>
-                <a:solidFill>
-                  <a:srgbClr val="ffffff"/>
+          <a:bodyPr lIns="0" tIns="0" rIns="0" bIns="0"/>
+          <a:lstStyle/>
+          <a:p>
+            <a:endParaRPr lang="pt-BR" sz="1400" b="0" strike="noStrike" spc="-1">
+              <a:solidFill>
+                <a:srgbClr val="000000"/>
+              </a:solidFill>
+              <a:uFill>
+                <a:solidFill>
+                  <a:srgbClr val="FFFFFF"/>
                 </a:solidFill>
               </a:uFill>
               <a:latin typeface="Arial"/>
@@ -2328,11 +2527,14 @@
       </p:sp>
     </p:spTree>
   </p:cSld>
+  <p:clrMapOvr>
+    <a:masterClrMapping/>
+  </p:clrMapOvr>
 </p:sldLayout>
 </file>
 
 <file path=ppt/slideLayouts/slideLayout5.xml><?xml version="1.0" encoding="utf-8"?>
-<p:sldLayout xmlns:a="http://schemas.openxmlformats.org/drawingml/2006/main" xmlns:p="http://schemas.openxmlformats.org/presentationml/2006/main" xmlns:r="http://schemas.openxmlformats.org/officeDocument/2006/relationships" xmlns:p14="http://schemas.microsoft.com/office/powerpoint/2010/main" xmlns:p15="http://schemas.microsoft.com/office/powerpoint/2012/main" xmlns:mc="http://schemas.openxmlformats.org/markup-compatibility/2006" type="titleOnly" preserve="1">
+<p:sldLayout xmlns:a="http://schemas.openxmlformats.org/drawingml/2006/main" xmlns:r="http://schemas.openxmlformats.org/officeDocument/2006/relationships" xmlns:p="http://schemas.openxmlformats.org/presentationml/2006/main" type="titleOnly" preserve="1">
   <p:cSld name="Title Only">
     <p:spTree>
       <p:nvGrpSpPr>
@@ -2368,15 +2570,16 @@
           </a:prstGeom>
         </p:spPr>
         <p:txBody>
-          <a:bodyPr lIns="0" rIns="0" tIns="0" bIns="0" anchor="ctr"/>
-          <a:p>
-            <a:endParaRPr b="0" lang="pt-BR" sz="1400" spc="-1" strike="noStrike">
-              <a:solidFill>
-                <a:srgbClr val="000000"/>
-              </a:solidFill>
-              <a:uFill>
-                <a:solidFill>
-                  <a:srgbClr val="ffffff"/>
+          <a:bodyPr lIns="0" tIns="0" rIns="0" bIns="0" anchor="ctr"/>
+          <a:lstStyle/>
+          <a:p>
+            <a:endParaRPr lang="pt-BR" sz="1400" b="0" strike="noStrike" spc="-1">
+              <a:solidFill>
+                <a:srgbClr val="000000"/>
+              </a:solidFill>
+              <a:uFill>
+                <a:solidFill>
+                  <a:srgbClr val="FFFFFF"/>
                 </a:solidFill>
               </a:uFill>
               <a:latin typeface="Arial"/>
@@ -2386,11 +2589,14 @@
       </p:sp>
     </p:spTree>
   </p:cSld>
+  <p:clrMapOvr>
+    <a:masterClrMapping/>
+  </p:clrMapOvr>
 </p:sldLayout>
 </file>
 
 <file path=ppt/slideLayouts/slideLayout6.xml><?xml version="1.0" encoding="utf-8"?>
-<p:sldLayout xmlns:a="http://schemas.openxmlformats.org/drawingml/2006/main" xmlns:p="http://schemas.openxmlformats.org/presentationml/2006/main" xmlns:r="http://schemas.openxmlformats.org/officeDocument/2006/relationships" xmlns:p14="http://schemas.microsoft.com/office/powerpoint/2010/main" xmlns:p15="http://schemas.microsoft.com/office/powerpoint/2012/main" xmlns:mc="http://schemas.openxmlformats.org/markup-compatibility/2006" type="objOnly" preserve="1">
+<p:sldLayout xmlns:a="http://schemas.openxmlformats.org/drawingml/2006/main" xmlns:r="http://schemas.openxmlformats.org/officeDocument/2006/relationships" xmlns:p="http://schemas.openxmlformats.org/presentationml/2006/main" type="objOnly" preserve="1">
   <p:cSld name="Centered Text">
     <p:spTree>
       <p:nvGrpSpPr>
@@ -2426,16 +2632,17 @@
           </a:prstGeom>
         </p:spPr>
         <p:txBody>
-          <a:bodyPr lIns="0" rIns="0" tIns="0" bIns="0" anchor="ctr"/>
+          <a:bodyPr lIns="0" tIns="0" rIns="0" bIns="0" anchor="ctr"/>
+          <a:lstStyle/>
           <a:p>
             <a:pPr algn="ctr"/>
-            <a:endParaRPr b="0" lang="pt-BR" sz="3200" spc="-1" strike="noStrike">
-              <a:solidFill>
-                <a:srgbClr val="000000"/>
-              </a:solidFill>
-              <a:uFill>
-                <a:solidFill>
-                  <a:srgbClr val="ffffff"/>
+            <a:endParaRPr lang="pt-BR" sz="3200" b="0" strike="noStrike" spc="-1">
+              <a:solidFill>
+                <a:srgbClr val="000000"/>
+              </a:solidFill>
+              <a:uFill>
+                <a:solidFill>
+                  <a:srgbClr val="FFFFFF"/>
                 </a:solidFill>
               </a:uFill>
               <a:latin typeface="Arial"/>
@@ -2445,11 +2652,14 @@
       </p:sp>
     </p:spTree>
   </p:cSld>
+  <p:clrMapOvr>
+    <a:masterClrMapping/>
+  </p:clrMapOvr>
 </p:sldLayout>
 </file>
 
 <file path=ppt/slideLayouts/slideLayout7.xml><?xml version="1.0" encoding="utf-8"?>
-<p:sldLayout xmlns:a="http://schemas.openxmlformats.org/drawingml/2006/main" xmlns:p="http://schemas.openxmlformats.org/presentationml/2006/main" xmlns:r="http://schemas.openxmlformats.org/officeDocument/2006/relationships" xmlns:p14="http://schemas.microsoft.com/office/powerpoint/2010/main" xmlns:p15="http://schemas.microsoft.com/office/powerpoint/2012/main" xmlns:mc="http://schemas.openxmlformats.org/markup-compatibility/2006" type="twoObjAndObj" preserve="1">
+<p:sldLayout xmlns:a="http://schemas.openxmlformats.org/drawingml/2006/main" xmlns:r="http://schemas.openxmlformats.org/officeDocument/2006/relationships" xmlns:p="http://schemas.openxmlformats.org/presentationml/2006/main" type="twoObjAndObj" preserve="1">
   <p:cSld name="Title, 2 Content and Content">
     <p:spTree>
       <p:nvGrpSpPr>
@@ -2485,15 +2695,16 @@
           </a:prstGeom>
         </p:spPr>
         <p:txBody>
-          <a:bodyPr lIns="0" rIns="0" tIns="0" bIns="0" anchor="ctr"/>
-          <a:p>
-            <a:endParaRPr b="0" lang="pt-BR" sz="1400" spc="-1" strike="noStrike">
-              <a:solidFill>
-                <a:srgbClr val="000000"/>
-              </a:solidFill>
-              <a:uFill>
-                <a:solidFill>
-                  <a:srgbClr val="ffffff"/>
+          <a:bodyPr lIns="0" tIns="0" rIns="0" bIns="0" anchor="ctr"/>
+          <a:lstStyle/>
+          <a:p>
+            <a:endParaRPr lang="pt-BR" sz="1400" b="0" strike="noStrike" spc="-1">
+              <a:solidFill>
+                <a:srgbClr val="000000"/>
+              </a:solidFill>
+              <a:uFill>
+                <a:solidFill>
+                  <a:srgbClr val="FFFFFF"/>
                 </a:solidFill>
               </a:uFill>
               <a:latin typeface="Arial"/>
@@ -2521,15 +2732,16 @@
           </a:prstGeom>
         </p:spPr>
         <p:txBody>
-          <a:bodyPr lIns="0" rIns="0" tIns="0" bIns="0"/>
-          <a:p>
-            <a:endParaRPr b="0" lang="pt-BR" sz="1400" spc="-1" strike="noStrike">
-              <a:solidFill>
-                <a:srgbClr val="000000"/>
-              </a:solidFill>
-              <a:uFill>
-                <a:solidFill>
-                  <a:srgbClr val="ffffff"/>
+          <a:bodyPr lIns="0" tIns="0" rIns="0" bIns="0"/>
+          <a:lstStyle/>
+          <a:p>
+            <a:endParaRPr lang="pt-BR" sz="1400" b="0" strike="noStrike" spc="-1">
+              <a:solidFill>
+                <a:srgbClr val="000000"/>
+              </a:solidFill>
+              <a:uFill>
+                <a:solidFill>
+                  <a:srgbClr val="FFFFFF"/>
                 </a:solidFill>
               </a:uFill>
               <a:latin typeface="Arial"/>
@@ -2557,15 +2769,16 @@
           </a:prstGeom>
         </p:spPr>
         <p:txBody>
-          <a:bodyPr lIns="0" rIns="0" tIns="0" bIns="0"/>
-          <a:p>
-            <a:endParaRPr b="0" lang="pt-BR" sz="1400" spc="-1" strike="noStrike">
-              <a:solidFill>
-                <a:srgbClr val="000000"/>
-              </a:solidFill>
-              <a:uFill>
-                <a:solidFill>
-                  <a:srgbClr val="ffffff"/>
+          <a:bodyPr lIns="0" tIns="0" rIns="0" bIns="0"/>
+          <a:lstStyle/>
+          <a:p>
+            <a:endParaRPr lang="pt-BR" sz="1400" b="0" strike="noStrike" spc="-1">
+              <a:solidFill>
+                <a:srgbClr val="000000"/>
+              </a:solidFill>
+              <a:uFill>
+                <a:solidFill>
+                  <a:srgbClr val="FFFFFF"/>
                 </a:solidFill>
               </a:uFill>
               <a:latin typeface="Arial"/>
@@ -2593,15 +2806,16 @@
           </a:prstGeom>
         </p:spPr>
         <p:txBody>
-          <a:bodyPr lIns="0" rIns="0" tIns="0" bIns="0"/>
-          <a:p>
-            <a:endParaRPr b="0" lang="pt-BR" sz="1400" spc="-1" strike="noStrike">
-              <a:solidFill>
-                <a:srgbClr val="000000"/>
-              </a:solidFill>
-              <a:uFill>
-                <a:solidFill>
-                  <a:srgbClr val="ffffff"/>
+          <a:bodyPr lIns="0" tIns="0" rIns="0" bIns="0"/>
+          <a:lstStyle/>
+          <a:p>
+            <a:endParaRPr lang="pt-BR" sz="1400" b="0" strike="noStrike" spc="-1">
+              <a:solidFill>
+                <a:srgbClr val="000000"/>
+              </a:solidFill>
+              <a:uFill>
+                <a:solidFill>
+                  <a:srgbClr val="FFFFFF"/>
                 </a:solidFill>
               </a:uFill>
               <a:latin typeface="Arial"/>
@@ -2611,11 +2825,14 @@
       </p:sp>
     </p:spTree>
   </p:cSld>
+  <p:clrMapOvr>
+    <a:masterClrMapping/>
+  </p:clrMapOvr>
 </p:sldLayout>
 </file>
 
 <file path=ppt/slideLayouts/slideLayout8.xml><?xml version="1.0" encoding="utf-8"?>
-<p:sldLayout xmlns:a="http://schemas.openxmlformats.org/drawingml/2006/main" xmlns:p="http://schemas.openxmlformats.org/presentationml/2006/main" xmlns:r="http://schemas.openxmlformats.org/officeDocument/2006/relationships" xmlns:p14="http://schemas.microsoft.com/office/powerpoint/2010/main" xmlns:p15="http://schemas.microsoft.com/office/powerpoint/2012/main" xmlns:mc="http://schemas.openxmlformats.org/markup-compatibility/2006" type="objAndTwoObj" preserve="1">
+<p:sldLayout xmlns:a="http://schemas.openxmlformats.org/drawingml/2006/main" xmlns:r="http://schemas.openxmlformats.org/officeDocument/2006/relationships" xmlns:p="http://schemas.openxmlformats.org/presentationml/2006/main" type="objAndTwoObj" preserve="1">
   <p:cSld name="Title Content and 2 Content">
     <p:spTree>
       <p:nvGrpSpPr>
@@ -2651,15 +2868,16 @@
           </a:prstGeom>
         </p:spPr>
         <p:txBody>
-          <a:bodyPr lIns="0" rIns="0" tIns="0" bIns="0" anchor="ctr"/>
-          <a:p>
-            <a:endParaRPr b="0" lang="pt-BR" sz="1400" spc="-1" strike="noStrike">
-              <a:solidFill>
-                <a:srgbClr val="000000"/>
-              </a:solidFill>
-              <a:uFill>
-                <a:solidFill>
-                  <a:srgbClr val="ffffff"/>
+          <a:bodyPr lIns="0" tIns="0" rIns="0" bIns="0" anchor="ctr"/>
+          <a:lstStyle/>
+          <a:p>
+            <a:endParaRPr lang="pt-BR" sz="1400" b="0" strike="noStrike" spc="-1">
+              <a:solidFill>
+                <a:srgbClr val="000000"/>
+              </a:solidFill>
+              <a:uFill>
+                <a:solidFill>
+                  <a:srgbClr val="FFFFFF"/>
                 </a:solidFill>
               </a:uFill>
               <a:latin typeface="Arial"/>
@@ -2687,15 +2905,16 @@
           </a:prstGeom>
         </p:spPr>
         <p:txBody>
-          <a:bodyPr lIns="0" rIns="0" tIns="0" bIns="0"/>
-          <a:p>
-            <a:endParaRPr b="0" lang="pt-BR" sz="1400" spc="-1" strike="noStrike">
-              <a:solidFill>
-                <a:srgbClr val="000000"/>
-              </a:solidFill>
-              <a:uFill>
-                <a:solidFill>
-                  <a:srgbClr val="ffffff"/>
+          <a:bodyPr lIns="0" tIns="0" rIns="0" bIns="0"/>
+          <a:lstStyle/>
+          <a:p>
+            <a:endParaRPr lang="pt-BR" sz="1400" b="0" strike="noStrike" spc="-1">
+              <a:solidFill>
+                <a:srgbClr val="000000"/>
+              </a:solidFill>
+              <a:uFill>
+                <a:solidFill>
+                  <a:srgbClr val="FFFFFF"/>
                 </a:solidFill>
               </a:uFill>
               <a:latin typeface="Arial"/>
@@ -2723,15 +2942,16 @@
           </a:prstGeom>
         </p:spPr>
         <p:txBody>
-          <a:bodyPr lIns="0" rIns="0" tIns="0" bIns="0"/>
-          <a:p>
-            <a:endParaRPr b="0" lang="pt-BR" sz="1400" spc="-1" strike="noStrike">
-              <a:solidFill>
-                <a:srgbClr val="000000"/>
-              </a:solidFill>
-              <a:uFill>
-                <a:solidFill>
-                  <a:srgbClr val="ffffff"/>
+          <a:bodyPr lIns="0" tIns="0" rIns="0" bIns="0"/>
+          <a:lstStyle/>
+          <a:p>
+            <a:endParaRPr lang="pt-BR" sz="1400" b="0" strike="noStrike" spc="-1">
+              <a:solidFill>
+                <a:srgbClr val="000000"/>
+              </a:solidFill>
+              <a:uFill>
+                <a:solidFill>
+                  <a:srgbClr val="FFFFFF"/>
                 </a:solidFill>
               </a:uFill>
               <a:latin typeface="Arial"/>
@@ -2759,15 +2979,16 @@
           </a:prstGeom>
         </p:spPr>
         <p:txBody>
-          <a:bodyPr lIns="0" rIns="0" tIns="0" bIns="0"/>
-          <a:p>
-            <a:endParaRPr b="0" lang="pt-BR" sz="1400" spc="-1" strike="noStrike">
-              <a:solidFill>
-                <a:srgbClr val="000000"/>
-              </a:solidFill>
-              <a:uFill>
-                <a:solidFill>
-                  <a:srgbClr val="ffffff"/>
+          <a:bodyPr lIns="0" tIns="0" rIns="0" bIns="0"/>
+          <a:lstStyle/>
+          <a:p>
+            <a:endParaRPr lang="pt-BR" sz="1400" b="0" strike="noStrike" spc="-1">
+              <a:solidFill>
+                <a:srgbClr val="000000"/>
+              </a:solidFill>
+              <a:uFill>
+                <a:solidFill>
+                  <a:srgbClr val="FFFFFF"/>
                 </a:solidFill>
               </a:uFill>
               <a:latin typeface="Arial"/>
@@ -2777,11 +2998,14 @@
       </p:sp>
     </p:spTree>
   </p:cSld>
+  <p:clrMapOvr>
+    <a:masterClrMapping/>
+  </p:clrMapOvr>
 </p:sldLayout>
 </file>
 
 <file path=ppt/slideLayouts/slideLayout9.xml><?xml version="1.0" encoding="utf-8"?>
-<p:sldLayout xmlns:a="http://schemas.openxmlformats.org/drawingml/2006/main" xmlns:p="http://schemas.openxmlformats.org/presentationml/2006/main" xmlns:r="http://schemas.openxmlformats.org/officeDocument/2006/relationships" xmlns:p14="http://schemas.microsoft.com/office/powerpoint/2010/main" xmlns:p15="http://schemas.microsoft.com/office/powerpoint/2012/main" xmlns:mc="http://schemas.openxmlformats.org/markup-compatibility/2006" type="twoObjOverTx" preserve="1">
+<p:sldLayout xmlns:a="http://schemas.openxmlformats.org/drawingml/2006/main" xmlns:r="http://schemas.openxmlformats.org/officeDocument/2006/relationships" xmlns:p="http://schemas.openxmlformats.org/presentationml/2006/main" type="twoObjOverTx" preserve="1">
   <p:cSld name="Title, 2 Content over Content">
     <p:spTree>
       <p:nvGrpSpPr>
@@ -2817,15 +3041,16 @@
           </a:prstGeom>
         </p:spPr>
         <p:txBody>
-          <a:bodyPr lIns="0" rIns="0" tIns="0" bIns="0" anchor="ctr"/>
-          <a:p>
-            <a:endParaRPr b="0" lang="pt-BR" sz="1400" spc="-1" strike="noStrike">
-              <a:solidFill>
-                <a:srgbClr val="000000"/>
-              </a:solidFill>
-              <a:uFill>
-                <a:solidFill>
-                  <a:srgbClr val="ffffff"/>
+          <a:bodyPr lIns="0" tIns="0" rIns="0" bIns="0" anchor="ctr"/>
+          <a:lstStyle/>
+          <a:p>
+            <a:endParaRPr lang="pt-BR" sz="1400" b="0" strike="noStrike" spc="-1">
+              <a:solidFill>
+                <a:srgbClr val="000000"/>
+              </a:solidFill>
+              <a:uFill>
+                <a:solidFill>
+                  <a:srgbClr val="FFFFFF"/>
                 </a:solidFill>
               </a:uFill>
               <a:latin typeface="Arial"/>
@@ -2853,15 +3078,16 @@
           </a:prstGeom>
         </p:spPr>
         <p:txBody>
-          <a:bodyPr lIns="0" rIns="0" tIns="0" bIns="0"/>
-          <a:p>
-            <a:endParaRPr b="0" lang="pt-BR" sz="1400" spc="-1" strike="noStrike">
-              <a:solidFill>
-                <a:srgbClr val="000000"/>
-              </a:solidFill>
-              <a:uFill>
-                <a:solidFill>
-                  <a:srgbClr val="ffffff"/>
+          <a:bodyPr lIns="0" tIns="0" rIns="0" bIns="0"/>
+          <a:lstStyle/>
+          <a:p>
+            <a:endParaRPr lang="pt-BR" sz="1400" b="0" strike="noStrike" spc="-1">
+              <a:solidFill>
+                <a:srgbClr val="000000"/>
+              </a:solidFill>
+              <a:uFill>
+                <a:solidFill>
+                  <a:srgbClr val="FFFFFF"/>
                 </a:solidFill>
               </a:uFill>
               <a:latin typeface="Arial"/>
@@ -2889,15 +3115,16 @@
           </a:prstGeom>
         </p:spPr>
         <p:txBody>
-          <a:bodyPr lIns="0" rIns="0" tIns="0" bIns="0"/>
-          <a:p>
-            <a:endParaRPr b="0" lang="pt-BR" sz="1400" spc="-1" strike="noStrike">
-              <a:solidFill>
-                <a:srgbClr val="000000"/>
-              </a:solidFill>
-              <a:uFill>
-                <a:solidFill>
-                  <a:srgbClr val="ffffff"/>
+          <a:bodyPr lIns="0" tIns="0" rIns="0" bIns="0"/>
+          <a:lstStyle/>
+          <a:p>
+            <a:endParaRPr lang="pt-BR" sz="1400" b="0" strike="noStrike" spc="-1">
+              <a:solidFill>
+                <a:srgbClr val="000000"/>
+              </a:solidFill>
+              <a:uFill>
+                <a:solidFill>
+                  <a:srgbClr val="FFFFFF"/>
                 </a:solidFill>
               </a:uFill>
               <a:latin typeface="Arial"/>
@@ -2925,15 +3152,16 @@
           </a:prstGeom>
         </p:spPr>
         <p:txBody>
-          <a:bodyPr lIns="0" rIns="0" tIns="0" bIns="0"/>
-          <a:p>
-            <a:endParaRPr b="0" lang="pt-BR" sz="1400" spc="-1" strike="noStrike">
-              <a:solidFill>
-                <a:srgbClr val="000000"/>
-              </a:solidFill>
-              <a:uFill>
-                <a:solidFill>
-                  <a:srgbClr val="ffffff"/>
+          <a:bodyPr lIns="0" tIns="0" rIns="0" bIns="0"/>
+          <a:lstStyle/>
+          <a:p>
+            <a:endParaRPr lang="pt-BR" sz="1400" b="0" strike="noStrike" spc="-1">
+              <a:solidFill>
+                <a:srgbClr val="000000"/>
+              </a:solidFill>
+              <a:uFill>
+                <a:solidFill>
+                  <a:srgbClr val="FFFFFF"/>
                 </a:solidFill>
               </a:uFill>
               <a:latin typeface="Arial"/>
@@ -2943,17 +3171,21 @@
       </p:sp>
     </p:spTree>
   </p:cSld>
+  <p:clrMapOvr>
+    <a:masterClrMapping/>
+  </p:clrMapOvr>
 </p:sldLayout>
 </file>
 
 <file path=ppt/slideMasters/slideMaster1.xml><?xml version="1.0" encoding="utf-8"?>
-<p:sldMaster xmlns:a="http://schemas.openxmlformats.org/drawingml/2006/main" xmlns:p="http://schemas.openxmlformats.org/presentationml/2006/main" xmlns:r="http://schemas.openxmlformats.org/officeDocument/2006/relationships" xmlns:p14="http://schemas.microsoft.com/office/powerpoint/2010/main" xmlns:p15="http://schemas.microsoft.com/office/powerpoint/2012/main" xmlns:mc="http://schemas.openxmlformats.org/markup-compatibility/2006">
+<p:sldMaster xmlns:a="http://schemas.openxmlformats.org/drawingml/2006/main" xmlns:r="http://schemas.openxmlformats.org/officeDocument/2006/relationships" xmlns:p="http://schemas.openxmlformats.org/presentationml/2006/main">
   <p:cSld>
     <p:bg>
       <p:bgPr>
         <a:solidFill>
-          <a:srgbClr val="ffffff"/>
+          <a:srgbClr val="FFFFFF"/>
         </a:solidFill>
+        <a:effectLst/>
       </p:bgPr>
     </p:bg>
     <p:spTree>
@@ -2972,7 +3204,7 @@
       </p:grpSpPr>
       <p:sp>
         <p:nvSpPr>
-          <p:cNvPr id="0" name="CustomShape 1"/>
+          <p:cNvPr id="4" name="CustomShape 1"/>
           <p:cNvSpPr/>
           <p:nvPr/>
         </p:nvSpPr>
@@ -2992,15 +3224,21 @@
           </a:ln>
         </p:spPr>
         <p:style>
-          <a:lnRef idx="0"/>
-          <a:fillRef idx="0"/>
-          <a:effectRef idx="0"/>
+          <a:lnRef idx="0">
+            <a:scrgbClr r="0" g="0" b="0"/>
+          </a:lnRef>
+          <a:fillRef idx="0">
+            <a:scrgbClr r="0" g="0" b="0"/>
+          </a:fillRef>
+          <a:effectRef idx="0">
+            <a:scrgbClr r="0" g="0" b="0"/>
+          </a:effectRef>
           <a:fontRef idx="minor"/>
         </p:style>
       </p:sp>
       <p:sp>
         <p:nvSpPr>
-          <p:cNvPr id="1" name="CustomShape 2"/>
+          <p:cNvPr id="5" name="CustomShape 2"/>
           <p:cNvSpPr/>
           <p:nvPr/>
         </p:nvSpPr>
@@ -3013,6 +3251,7 @@
             <a:avLst/>
             <a:gdLst/>
             <a:ahLst/>
+            <a:cxnLst/>
             <a:rect l="l" t="t" r="r" b="b"/>
             <a:pathLst>
               <a:path w="21600" h="21600">
@@ -3034,9 +3273,15 @@
           </a:ln>
         </p:spPr>
         <p:style>
-          <a:lnRef idx="0"/>
-          <a:fillRef idx="0"/>
-          <a:effectRef idx="0"/>
+          <a:lnRef idx="0">
+            <a:scrgbClr r="0" g="0" b="0"/>
+          </a:lnRef>
+          <a:fillRef idx="0">
+            <a:scrgbClr r="0" g="0" b="0"/>
+          </a:fillRef>
+          <a:effectRef idx="0">
+            <a:scrgbClr r="0" g="0" b="0"/>
+          </a:effectRef>
           <a:fontRef idx="minor"/>
         </p:style>
       </p:sp>
@@ -3061,14 +3306,15 @@
         </p:spPr>
         <p:txBody>
           <a:bodyPr tIns="91440" bIns="91440" anchor="b"/>
-          <a:p>
-            <a:endParaRPr b="0" lang="pt-BR" sz="1400" spc="-1" strike="noStrike">
-              <a:solidFill>
-                <a:srgbClr val="000000"/>
-              </a:solidFill>
-              <a:uFill>
-                <a:solidFill>
-                  <a:srgbClr val="ffffff"/>
+          <a:lstStyle/>
+          <a:p>
+            <a:endParaRPr lang="pt-BR" sz="1400" b="0" strike="noStrike" spc="-1">
+              <a:solidFill>
+                <a:srgbClr val="000000"/>
+              </a:solidFill>
+              <a:uFill>
+                <a:solidFill>
+                  <a:srgbClr val="FFFFFF"/>
                 </a:solidFill>
               </a:uFill>
               <a:latin typeface="Arial"/>
@@ -3096,7 +3342,8 @@
           </a:prstGeom>
         </p:spPr>
         <p:txBody>
-          <a:bodyPr lIns="0" rIns="0" tIns="0" bIns="0"/>
+          <a:bodyPr lIns="0" tIns="0" rIns="0" bIns="0"/>
+          <a:lstStyle/>
           <a:p>
             <a:pPr marL="432000" indent="-324000">
               <a:buClr>
@@ -3107,33 +3354,22 @@
               <a:buChar char=""/>
             </a:pPr>
             <a:r>
-              <a:rPr b="0" lang="pt-BR" sz="1400" spc="-1" strike="noStrike">
+              <a:rPr lang="pt-BR" sz="1400" b="0" strike="noStrike" spc="-1">
                 <a:solidFill>
                   <a:srgbClr val="000000"/>
                 </a:solidFill>
                 <a:uFill>
                   <a:solidFill>
-                    <a:srgbClr val="ffffff"/>
+                    <a:srgbClr val="FFFFFF"/>
                   </a:solidFill>
                 </a:uFill>
                 <a:latin typeface="Arial"/>
               </a:rPr>
               <a:t>Clique para editar o formato do texto da estrutura de tópicos</a:t>
             </a:r>
-            <a:endParaRPr b="0" lang="pt-BR" sz="1400" spc="-1" strike="noStrike">
-              <a:solidFill>
-                <a:srgbClr val="000000"/>
-              </a:solidFill>
-              <a:uFill>
-                <a:solidFill>
-                  <a:srgbClr val="ffffff"/>
-                </a:solidFill>
-              </a:uFill>
-              <a:latin typeface="Arial"/>
-            </a:endParaRPr>
-          </a:p>
-          <a:p>
-            <a:pPr lvl="1" marL="864000" indent="-324000">
+          </a:p>
+          <a:p>
+            <a:pPr marL="864000" lvl="1" indent="-324000">
               <a:buClr>
                 <a:srgbClr val="000000"/>
               </a:buClr>
@@ -3142,33 +3378,22 @@
               <a:buChar char=""/>
             </a:pPr>
             <a:r>
-              <a:rPr b="0" lang="pt-BR" sz="1400" spc="-1" strike="noStrike">
+              <a:rPr lang="pt-BR" sz="1400" b="0" strike="noStrike" spc="-1">
                 <a:solidFill>
                   <a:srgbClr val="000000"/>
                 </a:solidFill>
                 <a:uFill>
                   <a:solidFill>
-                    <a:srgbClr val="ffffff"/>
+                    <a:srgbClr val="FFFFFF"/>
                   </a:solidFill>
                 </a:uFill>
                 <a:latin typeface="Arial"/>
               </a:rPr>
               <a:t>2.º nível da estrutura de tópicos</a:t>
             </a:r>
-            <a:endParaRPr b="0" lang="pt-BR" sz="1400" spc="-1" strike="noStrike">
-              <a:solidFill>
-                <a:srgbClr val="000000"/>
-              </a:solidFill>
-              <a:uFill>
-                <a:solidFill>
-                  <a:srgbClr val="ffffff"/>
-                </a:solidFill>
-              </a:uFill>
-              <a:latin typeface="Arial"/>
-            </a:endParaRPr>
-          </a:p>
-          <a:p>
-            <a:pPr lvl="2" marL="1296000" indent="-288000">
+          </a:p>
+          <a:p>
+            <a:pPr marL="1296000" lvl="2" indent="-288000">
               <a:buClr>
                 <a:srgbClr val="000000"/>
               </a:buClr>
@@ -3177,33 +3402,22 @@
               <a:buChar char=""/>
             </a:pPr>
             <a:r>
-              <a:rPr b="0" lang="pt-BR" sz="1400" spc="-1" strike="noStrike">
+              <a:rPr lang="pt-BR" sz="1400" b="0" strike="noStrike" spc="-1">
                 <a:solidFill>
                   <a:srgbClr val="000000"/>
                 </a:solidFill>
                 <a:uFill>
                   <a:solidFill>
-                    <a:srgbClr val="ffffff"/>
+                    <a:srgbClr val="FFFFFF"/>
                   </a:solidFill>
                 </a:uFill>
                 <a:latin typeface="Arial"/>
               </a:rPr>
               <a:t>3.º nível da estrutura de tópicos</a:t>
             </a:r>
-            <a:endParaRPr b="0" lang="pt-BR" sz="1400" spc="-1" strike="noStrike">
-              <a:solidFill>
-                <a:srgbClr val="000000"/>
-              </a:solidFill>
-              <a:uFill>
-                <a:solidFill>
-                  <a:srgbClr val="ffffff"/>
-                </a:solidFill>
-              </a:uFill>
-              <a:latin typeface="Arial"/>
-            </a:endParaRPr>
-          </a:p>
-          <a:p>
-            <a:pPr lvl="3" marL="1728000" indent="-216000">
+          </a:p>
+          <a:p>
+            <a:pPr marL="1728000" lvl="3" indent="-216000">
               <a:buClr>
                 <a:srgbClr val="000000"/>
               </a:buClr>
@@ -3212,33 +3426,22 @@
               <a:buChar char=""/>
             </a:pPr>
             <a:r>
-              <a:rPr b="0" lang="pt-BR" sz="1400" spc="-1" strike="noStrike">
+              <a:rPr lang="pt-BR" sz="1400" b="0" strike="noStrike" spc="-1">
                 <a:solidFill>
                   <a:srgbClr val="000000"/>
                 </a:solidFill>
                 <a:uFill>
                   <a:solidFill>
-                    <a:srgbClr val="ffffff"/>
+                    <a:srgbClr val="FFFFFF"/>
                   </a:solidFill>
                 </a:uFill>
                 <a:latin typeface="Arial"/>
               </a:rPr>
               <a:t>4.º nível da estrutura de tópicos</a:t>
             </a:r>
-            <a:endParaRPr b="0" lang="pt-BR" sz="1400" spc="-1" strike="noStrike">
-              <a:solidFill>
-                <a:srgbClr val="000000"/>
-              </a:solidFill>
-              <a:uFill>
-                <a:solidFill>
-                  <a:srgbClr val="ffffff"/>
-                </a:solidFill>
-              </a:uFill>
-              <a:latin typeface="Arial"/>
-            </a:endParaRPr>
-          </a:p>
-          <a:p>
-            <a:pPr lvl="4" marL="2160000" indent="-216000">
+          </a:p>
+          <a:p>
+            <a:pPr marL="2160000" lvl="4" indent="-216000">
               <a:buClr>
                 <a:srgbClr val="000000"/>
               </a:buClr>
@@ -3247,33 +3450,22 @@
               <a:buChar char=""/>
             </a:pPr>
             <a:r>
-              <a:rPr b="0" lang="pt-BR" sz="2000" spc="-1" strike="noStrike">
+              <a:rPr lang="pt-BR" sz="2000" b="0" strike="noStrike" spc="-1">
                 <a:solidFill>
                   <a:srgbClr val="000000"/>
                 </a:solidFill>
                 <a:uFill>
                   <a:solidFill>
-                    <a:srgbClr val="ffffff"/>
+                    <a:srgbClr val="FFFFFF"/>
                   </a:solidFill>
                 </a:uFill>
                 <a:latin typeface="Arial"/>
               </a:rPr>
               <a:t>5.º nível da estrutura de tópicos</a:t>
             </a:r>
-            <a:endParaRPr b="0" lang="pt-BR" sz="2000" spc="-1" strike="noStrike">
-              <a:solidFill>
-                <a:srgbClr val="000000"/>
-              </a:solidFill>
-              <a:uFill>
-                <a:solidFill>
-                  <a:srgbClr val="ffffff"/>
-                </a:solidFill>
-              </a:uFill>
-              <a:latin typeface="Arial"/>
-            </a:endParaRPr>
-          </a:p>
-          <a:p>
-            <a:pPr lvl="5" marL="2592000" indent="-216000">
+          </a:p>
+          <a:p>
+            <a:pPr marL="2592000" lvl="5" indent="-216000">
               <a:buClr>
                 <a:srgbClr val="000000"/>
               </a:buClr>
@@ -3282,33 +3474,22 @@
               <a:buChar char=""/>
             </a:pPr>
             <a:r>
-              <a:rPr b="0" lang="pt-BR" sz="2000" spc="-1" strike="noStrike">
+              <a:rPr lang="pt-BR" sz="2000" b="0" strike="noStrike" spc="-1">
                 <a:solidFill>
                   <a:srgbClr val="000000"/>
                 </a:solidFill>
                 <a:uFill>
                   <a:solidFill>
-                    <a:srgbClr val="ffffff"/>
+                    <a:srgbClr val="FFFFFF"/>
                   </a:solidFill>
                 </a:uFill>
                 <a:latin typeface="Arial"/>
               </a:rPr>
               <a:t>6.º nível da estrutura de tópicos</a:t>
             </a:r>
-            <a:endParaRPr b="0" lang="pt-BR" sz="2000" spc="-1" strike="noStrike">
-              <a:solidFill>
-                <a:srgbClr val="000000"/>
-              </a:solidFill>
-              <a:uFill>
-                <a:solidFill>
-                  <a:srgbClr val="ffffff"/>
-                </a:solidFill>
-              </a:uFill>
-              <a:latin typeface="Arial"/>
-            </a:endParaRPr>
-          </a:p>
-          <a:p>
-            <a:pPr lvl="6" marL="3024000" indent="-216000">
+          </a:p>
+          <a:p>
+            <a:pPr marL="3024000" lvl="6" indent="-216000">
               <a:buClr>
                 <a:srgbClr val="000000"/>
               </a:buClr>
@@ -3317,61 +3498,331 @@
               <a:buChar char=""/>
             </a:pPr>
             <a:r>
-              <a:rPr b="0" lang="pt-BR" sz="2000" spc="-1" strike="noStrike">
+              <a:rPr lang="pt-BR" sz="2000" b="0" strike="noStrike" spc="-1">
                 <a:solidFill>
                   <a:srgbClr val="000000"/>
                 </a:solidFill>
                 <a:uFill>
                   <a:solidFill>
-                    <a:srgbClr val="ffffff"/>
+                    <a:srgbClr val="FFFFFF"/>
                   </a:solidFill>
                 </a:uFill>
                 <a:latin typeface="Arial"/>
               </a:rPr>
               <a:t>7.º nível da estrutura de tópicos</a:t>
             </a:r>
-            <a:endParaRPr b="0" lang="pt-BR" sz="2000" spc="-1" strike="noStrike">
-              <a:solidFill>
-                <a:srgbClr val="000000"/>
-              </a:solidFill>
-              <a:uFill>
-                <a:solidFill>
-                  <a:srgbClr val="ffffff"/>
-                </a:solidFill>
-              </a:uFill>
-              <a:latin typeface="Arial"/>
-            </a:endParaRPr>
           </a:p>
         </p:txBody>
       </p:sp>
     </p:spTree>
   </p:cSld>
-  <p:clrMap bg1="lt1" bg2="lt2" tx1="dk1" tx2="dk2" accent1="accent1" accent2="accent2" accent3="accent3" accent4="accent4" accent5="accent5" accent6="accent6" hlink="hlink" folHlink="folHlink"/>
+  <p:clrMap bg1="lt1" tx1="dk1" bg2="lt2" tx2="dk2" accent1="accent1" accent2="accent2" accent3="accent3" accent4="accent4" accent5="accent5" accent6="accent6" hlink="hlink" folHlink="folHlink"/>
   <p:sldLayoutIdLst>
-    <p:sldLayoutId id="2147483649" r:id="rId2"/>
-    <p:sldLayoutId id="2147483650" r:id="rId3"/>
-    <p:sldLayoutId id="2147483651" r:id="rId4"/>
-    <p:sldLayoutId id="2147483652" r:id="rId5"/>
-    <p:sldLayoutId id="2147483653" r:id="rId6"/>
-    <p:sldLayoutId id="2147483654" r:id="rId7"/>
-    <p:sldLayoutId id="2147483655" r:id="rId8"/>
-    <p:sldLayoutId id="2147483656" r:id="rId9"/>
-    <p:sldLayoutId id="2147483657" r:id="rId10"/>
-    <p:sldLayoutId id="2147483658" r:id="rId11"/>
-    <p:sldLayoutId id="2147483659" r:id="rId12"/>
-    <p:sldLayoutId id="2147483660" r:id="rId13"/>
+    <p:sldLayoutId id="2147483649" r:id="rId1"/>
+    <p:sldLayoutId id="2147483650" r:id="rId2"/>
+    <p:sldLayoutId id="2147483651" r:id="rId3"/>
+    <p:sldLayoutId id="2147483652" r:id="rId4"/>
+    <p:sldLayoutId id="2147483653" r:id="rId5"/>
+    <p:sldLayoutId id="2147483654" r:id="rId6"/>
+    <p:sldLayoutId id="2147483655" r:id="rId7"/>
+    <p:sldLayoutId id="2147483656" r:id="rId8"/>
+    <p:sldLayoutId id="2147483657" r:id="rId9"/>
+    <p:sldLayoutId id="2147483658" r:id="rId10"/>
+    <p:sldLayoutId id="2147483659" r:id="rId11"/>
+    <p:sldLayoutId id="2147483660" r:id="rId12"/>
   </p:sldLayoutIdLst>
+  <p:txStyles>
+    <p:titleStyle>
+      <a:lvl1pPr algn="l" defTabSz="914400" rtl="0" eaLnBrk="1" latinLnBrk="0" hangingPunct="1">
+        <a:lnSpc>
+          <a:spcPct val="90000"/>
+        </a:lnSpc>
+        <a:spcBef>
+          <a:spcPct val="0"/>
+        </a:spcBef>
+        <a:buNone/>
+        <a:defRPr sz="4400" kern="1200">
+          <a:solidFill>
+            <a:schemeClr val="tx1"/>
+          </a:solidFill>
+          <a:latin typeface="+mj-lt"/>
+          <a:ea typeface="+mj-ea"/>
+          <a:cs typeface="+mj-cs"/>
+        </a:defRPr>
+      </a:lvl1pPr>
+    </p:titleStyle>
+    <p:bodyStyle>
+      <a:lvl1pPr marL="228600" indent="-228600" algn="l" defTabSz="914400" rtl="0" eaLnBrk="1" latinLnBrk="0" hangingPunct="1">
+        <a:lnSpc>
+          <a:spcPct val="90000"/>
+        </a:lnSpc>
+        <a:spcBef>
+          <a:spcPts val="1000"/>
+        </a:spcBef>
+        <a:buFont typeface="Arial" panose="020B0604020202020204" pitchFamily="34" charset="0"/>
+        <a:buChar char="•"/>
+        <a:defRPr sz="2800" kern="1200">
+          <a:solidFill>
+            <a:schemeClr val="tx1"/>
+          </a:solidFill>
+          <a:latin typeface="+mn-lt"/>
+          <a:ea typeface="+mn-ea"/>
+          <a:cs typeface="+mn-cs"/>
+        </a:defRPr>
+      </a:lvl1pPr>
+      <a:lvl2pPr marL="685800" indent="-228600" algn="l" defTabSz="914400" rtl="0" eaLnBrk="1" latinLnBrk="0" hangingPunct="1">
+        <a:lnSpc>
+          <a:spcPct val="90000"/>
+        </a:lnSpc>
+        <a:spcBef>
+          <a:spcPts val="500"/>
+        </a:spcBef>
+        <a:buFont typeface="Arial" panose="020B0604020202020204" pitchFamily="34" charset="0"/>
+        <a:buChar char="•"/>
+        <a:defRPr sz="2400" kern="1200">
+          <a:solidFill>
+            <a:schemeClr val="tx1"/>
+          </a:solidFill>
+          <a:latin typeface="+mn-lt"/>
+          <a:ea typeface="+mn-ea"/>
+          <a:cs typeface="+mn-cs"/>
+        </a:defRPr>
+      </a:lvl2pPr>
+      <a:lvl3pPr marL="1143000" indent="-228600" algn="l" defTabSz="914400" rtl="0" eaLnBrk="1" latinLnBrk="0" hangingPunct="1">
+        <a:lnSpc>
+          <a:spcPct val="90000"/>
+        </a:lnSpc>
+        <a:spcBef>
+          <a:spcPts val="500"/>
+        </a:spcBef>
+        <a:buFont typeface="Arial" panose="020B0604020202020204" pitchFamily="34" charset="0"/>
+        <a:buChar char="•"/>
+        <a:defRPr sz="2000" kern="1200">
+          <a:solidFill>
+            <a:schemeClr val="tx1"/>
+          </a:solidFill>
+          <a:latin typeface="+mn-lt"/>
+          <a:ea typeface="+mn-ea"/>
+          <a:cs typeface="+mn-cs"/>
+        </a:defRPr>
+      </a:lvl3pPr>
+      <a:lvl4pPr marL="1600200" indent="-228600" algn="l" defTabSz="914400" rtl="0" eaLnBrk="1" latinLnBrk="0" hangingPunct="1">
+        <a:lnSpc>
+          <a:spcPct val="90000"/>
+        </a:lnSpc>
+        <a:spcBef>
+          <a:spcPts val="500"/>
+        </a:spcBef>
+        <a:buFont typeface="Arial" panose="020B0604020202020204" pitchFamily="34" charset="0"/>
+        <a:buChar char="•"/>
+        <a:defRPr sz="1800" kern="1200">
+          <a:solidFill>
+            <a:schemeClr val="tx1"/>
+          </a:solidFill>
+          <a:latin typeface="+mn-lt"/>
+          <a:ea typeface="+mn-ea"/>
+          <a:cs typeface="+mn-cs"/>
+        </a:defRPr>
+      </a:lvl4pPr>
+      <a:lvl5pPr marL="2057400" indent="-228600" algn="l" defTabSz="914400" rtl="0" eaLnBrk="1" latinLnBrk="0" hangingPunct="1">
+        <a:lnSpc>
+          <a:spcPct val="90000"/>
+        </a:lnSpc>
+        <a:spcBef>
+          <a:spcPts val="500"/>
+        </a:spcBef>
+        <a:buFont typeface="Arial" panose="020B0604020202020204" pitchFamily="34" charset="0"/>
+        <a:buChar char="•"/>
+        <a:defRPr sz="1800" kern="1200">
+          <a:solidFill>
+            <a:schemeClr val="tx1"/>
+          </a:solidFill>
+          <a:latin typeface="+mn-lt"/>
+          <a:ea typeface="+mn-ea"/>
+          <a:cs typeface="+mn-cs"/>
+        </a:defRPr>
+      </a:lvl5pPr>
+      <a:lvl6pPr marL="2514600" indent="-228600" algn="l" defTabSz="914400" rtl="0" eaLnBrk="1" latinLnBrk="0" hangingPunct="1">
+        <a:lnSpc>
+          <a:spcPct val="90000"/>
+        </a:lnSpc>
+        <a:spcBef>
+          <a:spcPts val="500"/>
+        </a:spcBef>
+        <a:buFont typeface="Arial" panose="020B0604020202020204" pitchFamily="34" charset="0"/>
+        <a:buChar char="•"/>
+        <a:defRPr sz="1800" kern="1200">
+          <a:solidFill>
+            <a:schemeClr val="tx1"/>
+          </a:solidFill>
+          <a:latin typeface="+mn-lt"/>
+          <a:ea typeface="+mn-ea"/>
+          <a:cs typeface="+mn-cs"/>
+        </a:defRPr>
+      </a:lvl6pPr>
+      <a:lvl7pPr marL="2971800" indent="-228600" algn="l" defTabSz="914400" rtl="0" eaLnBrk="1" latinLnBrk="0" hangingPunct="1">
+        <a:lnSpc>
+          <a:spcPct val="90000"/>
+        </a:lnSpc>
+        <a:spcBef>
+          <a:spcPts val="500"/>
+        </a:spcBef>
+        <a:buFont typeface="Arial" panose="020B0604020202020204" pitchFamily="34" charset="0"/>
+        <a:buChar char="•"/>
+        <a:defRPr sz="1800" kern="1200">
+          <a:solidFill>
+            <a:schemeClr val="tx1"/>
+          </a:solidFill>
+          <a:latin typeface="+mn-lt"/>
+          <a:ea typeface="+mn-ea"/>
+          <a:cs typeface="+mn-cs"/>
+        </a:defRPr>
+      </a:lvl7pPr>
+      <a:lvl8pPr marL="3429000" indent="-228600" algn="l" defTabSz="914400" rtl="0" eaLnBrk="1" latinLnBrk="0" hangingPunct="1">
+        <a:lnSpc>
+          <a:spcPct val="90000"/>
+        </a:lnSpc>
+        <a:spcBef>
+          <a:spcPts val="500"/>
+        </a:spcBef>
+        <a:buFont typeface="Arial" panose="020B0604020202020204" pitchFamily="34" charset="0"/>
+        <a:buChar char="•"/>
+        <a:defRPr sz="1800" kern="1200">
+          <a:solidFill>
+            <a:schemeClr val="tx1"/>
+          </a:solidFill>
+          <a:latin typeface="+mn-lt"/>
+          <a:ea typeface="+mn-ea"/>
+          <a:cs typeface="+mn-cs"/>
+        </a:defRPr>
+      </a:lvl8pPr>
+      <a:lvl9pPr marL="3886200" indent="-228600" algn="l" defTabSz="914400" rtl="0" eaLnBrk="1" latinLnBrk="0" hangingPunct="1">
+        <a:lnSpc>
+          <a:spcPct val="90000"/>
+        </a:lnSpc>
+        <a:spcBef>
+          <a:spcPts val="500"/>
+        </a:spcBef>
+        <a:buFont typeface="Arial" panose="020B0604020202020204" pitchFamily="34" charset="0"/>
+        <a:buChar char="•"/>
+        <a:defRPr sz="1800" kern="1200">
+          <a:solidFill>
+            <a:schemeClr val="tx1"/>
+          </a:solidFill>
+          <a:latin typeface="+mn-lt"/>
+          <a:ea typeface="+mn-ea"/>
+          <a:cs typeface="+mn-cs"/>
+        </a:defRPr>
+      </a:lvl9pPr>
+    </p:bodyStyle>
+    <p:otherStyle>
+      <a:defPPr>
+        <a:defRPr lang="pt-BR"/>
+      </a:defPPr>
+      <a:lvl1pPr marL="0" algn="l" defTabSz="914400" rtl="0" eaLnBrk="1" latinLnBrk="0" hangingPunct="1">
+        <a:defRPr sz="1800" kern="1200">
+          <a:solidFill>
+            <a:schemeClr val="tx1"/>
+          </a:solidFill>
+          <a:latin typeface="+mn-lt"/>
+          <a:ea typeface="+mn-ea"/>
+          <a:cs typeface="+mn-cs"/>
+        </a:defRPr>
+      </a:lvl1pPr>
+      <a:lvl2pPr marL="457200" algn="l" defTabSz="914400" rtl="0" eaLnBrk="1" latinLnBrk="0" hangingPunct="1">
+        <a:defRPr sz="1800" kern="1200">
+          <a:solidFill>
+            <a:schemeClr val="tx1"/>
+          </a:solidFill>
+          <a:latin typeface="+mn-lt"/>
+          <a:ea typeface="+mn-ea"/>
+          <a:cs typeface="+mn-cs"/>
+        </a:defRPr>
+      </a:lvl2pPr>
+      <a:lvl3pPr marL="914400" algn="l" defTabSz="914400" rtl="0" eaLnBrk="1" latinLnBrk="0" hangingPunct="1">
+        <a:defRPr sz="1800" kern="1200">
+          <a:solidFill>
+            <a:schemeClr val="tx1"/>
+          </a:solidFill>
+          <a:latin typeface="+mn-lt"/>
+          <a:ea typeface="+mn-ea"/>
+          <a:cs typeface="+mn-cs"/>
+        </a:defRPr>
+      </a:lvl3pPr>
+      <a:lvl4pPr marL="1371600" algn="l" defTabSz="914400" rtl="0" eaLnBrk="1" latinLnBrk="0" hangingPunct="1">
+        <a:defRPr sz="1800" kern="1200">
+          <a:solidFill>
+            <a:schemeClr val="tx1"/>
+          </a:solidFill>
+          <a:latin typeface="+mn-lt"/>
+          <a:ea typeface="+mn-ea"/>
+          <a:cs typeface="+mn-cs"/>
+        </a:defRPr>
+      </a:lvl4pPr>
+      <a:lvl5pPr marL="1828800" algn="l" defTabSz="914400" rtl="0" eaLnBrk="1" latinLnBrk="0" hangingPunct="1">
+        <a:defRPr sz="1800" kern="1200">
+          <a:solidFill>
+            <a:schemeClr val="tx1"/>
+          </a:solidFill>
+          <a:latin typeface="+mn-lt"/>
+          <a:ea typeface="+mn-ea"/>
+          <a:cs typeface="+mn-cs"/>
+        </a:defRPr>
+      </a:lvl5pPr>
+      <a:lvl6pPr marL="2286000" algn="l" defTabSz="914400" rtl="0" eaLnBrk="1" latinLnBrk="0" hangingPunct="1">
+        <a:defRPr sz="1800" kern="1200">
+          <a:solidFill>
+            <a:schemeClr val="tx1"/>
+          </a:solidFill>
+          <a:latin typeface="+mn-lt"/>
+          <a:ea typeface="+mn-ea"/>
+          <a:cs typeface="+mn-cs"/>
+        </a:defRPr>
+      </a:lvl6pPr>
+      <a:lvl7pPr marL="2743200" algn="l" defTabSz="914400" rtl="0" eaLnBrk="1" latinLnBrk="0" hangingPunct="1">
+        <a:defRPr sz="1800" kern="1200">
+          <a:solidFill>
+            <a:schemeClr val="tx1"/>
+          </a:solidFill>
+          <a:latin typeface="+mn-lt"/>
+          <a:ea typeface="+mn-ea"/>
+          <a:cs typeface="+mn-cs"/>
+        </a:defRPr>
+      </a:lvl7pPr>
+      <a:lvl8pPr marL="3200400" algn="l" defTabSz="914400" rtl="0" eaLnBrk="1" latinLnBrk="0" hangingPunct="1">
+        <a:defRPr sz="1800" kern="1200">
+          <a:solidFill>
+            <a:schemeClr val="tx1"/>
+          </a:solidFill>
+          <a:latin typeface="+mn-lt"/>
+          <a:ea typeface="+mn-ea"/>
+          <a:cs typeface="+mn-cs"/>
+        </a:defRPr>
+      </a:lvl8pPr>
+      <a:lvl9pPr marL="3657600" algn="l" defTabSz="914400" rtl="0" eaLnBrk="1" latinLnBrk="0" hangingPunct="1">
+        <a:defRPr sz="1800" kern="1200">
+          <a:solidFill>
+            <a:schemeClr val="tx1"/>
+          </a:solidFill>
+          <a:latin typeface="+mn-lt"/>
+          <a:ea typeface="+mn-ea"/>
+          <a:cs typeface="+mn-cs"/>
+        </a:defRPr>
+      </a:lvl9pPr>
+    </p:otherStyle>
+  </p:txStyles>
 </p:sldMaster>
 </file>
 
 <file path=ppt/slideMasters/slideMaster2.xml><?xml version="1.0" encoding="utf-8"?>
-<p:sldMaster xmlns:a="http://schemas.openxmlformats.org/drawingml/2006/main" xmlns:p="http://schemas.openxmlformats.org/presentationml/2006/main" xmlns:r="http://schemas.openxmlformats.org/officeDocument/2006/relationships" xmlns:p14="http://schemas.microsoft.com/office/powerpoint/2010/main" xmlns:p15="http://schemas.microsoft.com/office/powerpoint/2012/main" xmlns:mc="http://schemas.openxmlformats.org/markup-compatibility/2006">
+<p:sldMaster xmlns:a="http://schemas.openxmlformats.org/drawingml/2006/main" xmlns:r="http://schemas.openxmlformats.org/officeDocument/2006/relationships" xmlns:p="http://schemas.openxmlformats.org/presentationml/2006/main">
   <p:cSld>
     <p:bg>
       <p:bgPr>
         <a:solidFill>
-          <a:srgbClr val="ffffff"/>
+          <a:srgbClr val="FFFFFF"/>
         </a:solidFill>
+        <a:effectLst/>
       </p:bgPr>
     </p:bg>
     <p:spTree>
@@ -3403,16 +3854,22 @@
             <a:avLst/>
           </a:prstGeom>
           <a:solidFill>
-            <a:srgbClr val="2388db"/>
+            <a:srgbClr val="2388DB"/>
           </a:solidFill>
           <a:ln>
             <a:noFill/>
           </a:ln>
         </p:spPr>
         <p:style>
-          <a:lnRef idx="0"/>
-          <a:fillRef idx="0"/>
-          <a:effectRef idx="0"/>
+          <a:lnRef idx="0">
+            <a:scrgbClr r="0" g="0" b="0"/>
+          </a:lnRef>
+          <a:fillRef idx="0">
+            <a:scrgbClr r="0" g="0" b="0"/>
+          </a:fillRef>
+          <a:effectRef idx="0">
+            <a:scrgbClr r="0" g="0" b="0"/>
+          </a:effectRef>
           <a:fontRef idx="minor"/>
         </p:style>
       </p:sp>
@@ -3431,6 +3888,7 @@
             <a:avLst/>
             <a:gdLst/>
             <a:ahLst/>
+            <a:cxnLst/>
             <a:rect l="l" t="t" r="r" b="b"/>
             <a:pathLst>
               <a:path w="21600" h="21600">
@@ -3452,9 +3910,15 @@
           </a:ln>
         </p:spPr>
         <p:style>
-          <a:lnRef idx="0"/>
-          <a:fillRef idx="0"/>
-          <a:effectRef idx="0"/>
+          <a:lnRef idx="0">
+            <a:scrgbClr r="0" g="0" b="0"/>
+          </a:lnRef>
+          <a:fillRef idx="0">
+            <a:scrgbClr r="0" g="0" b="0"/>
+          </a:fillRef>
+          <a:effectRef idx="0">
+            <a:scrgbClr r="0" g="0" b="0"/>
+          </a:effectRef>
           <a:fontRef idx="minor"/>
         </p:style>
       </p:sp>
@@ -3479,14 +3943,15 @@
         </p:spPr>
         <p:txBody>
           <a:bodyPr tIns="91440" bIns="91440" anchor="b"/>
-          <a:p>
-            <a:endParaRPr b="0" lang="pt-BR" sz="1400" spc="-1" strike="noStrike">
-              <a:solidFill>
-                <a:srgbClr val="000000"/>
-              </a:solidFill>
-              <a:uFill>
-                <a:solidFill>
-                  <a:srgbClr val="ffffff"/>
+          <a:lstStyle/>
+          <a:p>
+            <a:endParaRPr lang="pt-BR" sz="1400" b="0" strike="noStrike" spc="-1">
+              <a:solidFill>
+                <a:srgbClr val="000000"/>
+              </a:solidFill>
+              <a:uFill>
+                <a:solidFill>
+                  <a:srgbClr val="FFFFFF"/>
                 </a:solidFill>
               </a:uFill>
               <a:latin typeface="Arial"/>
@@ -3515,6 +3980,7 @@
         </p:spPr>
         <p:txBody>
           <a:bodyPr tIns="91440" bIns="91440"/>
+          <a:lstStyle/>
           <a:p>
             <a:pPr marL="432000" indent="-324000">
               <a:buClr>
@@ -3525,33 +3991,22 @@
               <a:buChar char=""/>
             </a:pPr>
             <a:r>
-              <a:rPr b="0" lang="pt-BR" sz="3000" spc="-1" strike="noStrike">
+              <a:rPr lang="pt-BR" sz="3000" b="0" strike="noStrike" spc="-1">
                 <a:solidFill>
                   <a:srgbClr val="000000"/>
                 </a:solidFill>
                 <a:uFill>
                   <a:solidFill>
-                    <a:srgbClr val="ffffff"/>
+                    <a:srgbClr val="FFFFFF"/>
                   </a:solidFill>
                 </a:uFill>
                 <a:latin typeface="Arial"/>
               </a:rPr>
               <a:t>Clique para editar o formato do texto da estrutura de tópicos</a:t>
             </a:r>
-            <a:endParaRPr b="0" lang="pt-BR" sz="3000" spc="-1" strike="noStrike">
-              <a:solidFill>
-                <a:srgbClr val="000000"/>
-              </a:solidFill>
-              <a:uFill>
-                <a:solidFill>
-                  <a:srgbClr val="ffffff"/>
-                </a:solidFill>
-              </a:uFill>
-              <a:latin typeface="Arial"/>
-            </a:endParaRPr>
-          </a:p>
-          <a:p>
-            <a:pPr lvl="1" marL="864000" indent="-324000">
+          </a:p>
+          <a:p>
+            <a:pPr marL="864000" lvl="1" indent="-324000">
               <a:buClr>
                 <a:srgbClr val="000000"/>
               </a:buClr>
@@ -3560,33 +4015,22 @@
               <a:buChar char=""/>
             </a:pPr>
             <a:r>
-              <a:rPr b="0" lang="pt-BR" sz="3000" spc="-1" strike="noStrike">
+              <a:rPr lang="pt-BR" sz="3000" b="0" strike="noStrike" spc="-1">
                 <a:solidFill>
                   <a:srgbClr val="000000"/>
                 </a:solidFill>
                 <a:uFill>
                   <a:solidFill>
-                    <a:srgbClr val="ffffff"/>
+                    <a:srgbClr val="FFFFFF"/>
                   </a:solidFill>
                 </a:uFill>
                 <a:latin typeface="Arial"/>
               </a:rPr>
               <a:t>2.º nível da estrutura de tópicos</a:t>
             </a:r>
-            <a:endParaRPr b="0" lang="pt-BR" sz="3000" spc="-1" strike="noStrike">
-              <a:solidFill>
-                <a:srgbClr val="000000"/>
-              </a:solidFill>
-              <a:uFill>
-                <a:solidFill>
-                  <a:srgbClr val="ffffff"/>
-                </a:solidFill>
-              </a:uFill>
-              <a:latin typeface="Arial"/>
-            </a:endParaRPr>
-          </a:p>
-          <a:p>
-            <a:pPr lvl="2" marL="1296000" indent="-288000">
+          </a:p>
+          <a:p>
+            <a:pPr marL="1296000" lvl="2" indent="-288000">
               <a:buClr>
                 <a:srgbClr val="000000"/>
               </a:buClr>
@@ -3595,33 +4039,22 @@
               <a:buChar char=""/>
             </a:pPr>
             <a:r>
-              <a:rPr b="0" lang="pt-BR" sz="3000" spc="-1" strike="noStrike">
+              <a:rPr lang="pt-BR" sz="3000" b="0" strike="noStrike" spc="-1">
                 <a:solidFill>
                   <a:srgbClr val="000000"/>
                 </a:solidFill>
                 <a:uFill>
                   <a:solidFill>
-                    <a:srgbClr val="ffffff"/>
+                    <a:srgbClr val="FFFFFF"/>
                   </a:solidFill>
                 </a:uFill>
                 <a:latin typeface="Arial"/>
               </a:rPr>
               <a:t>3.º nível da estrutura de tópicos</a:t>
             </a:r>
-            <a:endParaRPr b="0" lang="pt-BR" sz="3000" spc="-1" strike="noStrike">
-              <a:solidFill>
-                <a:srgbClr val="000000"/>
-              </a:solidFill>
-              <a:uFill>
-                <a:solidFill>
-                  <a:srgbClr val="ffffff"/>
-                </a:solidFill>
-              </a:uFill>
-              <a:latin typeface="Arial"/>
-            </a:endParaRPr>
-          </a:p>
-          <a:p>
-            <a:pPr lvl="3" marL="1728000" indent="-216000">
+          </a:p>
+          <a:p>
+            <a:pPr marL="1728000" lvl="3" indent="-216000">
               <a:buClr>
                 <a:srgbClr val="000000"/>
               </a:buClr>
@@ -3630,33 +4063,22 @@
               <a:buChar char=""/>
             </a:pPr>
             <a:r>
-              <a:rPr b="0" lang="pt-BR" sz="3000" spc="-1" strike="noStrike">
+              <a:rPr lang="pt-BR" sz="3000" b="0" strike="noStrike" spc="-1">
                 <a:solidFill>
                   <a:srgbClr val="000000"/>
                 </a:solidFill>
                 <a:uFill>
                   <a:solidFill>
-                    <a:srgbClr val="ffffff"/>
+                    <a:srgbClr val="FFFFFF"/>
                   </a:solidFill>
                 </a:uFill>
                 <a:latin typeface="Arial"/>
               </a:rPr>
               <a:t>4.º nível da estrutura de tópicos</a:t>
             </a:r>
-            <a:endParaRPr b="0" lang="pt-BR" sz="3000" spc="-1" strike="noStrike">
-              <a:solidFill>
-                <a:srgbClr val="000000"/>
-              </a:solidFill>
-              <a:uFill>
-                <a:solidFill>
-                  <a:srgbClr val="ffffff"/>
-                </a:solidFill>
-              </a:uFill>
-              <a:latin typeface="Arial"/>
-            </a:endParaRPr>
-          </a:p>
-          <a:p>
-            <a:pPr lvl="4" marL="2160000" indent="-216000">
+          </a:p>
+          <a:p>
+            <a:pPr marL="2160000" lvl="4" indent="-216000">
               <a:buClr>
                 <a:srgbClr val="000000"/>
               </a:buClr>
@@ -3665,33 +4087,22 @@
               <a:buChar char=""/>
             </a:pPr>
             <a:r>
-              <a:rPr b="0" lang="pt-BR" sz="3000" spc="-1" strike="noStrike">
+              <a:rPr lang="pt-BR" sz="3000" b="0" strike="noStrike" spc="-1">
                 <a:solidFill>
                   <a:srgbClr val="000000"/>
                 </a:solidFill>
                 <a:uFill>
                   <a:solidFill>
-                    <a:srgbClr val="ffffff"/>
+                    <a:srgbClr val="FFFFFF"/>
                   </a:solidFill>
                 </a:uFill>
                 <a:latin typeface="Arial"/>
               </a:rPr>
               <a:t>5.º nível da estrutura de tópicos</a:t>
             </a:r>
-            <a:endParaRPr b="0" lang="pt-BR" sz="3000" spc="-1" strike="noStrike">
-              <a:solidFill>
-                <a:srgbClr val="000000"/>
-              </a:solidFill>
-              <a:uFill>
-                <a:solidFill>
-                  <a:srgbClr val="ffffff"/>
-                </a:solidFill>
-              </a:uFill>
-              <a:latin typeface="Arial"/>
-            </a:endParaRPr>
-          </a:p>
-          <a:p>
-            <a:pPr lvl="5" marL="2592000" indent="-216000">
+          </a:p>
+          <a:p>
+            <a:pPr marL="2592000" lvl="5" indent="-216000">
               <a:buClr>
                 <a:srgbClr val="000000"/>
               </a:buClr>
@@ -3700,33 +4111,22 @@
               <a:buChar char=""/>
             </a:pPr>
             <a:r>
-              <a:rPr b="0" lang="pt-BR" sz="3000" spc="-1" strike="noStrike">
+              <a:rPr lang="pt-BR" sz="3000" b="0" strike="noStrike" spc="-1">
                 <a:solidFill>
                   <a:srgbClr val="000000"/>
                 </a:solidFill>
                 <a:uFill>
                   <a:solidFill>
-                    <a:srgbClr val="ffffff"/>
+                    <a:srgbClr val="FFFFFF"/>
                   </a:solidFill>
                 </a:uFill>
                 <a:latin typeface="Arial"/>
               </a:rPr>
               <a:t>6.º nível da estrutura de tópicos</a:t>
             </a:r>
-            <a:endParaRPr b="0" lang="pt-BR" sz="3000" spc="-1" strike="noStrike">
-              <a:solidFill>
-                <a:srgbClr val="000000"/>
-              </a:solidFill>
-              <a:uFill>
-                <a:solidFill>
-                  <a:srgbClr val="ffffff"/>
-                </a:solidFill>
-              </a:uFill>
-              <a:latin typeface="Arial"/>
-            </a:endParaRPr>
-          </a:p>
-          <a:p>
-            <a:pPr lvl="6" marL="3024000" indent="-216000">
+          </a:p>
+          <a:p>
+            <a:pPr marL="3024000" lvl="6" indent="-216000">
               <a:buClr>
                 <a:srgbClr val="000000"/>
               </a:buClr>
@@ -3735,55 +4135,324 @@
               <a:buChar char=""/>
             </a:pPr>
             <a:r>
-              <a:rPr b="0" lang="pt-BR" sz="3000" spc="-1" strike="noStrike">
+              <a:rPr lang="pt-BR" sz="3000" b="0" strike="noStrike" spc="-1">
                 <a:solidFill>
                   <a:srgbClr val="000000"/>
                 </a:solidFill>
                 <a:uFill>
                   <a:solidFill>
-                    <a:srgbClr val="ffffff"/>
+                    <a:srgbClr val="FFFFFF"/>
                   </a:solidFill>
                 </a:uFill>
                 <a:latin typeface="Arial"/>
               </a:rPr>
               <a:t>7.º nível da estrutura de tópicos</a:t>
             </a:r>
-            <a:endParaRPr b="0" lang="pt-BR" sz="3000" spc="-1" strike="noStrike">
-              <a:solidFill>
-                <a:srgbClr val="000000"/>
-              </a:solidFill>
-              <a:uFill>
-                <a:solidFill>
-                  <a:srgbClr val="ffffff"/>
-                </a:solidFill>
-              </a:uFill>
-              <a:latin typeface="Arial"/>
-            </a:endParaRPr>
           </a:p>
         </p:txBody>
       </p:sp>
     </p:spTree>
   </p:cSld>
-  <p:clrMap bg1="lt1" bg2="lt2" tx1="dk1" tx2="dk2" accent1="accent1" accent2="accent2" accent3="accent3" accent4="accent4" accent5="accent5" accent6="accent6" hlink="hlink" folHlink="folHlink"/>
+  <p:clrMap bg1="lt1" tx1="dk1" bg2="lt2" tx2="dk2" accent1="accent1" accent2="accent2" accent3="accent3" accent4="accent4" accent5="accent5" accent6="accent6" hlink="hlink" folHlink="folHlink"/>
   <p:sldLayoutIdLst>
-    <p:sldLayoutId id="2147483662" r:id="rId2"/>
-    <p:sldLayoutId id="2147483663" r:id="rId3"/>
-    <p:sldLayoutId id="2147483664" r:id="rId4"/>
-    <p:sldLayoutId id="2147483665" r:id="rId5"/>
-    <p:sldLayoutId id="2147483666" r:id="rId6"/>
-    <p:sldLayoutId id="2147483667" r:id="rId7"/>
-    <p:sldLayoutId id="2147483668" r:id="rId8"/>
-    <p:sldLayoutId id="2147483669" r:id="rId9"/>
-    <p:sldLayoutId id="2147483670" r:id="rId10"/>
-    <p:sldLayoutId id="2147483671" r:id="rId11"/>
-    <p:sldLayoutId id="2147483672" r:id="rId12"/>
-    <p:sldLayoutId id="2147483673" r:id="rId13"/>
+    <p:sldLayoutId id="2147483662" r:id="rId1"/>
+    <p:sldLayoutId id="2147483663" r:id="rId2"/>
+    <p:sldLayoutId id="2147483664" r:id="rId3"/>
+    <p:sldLayoutId id="2147483665" r:id="rId4"/>
+    <p:sldLayoutId id="2147483666" r:id="rId5"/>
+    <p:sldLayoutId id="2147483667" r:id="rId6"/>
+    <p:sldLayoutId id="2147483668" r:id="rId7"/>
+    <p:sldLayoutId id="2147483669" r:id="rId8"/>
+    <p:sldLayoutId id="2147483670" r:id="rId9"/>
+    <p:sldLayoutId id="2147483671" r:id="rId10"/>
+    <p:sldLayoutId id="2147483672" r:id="rId11"/>
+    <p:sldLayoutId id="2147483673" r:id="rId12"/>
   </p:sldLayoutIdLst>
+  <p:txStyles>
+    <p:titleStyle>
+      <a:lvl1pPr algn="l" defTabSz="914400" rtl="0" eaLnBrk="1" latinLnBrk="0" hangingPunct="1">
+        <a:lnSpc>
+          <a:spcPct val="90000"/>
+        </a:lnSpc>
+        <a:spcBef>
+          <a:spcPct val="0"/>
+        </a:spcBef>
+        <a:buNone/>
+        <a:defRPr sz="4400" kern="1200">
+          <a:solidFill>
+            <a:schemeClr val="tx1"/>
+          </a:solidFill>
+          <a:latin typeface="+mj-lt"/>
+          <a:ea typeface="+mj-ea"/>
+          <a:cs typeface="+mj-cs"/>
+        </a:defRPr>
+      </a:lvl1pPr>
+    </p:titleStyle>
+    <p:bodyStyle>
+      <a:lvl1pPr marL="228600" indent="-228600" algn="l" defTabSz="914400" rtl="0" eaLnBrk="1" latinLnBrk="0" hangingPunct="1">
+        <a:lnSpc>
+          <a:spcPct val="90000"/>
+        </a:lnSpc>
+        <a:spcBef>
+          <a:spcPts val="1000"/>
+        </a:spcBef>
+        <a:buFont typeface="Arial" panose="020B0604020202020204" pitchFamily="34" charset="0"/>
+        <a:buChar char="•"/>
+        <a:defRPr sz="2800" kern="1200">
+          <a:solidFill>
+            <a:schemeClr val="tx1"/>
+          </a:solidFill>
+          <a:latin typeface="+mn-lt"/>
+          <a:ea typeface="+mn-ea"/>
+          <a:cs typeface="+mn-cs"/>
+        </a:defRPr>
+      </a:lvl1pPr>
+      <a:lvl2pPr marL="685800" indent="-228600" algn="l" defTabSz="914400" rtl="0" eaLnBrk="1" latinLnBrk="0" hangingPunct="1">
+        <a:lnSpc>
+          <a:spcPct val="90000"/>
+        </a:lnSpc>
+        <a:spcBef>
+          <a:spcPts val="500"/>
+        </a:spcBef>
+        <a:buFont typeface="Arial" panose="020B0604020202020204" pitchFamily="34" charset="0"/>
+        <a:buChar char="•"/>
+        <a:defRPr sz="2400" kern="1200">
+          <a:solidFill>
+            <a:schemeClr val="tx1"/>
+          </a:solidFill>
+          <a:latin typeface="+mn-lt"/>
+          <a:ea typeface="+mn-ea"/>
+          <a:cs typeface="+mn-cs"/>
+        </a:defRPr>
+      </a:lvl2pPr>
+      <a:lvl3pPr marL="1143000" indent="-228600" algn="l" defTabSz="914400" rtl="0" eaLnBrk="1" latinLnBrk="0" hangingPunct="1">
+        <a:lnSpc>
+          <a:spcPct val="90000"/>
+        </a:lnSpc>
+        <a:spcBef>
+          <a:spcPts val="500"/>
+        </a:spcBef>
+        <a:buFont typeface="Arial" panose="020B0604020202020204" pitchFamily="34" charset="0"/>
+        <a:buChar char="•"/>
+        <a:defRPr sz="2000" kern="1200">
+          <a:solidFill>
+            <a:schemeClr val="tx1"/>
+          </a:solidFill>
+          <a:latin typeface="+mn-lt"/>
+          <a:ea typeface="+mn-ea"/>
+          <a:cs typeface="+mn-cs"/>
+        </a:defRPr>
+      </a:lvl3pPr>
+      <a:lvl4pPr marL="1600200" indent="-228600" algn="l" defTabSz="914400" rtl="0" eaLnBrk="1" latinLnBrk="0" hangingPunct="1">
+        <a:lnSpc>
+          <a:spcPct val="90000"/>
+        </a:lnSpc>
+        <a:spcBef>
+          <a:spcPts val="500"/>
+        </a:spcBef>
+        <a:buFont typeface="Arial" panose="020B0604020202020204" pitchFamily="34" charset="0"/>
+        <a:buChar char="•"/>
+        <a:defRPr sz="1800" kern="1200">
+          <a:solidFill>
+            <a:schemeClr val="tx1"/>
+          </a:solidFill>
+          <a:latin typeface="+mn-lt"/>
+          <a:ea typeface="+mn-ea"/>
+          <a:cs typeface="+mn-cs"/>
+        </a:defRPr>
+      </a:lvl4pPr>
+      <a:lvl5pPr marL="2057400" indent="-228600" algn="l" defTabSz="914400" rtl="0" eaLnBrk="1" latinLnBrk="0" hangingPunct="1">
+        <a:lnSpc>
+          <a:spcPct val="90000"/>
+        </a:lnSpc>
+        <a:spcBef>
+          <a:spcPts val="500"/>
+        </a:spcBef>
+        <a:buFont typeface="Arial" panose="020B0604020202020204" pitchFamily="34" charset="0"/>
+        <a:buChar char="•"/>
+        <a:defRPr sz="1800" kern="1200">
+          <a:solidFill>
+            <a:schemeClr val="tx1"/>
+          </a:solidFill>
+          <a:latin typeface="+mn-lt"/>
+          <a:ea typeface="+mn-ea"/>
+          <a:cs typeface="+mn-cs"/>
+        </a:defRPr>
+      </a:lvl5pPr>
+      <a:lvl6pPr marL="2514600" indent="-228600" algn="l" defTabSz="914400" rtl="0" eaLnBrk="1" latinLnBrk="0" hangingPunct="1">
+        <a:lnSpc>
+          <a:spcPct val="90000"/>
+        </a:lnSpc>
+        <a:spcBef>
+          <a:spcPts val="500"/>
+        </a:spcBef>
+        <a:buFont typeface="Arial" panose="020B0604020202020204" pitchFamily="34" charset="0"/>
+        <a:buChar char="•"/>
+        <a:defRPr sz="1800" kern="1200">
+          <a:solidFill>
+            <a:schemeClr val="tx1"/>
+          </a:solidFill>
+          <a:latin typeface="+mn-lt"/>
+          <a:ea typeface="+mn-ea"/>
+          <a:cs typeface="+mn-cs"/>
+        </a:defRPr>
+      </a:lvl6pPr>
+      <a:lvl7pPr marL="2971800" indent="-228600" algn="l" defTabSz="914400" rtl="0" eaLnBrk="1" latinLnBrk="0" hangingPunct="1">
+        <a:lnSpc>
+          <a:spcPct val="90000"/>
+        </a:lnSpc>
+        <a:spcBef>
+          <a:spcPts val="500"/>
+        </a:spcBef>
+        <a:buFont typeface="Arial" panose="020B0604020202020204" pitchFamily="34" charset="0"/>
+        <a:buChar char="•"/>
+        <a:defRPr sz="1800" kern="1200">
+          <a:solidFill>
+            <a:schemeClr val="tx1"/>
+          </a:solidFill>
+          <a:latin typeface="+mn-lt"/>
+          <a:ea typeface="+mn-ea"/>
+          <a:cs typeface="+mn-cs"/>
+        </a:defRPr>
+      </a:lvl7pPr>
+      <a:lvl8pPr marL="3429000" indent="-228600" algn="l" defTabSz="914400" rtl="0" eaLnBrk="1" latinLnBrk="0" hangingPunct="1">
+        <a:lnSpc>
+          <a:spcPct val="90000"/>
+        </a:lnSpc>
+        <a:spcBef>
+          <a:spcPts val="500"/>
+        </a:spcBef>
+        <a:buFont typeface="Arial" panose="020B0604020202020204" pitchFamily="34" charset="0"/>
+        <a:buChar char="•"/>
+        <a:defRPr sz="1800" kern="1200">
+          <a:solidFill>
+            <a:schemeClr val="tx1"/>
+          </a:solidFill>
+          <a:latin typeface="+mn-lt"/>
+          <a:ea typeface="+mn-ea"/>
+          <a:cs typeface="+mn-cs"/>
+        </a:defRPr>
+      </a:lvl8pPr>
+      <a:lvl9pPr marL="3886200" indent="-228600" algn="l" defTabSz="914400" rtl="0" eaLnBrk="1" latinLnBrk="0" hangingPunct="1">
+        <a:lnSpc>
+          <a:spcPct val="90000"/>
+        </a:lnSpc>
+        <a:spcBef>
+          <a:spcPts val="500"/>
+        </a:spcBef>
+        <a:buFont typeface="Arial" panose="020B0604020202020204" pitchFamily="34" charset="0"/>
+        <a:buChar char="•"/>
+        <a:defRPr sz="1800" kern="1200">
+          <a:solidFill>
+            <a:schemeClr val="tx1"/>
+          </a:solidFill>
+          <a:latin typeface="+mn-lt"/>
+          <a:ea typeface="+mn-ea"/>
+          <a:cs typeface="+mn-cs"/>
+        </a:defRPr>
+      </a:lvl9pPr>
+    </p:bodyStyle>
+    <p:otherStyle>
+      <a:defPPr>
+        <a:defRPr lang="pt-BR"/>
+      </a:defPPr>
+      <a:lvl1pPr marL="0" algn="l" defTabSz="914400" rtl="0" eaLnBrk="1" latinLnBrk="0" hangingPunct="1">
+        <a:defRPr sz="1800" kern="1200">
+          <a:solidFill>
+            <a:schemeClr val="tx1"/>
+          </a:solidFill>
+          <a:latin typeface="+mn-lt"/>
+          <a:ea typeface="+mn-ea"/>
+          <a:cs typeface="+mn-cs"/>
+        </a:defRPr>
+      </a:lvl1pPr>
+      <a:lvl2pPr marL="457200" algn="l" defTabSz="914400" rtl="0" eaLnBrk="1" latinLnBrk="0" hangingPunct="1">
+        <a:defRPr sz="1800" kern="1200">
+          <a:solidFill>
+            <a:schemeClr val="tx1"/>
+          </a:solidFill>
+          <a:latin typeface="+mn-lt"/>
+          <a:ea typeface="+mn-ea"/>
+          <a:cs typeface="+mn-cs"/>
+        </a:defRPr>
+      </a:lvl2pPr>
+      <a:lvl3pPr marL="914400" algn="l" defTabSz="914400" rtl="0" eaLnBrk="1" latinLnBrk="0" hangingPunct="1">
+        <a:defRPr sz="1800" kern="1200">
+          <a:solidFill>
+            <a:schemeClr val="tx1"/>
+          </a:solidFill>
+          <a:latin typeface="+mn-lt"/>
+          <a:ea typeface="+mn-ea"/>
+          <a:cs typeface="+mn-cs"/>
+        </a:defRPr>
+      </a:lvl3pPr>
+      <a:lvl4pPr marL="1371600" algn="l" defTabSz="914400" rtl="0" eaLnBrk="1" latinLnBrk="0" hangingPunct="1">
+        <a:defRPr sz="1800" kern="1200">
+          <a:solidFill>
+            <a:schemeClr val="tx1"/>
+          </a:solidFill>
+          <a:latin typeface="+mn-lt"/>
+          <a:ea typeface="+mn-ea"/>
+          <a:cs typeface="+mn-cs"/>
+        </a:defRPr>
+      </a:lvl4pPr>
+      <a:lvl5pPr marL="1828800" algn="l" defTabSz="914400" rtl="0" eaLnBrk="1" latinLnBrk="0" hangingPunct="1">
+        <a:defRPr sz="1800" kern="1200">
+          <a:solidFill>
+            <a:schemeClr val="tx1"/>
+          </a:solidFill>
+          <a:latin typeface="+mn-lt"/>
+          <a:ea typeface="+mn-ea"/>
+          <a:cs typeface="+mn-cs"/>
+        </a:defRPr>
+      </a:lvl5pPr>
+      <a:lvl6pPr marL="2286000" algn="l" defTabSz="914400" rtl="0" eaLnBrk="1" latinLnBrk="0" hangingPunct="1">
+        <a:defRPr sz="1800" kern="1200">
+          <a:solidFill>
+            <a:schemeClr val="tx1"/>
+          </a:solidFill>
+          <a:latin typeface="+mn-lt"/>
+          <a:ea typeface="+mn-ea"/>
+          <a:cs typeface="+mn-cs"/>
+        </a:defRPr>
+      </a:lvl6pPr>
+      <a:lvl7pPr marL="2743200" algn="l" defTabSz="914400" rtl="0" eaLnBrk="1" latinLnBrk="0" hangingPunct="1">
+        <a:defRPr sz="1800" kern="1200">
+          <a:solidFill>
+            <a:schemeClr val="tx1"/>
+          </a:solidFill>
+          <a:latin typeface="+mn-lt"/>
+          <a:ea typeface="+mn-ea"/>
+          <a:cs typeface="+mn-cs"/>
+        </a:defRPr>
+      </a:lvl7pPr>
+      <a:lvl8pPr marL="3200400" algn="l" defTabSz="914400" rtl="0" eaLnBrk="1" latinLnBrk="0" hangingPunct="1">
+        <a:defRPr sz="1800" kern="1200">
+          <a:solidFill>
+            <a:schemeClr val="tx1"/>
+          </a:solidFill>
+          <a:latin typeface="+mn-lt"/>
+          <a:ea typeface="+mn-ea"/>
+          <a:cs typeface="+mn-cs"/>
+        </a:defRPr>
+      </a:lvl8pPr>
+      <a:lvl9pPr marL="3657600" algn="l" defTabSz="914400" rtl="0" eaLnBrk="1" latinLnBrk="0" hangingPunct="1">
+        <a:defRPr sz="1800" kern="1200">
+          <a:solidFill>
+            <a:schemeClr val="tx1"/>
+          </a:solidFill>
+          <a:latin typeface="+mn-lt"/>
+          <a:ea typeface="+mn-ea"/>
+          <a:cs typeface="+mn-cs"/>
+        </a:defRPr>
+      </a:lvl9pPr>
+    </p:otherStyle>
+  </p:txStyles>
 </p:sldMaster>
 </file>
 
 <file path=ppt/slides/slide1.xml><?xml version="1.0" encoding="utf-8"?>
-<p:sld xmlns:a="http://schemas.openxmlformats.org/drawingml/2006/main" xmlns:p="http://schemas.openxmlformats.org/presentationml/2006/main" xmlns:r="http://schemas.openxmlformats.org/officeDocument/2006/relationships" xmlns:p14="http://schemas.microsoft.com/office/powerpoint/2010/main" xmlns:p15="http://schemas.microsoft.com/office/powerpoint/2012/main" xmlns:mc="http://schemas.openxmlformats.org/markup-compatibility/2006">
+<p:sld xmlns:a="http://schemas.openxmlformats.org/drawingml/2006/main" xmlns:r="http://schemas.openxmlformats.org/officeDocument/2006/relationships" xmlns:p="http://schemas.openxmlformats.org/presentationml/2006/main">
   <p:cSld>
     <p:spTree>
       <p:nvGrpSpPr>
@@ -3820,6 +4489,7 @@
         </p:spPr>
         <p:txBody>
           <a:bodyPr tIns="91440" bIns="91440" anchor="b"/>
+          <a:lstStyle/>
           <a:p>
             <a:pPr>
               <a:lnSpc>
@@ -3827,27 +4497,27 @@
               </a:lnSpc>
             </a:pPr>
             <a:r>
-              <a:rPr b="1" lang="pt-BR" sz="7200" spc="-1" strike="noStrike">
-                <a:solidFill>
-                  <a:srgbClr val="ffffff"/>
+              <a:rPr lang="pt-BR" sz="7200" b="1" strike="noStrike" spc="-1" dirty="0" smtClean="0">
+                <a:solidFill>
+                  <a:srgbClr val="FFFFFF"/>
                 </a:solidFill>
                 <a:uFill>
                   <a:solidFill>
-                    <a:srgbClr val="ffffff"/>
+                    <a:srgbClr val="FFFFFF"/>
                   </a:solidFill>
                 </a:uFill>
                 <a:latin typeface="Arial"/>
                 <a:ea typeface="Arial"/>
               </a:rPr>
-              <a:t>Nome do Projeto</a:t>
+              <a:t>ADOÇÃO UAST</a:t>
             </a:r>
-            <a:endParaRPr b="0" lang="pt-BR" sz="1400" spc="-1" strike="noStrike">
-              <a:solidFill>
-                <a:srgbClr val="000000"/>
-              </a:solidFill>
-              <a:uFill>
-                <a:solidFill>
-                  <a:srgbClr val="ffffff"/>
+            <a:endParaRPr lang="pt-BR" sz="1400" b="0" strike="noStrike" spc="-1" dirty="0">
+              <a:solidFill>
+                <a:srgbClr val="000000"/>
+              </a:solidFill>
+              <a:uFill>
+                <a:solidFill>
+                  <a:srgbClr val="FFFFFF"/>
                 </a:solidFill>
               </a:uFill>
               <a:latin typeface="Arial"/>
@@ -3876,6 +4546,7 @@
         </p:spPr>
         <p:txBody>
           <a:bodyPr tIns="91440" bIns="91440"/>
+          <a:lstStyle/>
           <a:p>
             <a:pPr>
               <a:lnSpc>
@@ -3883,13 +4554,13 @@
               </a:lnSpc>
             </a:pPr>
             <a:r>
-              <a:rPr b="1" lang="pt-BR" sz="2400" spc="-1" strike="noStrike">
-                <a:solidFill>
-                  <a:srgbClr val="009fda"/>
+              <a:rPr lang="pt-BR" sz="2400" b="1" strike="noStrike" spc="-1">
+                <a:solidFill>
+                  <a:srgbClr val="009FDA"/>
                 </a:solidFill>
                 <a:uFill>
                   <a:solidFill>
-                    <a:srgbClr val="ffffff"/>
+                    <a:srgbClr val="FFFFFF"/>
                   </a:solidFill>
                 </a:uFill>
                 <a:latin typeface="Times New Roman"/>
@@ -3897,13 +4568,13 @@
               </a:rPr>
               <a:t>Artefatos e Atividades</a:t>
             </a:r>
-            <a:endParaRPr b="0" lang="pt-BR" sz="3200" spc="-1" strike="noStrike">
-              <a:solidFill>
-                <a:srgbClr val="000000"/>
-              </a:solidFill>
-              <a:uFill>
-                <a:solidFill>
-                  <a:srgbClr val="ffffff"/>
+            <a:endParaRPr lang="pt-BR" sz="3200" b="0" strike="noStrike" spc="-1">
+              <a:solidFill>
+                <a:srgbClr val="000000"/>
+              </a:solidFill>
+              <a:uFill>
+                <a:solidFill>
+                  <a:srgbClr val="FFFFFF"/>
                 </a:solidFill>
               </a:uFill>
               <a:latin typeface="Arial"/>
@@ -3915,13 +4586,13 @@
                 <a:spcPct val="100000"/>
               </a:lnSpc>
             </a:pPr>
-            <a:endParaRPr b="0" lang="pt-BR" sz="3200" spc="-1" strike="noStrike">
-              <a:solidFill>
-                <a:srgbClr val="000000"/>
-              </a:solidFill>
-              <a:uFill>
-                <a:solidFill>
-                  <a:srgbClr val="ffffff"/>
+            <a:endParaRPr lang="pt-BR" sz="3200" b="0" strike="noStrike" spc="-1">
+              <a:solidFill>
+                <a:srgbClr val="000000"/>
+              </a:solidFill>
+              <a:uFill>
+                <a:solidFill>
+                  <a:srgbClr val="FFFFFF"/>
                 </a:solidFill>
               </a:uFill>
               <a:latin typeface="Arial"/>
@@ -3950,6 +4621,7 @@
         </p:spPr>
         <p:txBody>
           <a:bodyPr tIns="91440" bIns="91440" anchor="b"/>
+          <a:lstStyle/>
           <a:p>
             <a:pPr>
               <a:lnSpc>
@@ -3957,13 +4629,13 @@
               </a:lnSpc>
             </a:pPr>
             <a:r>
-              <a:rPr b="1" lang="pt-BR" sz="1800" spc="-1" strike="noStrike">
-                <a:solidFill>
-                  <a:srgbClr val="ffffff"/>
+              <a:rPr lang="pt-BR" sz="1800" b="1" strike="noStrike" spc="-1">
+                <a:solidFill>
+                  <a:srgbClr val="FFFFFF"/>
                 </a:solidFill>
                 <a:uFill>
                   <a:solidFill>
-                    <a:srgbClr val="ffffff"/>
+                    <a:srgbClr val="FFFFFF"/>
                   </a:solidFill>
                 </a:uFill>
                 <a:latin typeface="Arial"/>
@@ -3971,13 +4643,13 @@
               </a:rPr>
               <a:t>Processo de Desenvolvimentos Software</a:t>
             </a:r>
-            <a:endParaRPr b="0" lang="pt-BR" sz="1400" spc="-1" strike="noStrike">
-              <a:solidFill>
-                <a:srgbClr val="000000"/>
-              </a:solidFill>
-              <a:uFill>
-                <a:solidFill>
-                  <a:srgbClr val="ffffff"/>
+            <a:endParaRPr lang="pt-BR" sz="1400" b="0" strike="noStrike" spc="-1">
+              <a:solidFill>
+                <a:srgbClr val="000000"/>
+              </a:solidFill>
+              <a:uFill>
+                <a:solidFill>
+                  <a:srgbClr val="FFFFFF"/>
                 </a:solidFill>
               </a:uFill>
               <a:latin typeface="Arial"/>
@@ -3987,6 +4659,9 @@
       </p:sp>
     </p:spTree>
   </p:cSld>
+  <p:clrMapOvr>
+    <a:masterClrMapping/>
+  </p:clrMapOvr>
   <p:timing>
     <p:tnLst>
       <p:par>
@@ -3995,14 +4670,14 @@
             <p:seq>
               <p:cTn id="2" nodeType="mainSeq"/>
               <p:prevCondLst>
-                <p:cond delay="0" evt="onPrev">
+                <p:cond evt="onPrev" delay="0">
                   <p:tgtEl>
                     <p:sldTgt/>
                   </p:tgtEl>
                 </p:cond>
               </p:prevCondLst>
               <p:nextCondLst>
-                <p:cond delay="0" evt="onNext">
+                <p:cond evt="onNext" delay="0">
                   <p:tgtEl>
                     <p:sldTgt/>
                   </p:tgtEl>
@@ -4018,7 +4693,7 @@
 </file>
 
 <file path=ppt/slides/slide2.xml><?xml version="1.0" encoding="utf-8"?>
-<p:sld xmlns:a="http://schemas.openxmlformats.org/drawingml/2006/main" xmlns:p="http://schemas.openxmlformats.org/presentationml/2006/main" xmlns:r="http://schemas.openxmlformats.org/officeDocument/2006/relationships" xmlns:p14="http://schemas.microsoft.com/office/powerpoint/2010/main" xmlns:p15="http://schemas.microsoft.com/office/powerpoint/2012/main" xmlns:mc="http://schemas.openxmlformats.org/markup-compatibility/2006">
+<p:sld xmlns:a="http://schemas.openxmlformats.org/drawingml/2006/main" xmlns:r="http://schemas.openxmlformats.org/officeDocument/2006/relationships" xmlns:p="http://schemas.openxmlformats.org/presentationml/2006/main">
   <p:cSld>
     <p:spTree>
       <p:nvGrpSpPr>
@@ -4055,6 +4730,7 @@
         </p:spPr>
         <p:txBody>
           <a:bodyPr tIns="91440" bIns="91440" anchor="b"/>
+          <a:lstStyle/>
           <a:p>
             <a:pPr>
               <a:lnSpc>
@@ -4062,91 +4738,88 @@
               </a:lnSpc>
             </a:pPr>
             <a:r>
-              <a:rPr b="1" lang="pt-BR" sz="3600" spc="-1" strike="noStrike">
-                <a:solidFill>
-                  <a:srgbClr val="ffffff"/>
+              <a:rPr lang="pt-BR" sz="3600" b="1" strike="noStrike" spc="-1" dirty="0">
+                <a:solidFill>
+                  <a:srgbClr val="FFFFFF"/>
                 </a:solidFill>
                 <a:uFill>
                   <a:solidFill>
-                    <a:srgbClr val="ffffff"/>
+                    <a:srgbClr val="FFFFFF"/>
                   </a:solidFill>
                 </a:uFill>
                 <a:latin typeface="Arial"/>
                 <a:ea typeface="Arial"/>
               </a:rPr>
               <a:t>
-</a:t>
+Artefato </a:t>
             </a:r>
             <a:r>
-              <a:rPr b="1" lang="pt-BR" sz="3600" spc="-1" strike="noStrike">
-                <a:solidFill>
-                  <a:srgbClr val="ffffff"/>
+              <a:rPr lang="pt-BR" sz="3600" b="1" strike="noStrike" spc="-1" dirty="0" smtClean="0">
+                <a:solidFill>
+                  <a:srgbClr val="FFFFFF"/>
                 </a:solidFill>
                 <a:uFill>
                   <a:solidFill>
-                    <a:srgbClr val="ffffff"/>
+                    <a:srgbClr val="FFFFFF"/>
                   </a:solidFill>
                 </a:uFill>
                 <a:latin typeface="Arial"/>
                 <a:ea typeface="Arial"/>
               </a:rPr>
-              <a:t>
-</a:t>
+              <a:t>#1: </a:t>
             </a:r>
             <a:r>
-              <a:rPr b="1" lang="pt-BR" sz="3600" spc="-1" strike="noStrike">
-                <a:solidFill>
-                  <a:srgbClr val="ffffff"/>
+              <a:rPr lang="pt-BR" sz="3600" b="1" strike="noStrike" spc="-1" dirty="0" err="1">
+                <a:solidFill>
+                  <a:srgbClr val="FFFFFF"/>
                 </a:solidFill>
                 <a:uFill>
                   <a:solidFill>
-                    <a:srgbClr val="ffffff"/>
+                    <a:srgbClr val="FFFFFF"/>
                   </a:solidFill>
                 </a:uFill>
                 <a:latin typeface="Arial"/>
                 <a:ea typeface="Arial"/>
               </a:rPr>
-              <a:t>
-</a:t>
+              <a:t>Product</a:t>
             </a:r>
             <a:r>
-              <a:rPr b="1" lang="pt-BR" sz="3600" spc="-1" strike="noStrike">
-                <a:solidFill>
-                  <a:srgbClr val="ffffff"/>
+              <a:rPr lang="pt-BR" sz="3600" b="1" strike="noStrike" spc="-1" dirty="0">
+                <a:solidFill>
+                  <a:srgbClr val="FFFFFF"/>
                 </a:solidFill>
                 <a:uFill>
                   <a:solidFill>
-                    <a:srgbClr val="ffffff"/>
+                    <a:srgbClr val="FFFFFF"/>
                   </a:solidFill>
                 </a:uFill>
                 <a:latin typeface="Arial"/>
                 <a:ea typeface="Arial"/>
               </a:rPr>
-              <a:t>
-</a:t>
+              <a:t> </a:t>
             </a:r>
             <a:r>
-              <a:rPr b="1" lang="pt-BR" sz="3600" spc="-1" strike="noStrike">
-                <a:solidFill>
-                  <a:srgbClr val="ffffff"/>
+              <a:rPr lang="pt-BR" sz="3600" b="1" strike="noStrike" spc="-1" dirty="0" err="1">
+                <a:solidFill>
+                  <a:srgbClr val="FFFFFF"/>
                 </a:solidFill>
                 <a:uFill>
                   <a:solidFill>
-                    <a:srgbClr val="ffffff"/>
+                    <a:srgbClr val="FFFFFF"/>
                   </a:solidFill>
                 </a:uFill>
                 <a:latin typeface="Arial"/>
                 <a:ea typeface="Arial"/>
               </a:rPr>
-              <a:t>Artefato #1: Product Backlog</a:t>
+              <a:t>Backlog</a:t>
             </a:r>
-            <a:endParaRPr b="0" lang="pt-BR" sz="1400" spc="-1" strike="noStrike">
-              <a:solidFill>
-                <a:srgbClr val="000000"/>
-              </a:solidFill>
-              <a:uFill>
-                <a:solidFill>
-                  <a:srgbClr val="ffffff"/>
+            <a:endParaRPr lang="pt-BR" sz="1400" b="0" strike="noStrike" spc="-1" dirty="0">
+              <a:solidFill>
+                <a:srgbClr val="000000"/>
+              </a:solidFill>
+              <a:uFill>
+                <a:solidFill>
+                  <a:srgbClr val="FFFFFF"/>
                 </a:solidFill>
               </a:uFill>
               <a:latin typeface="Arial"/>
@@ -4156,18 +4829,26 @@
       </p:sp>
       <p:pic>
         <p:nvPicPr>
-          <p:cNvPr id="80" name="Shape 41" descr=""/>
+          <p:cNvPr id="80" name="Shape 41"/>
           <p:cNvPicPr/>
           <p:nvPr/>
         </p:nvPicPr>
         <p:blipFill>
-          <a:blip r:embed="rId1"/>
-          <a:stretch/>
+          <a:blip r:embed="rId2">
+            <a:extLst>
+              <a:ext uri="{28A0092B-C50C-407E-A947-70E740481C1C}">
+                <a14:useLocalDpi xmlns:a14="http://schemas.microsoft.com/office/drawing/2010/main" val="0"/>
+              </a:ext>
+            </a:extLst>
+          </a:blip>
+          <a:stretch>
+            <a:fillRect/>
+          </a:stretch>
         </p:blipFill>
         <p:spPr>
           <a:xfrm>
-            <a:off x="855720" y="1200240"/>
-            <a:ext cx="7197480" cy="3725280"/>
+            <a:off x="611310" y="1684961"/>
+            <a:ext cx="7875142" cy="2774022"/>
           </a:xfrm>
           <a:prstGeom prst="rect">
             <a:avLst/>
@@ -4179,22 +4860,25 @@
       </p:pic>
     </p:spTree>
   </p:cSld>
+  <p:clrMapOvr>
+    <a:masterClrMapping/>
+  </p:clrMapOvr>
   <p:timing>
     <p:tnLst>
       <p:par>
-        <p:cTn id="3" dur="indefinite" restart="never" nodeType="tmRoot">
+        <p:cTn id="1" dur="indefinite" restart="never" nodeType="tmRoot">
           <p:childTnLst>
             <p:seq>
-              <p:cTn id="4" nodeType="mainSeq"/>
+              <p:cTn id="2" nodeType="mainSeq"/>
               <p:prevCondLst>
-                <p:cond delay="0" evt="onPrev">
+                <p:cond evt="onPrev" delay="0">
                   <p:tgtEl>
                     <p:sldTgt/>
                   </p:tgtEl>
                 </p:cond>
               </p:prevCondLst>
               <p:nextCondLst>
-                <p:cond delay="0" evt="onNext">
+                <p:cond evt="onNext" delay="0">
                   <p:tgtEl>
                     <p:sldTgt/>
                   </p:tgtEl>
@@ -4210,7 +4894,7 @@
 </file>
 
 <file path=ppt/slides/slide3.xml><?xml version="1.0" encoding="utf-8"?>
-<p:sld xmlns:a="http://schemas.openxmlformats.org/drawingml/2006/main" xmlns:p="http://schemas.openxmlformats.org/presentationml/2006/main" xmlns:r="http://schemas.openxmlformats.org/officeDocument/2006/relationships" xmlns:p14="http://schemas.microsoft.com/office/powerpoint/2010/main" xmlns:p15="http://schemas.microsoft.com/office/powerpoint/2012/main" xmlns:mc="http://schemas.openxmlformats.org/markup-compatibility/2006">
+<p:sld xmlns:a="http://schemas.openxmlformats.org/drawingml/2006/main" xmlns:r="http://schemas.openxmlformats.org/officeDocument/2006/relationships" xmlns:p="http://schemas.openxmlformats.org/presentationml/2006/main">
   <p:cSld>
     <p:spTree>
       <p:nvGrpSpPr>
@@ -4247,6 +4931,7 @@
         </p:spPr>
         <p:txBody>
           <a:bodyPr tIns="91440" bIns="91440" anchor="b"/>
+          <a:lstStyle/>
           <a:p>
             <a:pPr>
               <a:lnSpc>
@@ -4254,59 +4939,28 @@
               </a:lnSpc>
             </a:pPr>
             <a:r>
-              <a:rPr b="1" lang="pt-BR" sz="3600" spc="-1" strike="noStrike">
-                <a:solidFill>
-                  <a:srgbClr val="ffffff"/>
+              <a:rPr lang="pt-BR" sz="3600" b="1" strike="noStrike" spc="-1">
+                <a:solidFill>
+                  <a:srgbClr val="FFFFFF"/>
                 </a:solidFill>
                 <a:uFill>
                   <a:solidFill>
-                    <a:srgbClr val="ffffff"/>
+                    <a:srgbClr val="FFFFFF"/>
                   </a:solidFill>
                 </a:uFill>
                 <a:latin typeface="Arial"/>
                 <a:ea typeface="Arial"/>
               </a:rPr>
               <a:t>
-</a:t>
+Artefato #2: Sprint Backlog</a:t>
             </a:r>
-            <a:r>
-              <a:rPr b="1" lang="pt-BR" sz="3600" spc="-1" strike="noStrike">
-                <a:solidFill>
-                  <a:srgbClr val="ffffff"/>
-                </a:solidFill>
-                <a:uFill>
-                  <a:solidFill>
-                    <a:srgbClr val="ffffff"/>
-                  </a:solidFill>
-                </a:uFill>
-                <a:latin typeface="Arial"/>
-                <a:ea typeface="Arial"/>
-              </a:rPr>
-              <a:t>
-</a:t>
-            </a:r>
-            <a:r>
-              <a:rPr b="1" lang="pt-BR" sz="3600" spc="-1" strike="noStrike">
-                <a:solidFill>
-                  <a:srgbClr val="ffffff"/>
-                </a:solidFill>
-                <a:uFill>
-                  <a:solidFill>
-                    <a:srgbClr val="ffffff"/>
-                  </a:solidFill>
-                </a:uFill>
-                <a:latin typeface="Arial"/>
-                <a:ea typeface="Arial"/>
-              </a:rPr>
-              <a:t>Artefato #2: Sprint Backlog</a:t>
-            </a:r>
-            <a:endParaRPr b="0" lang="pt-BR" sz="1400" spc="-1" strike="noStrike">
-              <a:solidFill>
-                <a:srgbClr val="000000"/>
-              </a:solidFill>
-              <a:uFill>
-                <a:solidFill>
-                  <a:srgbClr val="ffffff"/>
+            <a:endParaRPr lang="pt-BR" sz="1400" b="0" strike="noStrike" spc="-1">
+              <a:solidFill>
+                <a:srgbClr val="000000"/>
+              </a:solidFill>
+              <a:uFill>
+                <a:solidFill>
+                  <a:srgbClr val="FFFFFF"/>
                 </a:solidFill>
               </a:uFill>
               <a:latin typeface="Arial"/>
@@ -4316,18 +4970,26 @@
       </p:sp>
       <p:pic>
         <p:nvPicPr>
-          <p:cNvPr id="82" name="Shape 47" descr=""/>
+          <p:cNvPr id="82" name="Shape 47"/>
           <p:cNvPicPr/>
           <p:nvPr/>
         </p:nvPicPr>
         <p:blipFill>
-          <a:blip r:embed="rId1"/>
-          <a:stretch/>
+          <a:blip r:embed="rId2">
+            <a:extLst>
+              <a:ext uri="{28A0092B-C50C-407E-A947-70E740481C1C}">
+                <a14:useLocalDpi xmlns:a14="http://schemas.microsoft.com/office/drawing/2010/main" val="0"/>
+              </a:ext>
+            </a:extLst>
+          </a:blip>
+          <a:stretch>
+            <a:fillRect/>
+          </a:stretch>
         </p:blipFill>
         <p:spPr>
           <a:xfrm>
-            <a:off x="457200" y="2041560"/>
-            <a:ext cx="8229240" cy="1830240"/>
+            <a:off x="457200" y="2207244"/>
+            <a:ext cx="8229240" cy="1498871"/>
           </a:xfrm>
           <a:prstGeom prst="rect">
             <a:avLst/>
@@ -4339,22 +5001,25 @@
       </p:pic>
     </p:spTree>
   </p:cSld>
+  <p:clrMapOvr>
+    <a:masterClrMapping/>
+  </p:clrMapOvr>
   <p:timing>
     <p:tnLst>
       <p:par>
-        <p:cTn id="5" dur="indefinite" restart="never" nodeType="tmRoot">
+        <p:cTn id="1" dur="indefinite" restart="never" nodeType="tmRoot">
           <p:childTnLst>
             <p:seq>
-              <p:cTn id="6" nodeType="mainSeq"/>
+              <p:cTn id="2" nodeType="mainSeq"/>
               <p:prevCondLst>
-                <p:cond delay="0" evt="onPrev">
+                <p:cond evt="onPrev" delay="0">
                   <p:tgtEl>
                     <p:sldTgt/>
                   </p:tgtEl>
                 </p:cond>
               </p:prevCondLst>
               <p:nextCondLst>
-                <p:cond delay="0" evt="onNext">
+                <p:cond evt="onNext" delay="0">
                   <p:tgtEl>
                     <p:sldTgt/>
                   </p:tgtEl>
@@ -4370,7 +5035,7 @@
 </file>
 
 <file path=ppt/slides/slide4.xml><?xml version="1.0" encoding="utf-8"?>
-<p:sld xmlns:a="http://schemas.openxmlformats.org/drawingml/2006/main" xmlns:p="http://schemas.openxmlformats.org/presentationml/2006/main" xmlns:r="http://schemas.openxmlformats.org/officeDocument/2006/relationships" xmlns:p14="http://schemas.microsoft.com/office/powerpoint/2010/main" xmlns:p15="http://schemas.microsoft.com/office/powerpoint/2012/main" xmlns:mc="http://schemas.openxmlformats.org/markup-compatibility/2006">
+<p:sld xmlns:a="http://schemas.openxmlformats.org/drawingml/2006/main" xmlns:r="http://schemas.openxmlformats.org/officeDocument/2006/relationships" xmlns:p="http://schemas.openxmlformats.org/presentationml/2006/main">
   <p:cSld>
     <p:spTree>
       <p:nvGrpSpPr>
@@ -4407,6 +5072,7 @@
         </p:spPr>
         <p:txBody>
           <a:bodyPr tIns="91440" bIns="91440" anchor="b"/>
+          <a:lstStyle/>
           <a:p>
             <a:pPr>
               <a:lnSpc>
@@ -4414,13 +5080,13 @@
               </a:lnSpc>
             </a:pPr>
             <a:r>
-              <a:rPr b="1" lang="pt-BR" sz="3600" spc="-1" strike="noStrike">
-                <a:solidFill>
-                  <a:srgbClr val="ffffff"/>
+              <a:rPr lang="pt-BR" sz="3600" b="1" strike="noStrike" spc="-1">
+                <a:solidFill>
+                  <a:srgbClr val="FFFFFF"/>
                 </a:solidFill>
                 <a:uFill>
                   <a:solidFill>
-                    <a:srgbClr val="ffffff"/>
+                    <a:srgbClr val="FFFFFF"/>
                   </a:solidFill>
                 </a:uFill>
                 <a:latin typeface="Arial"/>
@@ -4428,13 +5094,13 @@
               </a:rPr>
               <a:t>Artefato #3: Gráfico Burndown</a:t>
             </a:r>
-            <a:endParaRPr b="0" lang="pt-BR" sz="1400" spc="-1" strike="noStrike">
-              <a:solidFill>
-                <a:srgbClr val="000000"/>
-              </a:solidFill>
-              <a:uFill>
-                <a:solidFill>
-                  <a:srgbClr val="ffffff"/>
+            <a:endParaRPr lang="pt-BR" sz="1400" b="0" strike="noStrike" spc="-1">
+              <a:solidFill>
+                <a:srgbClr val="000000"/>
+              </a:solidFill>
+              <a:uFill>
+                <a:solidFill>
+                  <a:srgbClr val="FFFFFF"/>
                 </a:solidFill>
               </a:uFill>
               <a:latin typeface="Arial"/>
@@ -4444,18 +5110,26 @@
       </p:sp>
       <p:pic>
         <p:nvPicPr>
-          <p:cNvPr id="84" name="Shape 53" descr=""/>
+          <p:cNvPr id="84" name="Shape 53"/>
           <p:cNvPicPr/>
           <p:nvPr/>
         </p:nvPicPr>
         <p:blipFill>
-          <a:blip r:embed="rId1"/>
-          <a:stretch/>
+          <a:blip r:embed="rId2">
+            <a:extLst>
+              <a:ext uri="{28A0092B-C50C-407E-A947-70E740481C1C}">
+                <a14:useLocalDpi xmlns:a14="http://schemas.microsoft.com/office/drawing/2010/main" val="0"/>
+              </a:ext>
+            </a:extLst>
+          </a:blip>
+          <a:stretch>
+            <a:fillRect/>
+          </a:stretch>
         </p:blipFill>
         <p:spPr>
           <a:xfrm>
-            <a:off x="0" y="1889280"/>
-            <a:ext cx="9143640" cy="2431440"/>
+            <a:off x="0" y="1956992"/>
+            <a:ext cx="9143640" cy="2296015"/>
           </a:xfrm>
           <a:prstGeom prst="rect">
             <a:avLst/>
@@ -4467,22 +5141,25 @@
       </p:pic>
     </p:spTree>
   </p:cSld>
+  <p:clrMapOvr>
+    <a:masterClrMapping/>
+  </p:clrMapOvr>
   <p:timing>
     <p:tnLst>
       <p:par>
-        <p:cTn id="7" dur="indefinite" restart="never" nodeType="tmRoot">
+        <p:cTn id="1" dur="indefinite" restart="never" nodeType="tmRoot">
           <p:childTnLst>
             <p:seq>
-              <p:cTn id="8" nodeType="mainSeq"/>
+              <p:cTn id="2" nodeType="mainSeq"/>
               <p:prevCondLst>
-                <p:cond delay="0" evt="onPrev">
+                <p:cond evt="onPrev" delay="0">
                   <p:tgtEl>
                     <p:sldTgt/>
                   </p:tgtEl>
                 </p:cond>
               </p:prevCondLst>
               <p:nextCondLst>
-                <p:cond delay="0" evt="onNext">
+                <p:cond evt="onNext" delay="0">
                   <p:tgtEl>
                     <p:sldTgt/>
                   </p:tgtEl>
@@ -4498,7 +5175,7 @@
 </file>
 
 <file path=ppt/slides/slide5.xml><?xml version="1.0" encoding="utf-8"?>
-<p:sld xmlns:a="http://schemas.openxmlformats.org/drawingml/2006/main" xmlns:p="http://schemas.openxmlformats.org/presentationml/2006/main" xmlns:r="http://schemas.openxmlformats.org/officeDocument/2006/relationships" xmlns:p14="http://schemas.microsoft.com/office/powerpoint/2010/main" xmlns:p15="http://schemas.microsoft.com/office/powerpoint/2012/main" xmlns:mc="http://schemas.openxmlformats.org/markup-compatibility/2006">
+<p:sld xmlns:a="http://schemas.openxmlformats.org/drawingml/2006/main" xmlns:r="http://schemas.openxmlformats.org/officeDocument/2006/relationships" xmlns:p="http://schemas.openxmlformats.org/presentationml/2006/main">
   <p:cSld>
     <p:spTree>
       <p:nvGrpSpPr>
@@ -4535,6 +5212,7 @@
         </p:spPr>
         <p:txBody>
           <a:bodyPr tIns="91440" bIns="91440" anchor="b"/>
+          <a:lstStyle/>
           <a:p>
             <a:pPr>
               <a:lnSpc>
@@ -4542,13 +5220,13 @@
               </a:lnSpc>
             </a:pPr>
             <a:r>
-              <a:rPr b="1" lang="pt-BR" sz="2400" spc="-1" strike="noStrike">
-                <a:solidFill>
-                  <a:srgbClr val="ffffff"/>
+              <a:rPr lang="pt-BR" sz="2400" b="1" strike="noStrike" spc="-1">
+                <a:solidFill>
+                  <a:srgbClr val="FFFFFF"/>
                 </a:solidFill>
                 <a:uFill>
                   <a:solidFill>
-                    <a:srgbClr val="ffffff"/>
+                    <a:srgbClr val="FFFFFF"/>
                   </a:solidFill>
                 </a:uFill>
                 <a:latin typeface="Arial"/>
@@ -4556,13 +5234,13 @@
               </a:rPr>
               <a:t>Atividade #1: Reuniões Diárias</a:t>
             </a:r>
-            <a:endParaRPr b="0" lang="pt-BR" sz="1400" spc="-1" strike="noStrike">
-              <a:solidFill>
-                <a:srgbClr val="000000"/>
-              </a:solidFill>
-              <a:uFill>
-                <a:solidFill>
-                  <a:srgbClr val="ffffff"/>
+            <a:endParaRPr lang="pt-BR" sz="1400" b="0" strike="noStrike" spc="-1">
+              <a:solidFill>
+                <a:srgbClr val="000000"/>
+              </a:solidFill>
+              <a:uFill>
+                <a:solidFill>
+                  <a:srgbClr val="FFFFFF"/>
                 </a:solidFill>
               </a:uFill>
               <a:latin typeface="Arial"/>
@@ -4591,19 +5269,20 @@
         </p:spPr>
         <p:txBody>
           <a:bodyPr tIns="91440" bIns="91440"/>
+          <a:lstStyle/>
           <a:p>
             <a:pPr>
               <a:lnSpc>
                 <a:spcPct val="100000"/>
               </a:lnSpc>
             </a:pPr>
-            <a:endParaRPr b="0" lang="pt-BR" sz="1400" spc="-1" strike="noStrike">
-              <a:solidFill>
-                <a:srgbClr val="000000"/>
-              </a:solidFill>
-              <a:uFill>
-                <a:solidFill>
-                  <a:srgbClr val="ffffff"/>
+            <a:endParaRPr lang="pt-BR" sz="1400" b="0" strike="noStrike" spc="-1">
+              <a:solidFill>
+                <a:srgbClr val="000000"/>
+              </a:solidFill>
+              <a:uFill>
+                <a:solidFill>
+                  <a:srgbClr val="FFFFFF"/>
                 </a:solidFill>
               </a:uFill>
               <a:latin typeface="Arial"/>
@@ -4621,13 +5300,13 @@
               <a:buChar char="●"/>
             </a:pPr>
             <a:r>
-              <a:rPr b="0" lang="pt-BR" sz="1800" spc="-1" strike="noStrike">
+              <a:rPr lang="pt-BR" sz="1800" b="0" strike="noStrike" spc="-1">
                 <a:solidFill>
                   <a:srgbClr val="000000"/>
                 </a:solidFill>
                 <a:uFill>
                   <a:solidFill>
-                    <a:srgbClr val="ffffff"/>
+                    <a:srgbClr val="FFFFFF"/>
                   </a:solidFill>
                 </a:uFill>
                 <a:latin typeface="Times New Roman"/>
@@ -4635,13 +5314,13 @@
               </a:rPr>
               <a:t>O que foi feito desde a nossa última reunião diária.</a:t>
             </a:r>
-            <a:endParaRPr b="0" lang="pt-BR" sz="1400" spc="-1" strike="noStrike">
-              <a:solidFill>
-                <a:srgbClr val="000000"/>
-              </a:solidFill>
-              <a:uFill>
-                <a:solidFill>
-                  <a:srgbClr val="ffffff"/>
+            <a:endParaRPr lang="pt-BR" sz="1400" b="0" strike="noStrike" spc="-1">
+              <a:solidFill>
+                <a:srgbClr val="000000"/>
+              </a:solidFill>
+              <a:uFill>
+                <a:solidFill>
+                  <a:srgbClr val="FFFFFF"/>
                 </a:solidFill>
               </a:uFill>
               <a:latin typeface="Arial"/>
@@ -4659,13 +5338,13 @@
               <a:buChar char="●"/>
             </a:pPr>
             <a:r>
-              <a:rPr b="0" lang="pt-BR" sz="1800" spc="-1" strike="noStrike">
+              <a:rPr lang="pt-BR" sz="1800" b="0" strike="noStrike" spc="-1">
                 <a:solidFill>
                   <a:srgbClr val="000000"/>
                 </a:solidFill>
                 <a:uFill>
                   <a:solidFill>
-                    <a:srgbClr val="ffffff"/>
+                    <a:srgbClr val="FFFFFF"/>
                   </a:solidFill>
                 </a:uFill>
                 <a:latin typeface="Times New Roman"/>
@@ -4673,13 +5352,13 @@
               </a:rPr>
               <a:t>O que eu pretendo realizar entre hoje e nossa próxima Reunião Diária.</a:t>
             </a:r>
-            <a:endParaRPr b="0" lang="pt-BR" sz="1400" spc="-1" strike="noStrike">
-              <a:solidFill>
-                <a:srgbClr val="000000"/>
-              </a:solidFill>
-              <a:uFill>
-                <a:solidFill>
-                  <a:srgbClr val="ffffff"/>
+            <a:endParaRPr lang="pt-BR" sz="1400" b="0" strike="noStrike" spc="-1">
+              <a:solidFill>
+                <a:srgbClr val="000000"/>
+              </a:solidFill>
+              <a:uFill>
+                <a:solidFill>
+                  <a:srgbClr val="FFFFFF"/>
                 </a:solidFill>
               </a:uFill>
               <a:latin typeface="Arial"/>
@@ -4697,13 +5376,13 @@
               <a:buChar char="●"/>
             </a:pPr>
             <a:r>
-              <a:rPr b="0" lang="pt-BR" sz="1800" spc="-1" strike="noStrike">
+              <a:rPr lang="pt-BR" sz="1800" b="0" strike="noStrike" spc="-1">
                 <a:solidFill>
                   <a:srgbClr val="000000"/>
                 </a:solidFill>
                 <a:uFill>
                   <a:solidFill>
-                    <a:srgbClr val="ffffff"/>
+                    <a:srgbClr val="FFFFFF"/>
                   </a:solidFill>
                 </a:uFill>
                 <a:latin typeface="Times New Roman"/>
@@ -4711,13 +5390,13 @@
               </a:rPr>
               <a:t>O que (se houver) está impedindo o meu progresso.</a:t>
             </a:r>
-            <a:endParaRPr b="0" lang="pt-BR" sz="1400" spc="-1" strike="noStrike">
-              <a:solidFill>
-                <a:srgbClr val="000000"/>
-              </a:solidFill>
-              <a:uFill>
-                <a:solidFill>
-                  <a:srgbClr val="ffffff"/>
+            <a:endParaRPr lang="pt-BR" sz="1400" b="0" strike="noStrike" spc="-1">
+              <a:solidFill>
+                <a:srgbClr val="000000"/>
+              </a:solidFill>
+              <a:uFill>
+                <a:solidFill>
+                  <a:srgbClr val="FFFFFF"/>
                 </a:solidFill>
               </a:uFill>
               <a:latin typeface="Arial"/>
@@ -4730,13 +5409,13 @@
               </a:lnSpc>
             </a:pPr>
             <a:r>
-              <a:rPr b="0" lang="pt-BR" sz="1800" spc="-1" strike="noStrike">
+              <a:rPr lang="pt-BR" sz="1800" b="0" strike="noStrike" spc="-1">
                 <a:solidFill>
                   <a:srgbClr val="000000"/>
                 </a:solidFill>
                 <a:uFill>
                   <a:solidFill>
-                    <a:srgbClr val="ffffff"/>
+                    <a:srgbClr val="FFFFFF"/>
                   </a:solidFill>
                 </a:uFill>
                 <a:latin typeface="Times New Roman"/>
@@ -4744,13 +5423,13 @@
               </a:rPr>
               <a:t>Reunião I  - 11/11/1111</a:t>
             </a:r>
-            <a:endParaRPr b="0" lang="pt-BR" sz="1400" spc="-1" strike="noStrike">
-              <a:solidFill>
-                <a:srgbClr val="000000"/>
-              </a:solidFill>
-              <a:uFill>
-                <a:solidFill>
-                  <a:srgbClr val="ffffff"/>
+            <a:endParaRPr lang="pt-BR" sz="1400" b="0" strike="noStrike" spc="-1">
+              <a:solidFill>
+                <a:srgbClr val="000000"/>
+              </a:solidFill>
+              <a:uFill>
+                <a:solidFill>
+                  <a:srgbClr val="FFFFFF"/>
                 </a:solidFill>
               </a:uFill>
               <a:latin typeface="Arial"/>
@@ -4763,13 +5442,13 @@
               </a:lnSpc>
             </a:pPr>
             <a:r>
-              <a:rPr b="0" lang="pt-BR" sz="1800" spc="-1" strike="noStrike">
+              <a:rPr lang="pt-BR" sz="1800" b="0" strike="noStrike" spc="-1">
                 <a:solidFill>
                   <a:srgbClr val="000000"/>
                 </a:solidFill>
                 <a:uFill>
                   <a:solidFill>
-                    <a:srgbClr val="ffffff"/>
+                    <a:srgbClr val="FFFFFF"/>
                   </a:solidFill>
                 </a:uFill>
                 <a:latin typeface="Times New Roman"/>
@@ -4777,13 +5456,13 @@
               </a:rPr>
               <a:t>Reunião II - 11/11/1111</a:t>
             </a:r>
-            <a:endParaRPr b="0" lang="pt-BR" sz="1400" spc="-1" strike="noStrike">
-              <a:solidFill>
-                <a:srgbClr val="000000"/>
-              </a:solidFill>
-              <a:uFill>
-                <a:solidFill>
-                  <a:srgbClr val="ffffff"/>
+            <a:endParaRPr lang="pt-BR" sz="1400" b="0" strike="noStrike" spc="-1">
+              <a:solidFill>
+                <a:srgbClr val="000000"/>
+              </a:solidFill>
+              <a:uFill>
+                <a:solidFill>
+                  <a:srgbClr val="FFFFFF"/>
                 </a:solidFill>
               </a:uFill>
               <a:latin typeface="Arial"/>
@@ -4796,13 +5475,13 @@
               </a:lnSpc>
             </a:pPr>
             <a:r>
-              <a:rPr b="0" lang="pt-BR" sz="1800" spc="-1" strike="noStrike">
+              <a:rPr lang="pt-BR" sz="1800" b="0" strike="noStrike" spc="-1">
                 <a:solidFill>
                   <a:srgbClr val="000000"/>
                 </a:solidFill>
                 <a:uFill>
                   <a:solidFill>
-                    <a:srgbClr val="ffffff"/>
+                    <a:srgbClr val="FFFFFF"/>
                   </a:solidFill>
                 </a:uFill>
                 <a:latin typeface="Times New Roman"/>
@@ -4810,13 +5489,13 @@
               </a:rPr>
               <a:t>Reunião III  - 11/11/1111</a:t>
             </a:r>
-            <a:endParaRPr b="0" lang="pt-BR" sz="1400" spc="-1" strike="noStrike">
-              <a:solidFill>
-                <a:srgbClr val="000000"/>
-              </a:solidFill>
-              <a:uFill>
-                <a:solidFill>
-                  <a:srgbClr val="ffffff"/>
+            <a:endParaRPr lang="pt-BR" sz="1400" b="0" strike="noStrike" spc="-1">
+              <a:solidFill>
+                <a:srgbClr val="000000"/>
+              </a:solidFill>
+              <a:uFill>
+                <a:solidFill>
+                  <a:srgbClr val="FFFFFF"/>
                 </a:solidFill>
               </a:uFill>
               <a:latin typeface="Arial"/>
@@ -4829,13 +5508,13 @@
               </a:lnSpc>
             </a:pPr>
             <a:r>
-              <a:rPr b="0" lang="pt-BR" sz="1800" spc="-1" strike="noStrike">
+              <a:rPr lang="pt-BR" sz="1800" b="0" strike="noStrike" spc="-1">
                 <a:solidFill>
                   <a:srgbClr val="000000"/>
                 </a:solidFill>
                 <a:uFill>
                   <a:solidFill>
-                    <a:srgbClr val="ffffff"/>
+                    <a:srgbClr val="FFFFFF"/>
                   </a:solidFill>
                 </a:uFill>
                 <a:latin typeface="Times New Roman"/>
@@ -4843,13 +5522,13 @@
               </a:rPr>
               <a:t>Reunião III  - 11/11/1111</a:t>
             </a:r>
-            <a:endParaRPr b="0" lang="pt-BR" sz="1400" spc="-1" strike="noStrike">
-              <a:solidFill>
-                <a:srgbClr val="000000"/>
-              </a:solidFill>
-              <a:uFill>
-                <a:solidFill>
-                  <a:srgbClr val="ffffff"/>
+            <a:endParaRPr lang="pt-BR" sz="1400" b="0" strike="noStrike" spc="-1">
+              <a:solidFill>
+                <a:srgbClr val="000000"/>
+              </a:solidFill>
+              <a:uFill>
+                <a:solidFill>
+                  <a:srgbClr val="FFFFFF"/>
                 </a:solidFill>
               </a:uFill>
               <a:latin typeface="Arial"/>
@@ -4861,13 +5540,13 @@
                 <a:spcPct val="136000"/>
               </a:lnSpc>
             </a:pPr>
-            <a:endParaRPr b="0" lang="pt-BR" sz="1400" spc="-1" strike="noStrike">
-              <a:solidFill>
-                <a:srgbClr val="000000"/>
-              </a:solidFill>
-              <a:uFill>
-                <a:solidFill>
-                  <a:srgbClr val="ffffff"/>
+            <a:endParaRPr lang="pt-BR" sz="1400" b="0" strike="noStrike" spc="-1">
+              <a:solidFill>
+                <a:srgbClr val="000000"/>
+              </a:solidFill>
+              <a:uFill>
+                <a:solidFill>
+                  <a:srgbClr val="FFFFFF"/>
                 </a:solidFill>
               </a:uFill>
               <a:latin typeface="Arial"/>
@@ -4879,13 +5558,13 @@
                 <a:spcPct val="136000"/>
               </a:lnSpc>
             </a:pPr>
-            <a:endParaRPr b="0" lang="pt-BR" sz="1400" spc="-1" strike="noStrike">
-              <a:solidFill>
-                <a:srgbClr val="000000"/>
-              </a:solidFill>
-              <a:uFill>
-                <a:solidFill>
-                  <a:srgbClr val="ffffff"/>
+            <a:endParaRPr lang="pt-BR" sz="1400" b="0" strike="noStrike" spc="-1">
+              <a:solidFill>
+                <a:srgbClr val="000000"/>
+              </a:solidFill>
+              <a:uFill>
+                <a:solidFill>
+                  <a:srgbClr val="FFFFFF"/>
                 </a:solidFill>
               </a:uFill>
               <a:latin typeface="Arial"/>
@@ -4897,13 +5576,13 @@
                 <a:spcPct val="136000"/>
               </a:lnSpc>
             </a:pPr>
-            <a:endParaRPr b="0" lang="pt-BR" sz="1400" spc="-1" strike="noStrike">
-              <a:solidFill>
-                <a:srgbClr val="000000"/>
-              </a:solidFill>
-              <a:uFill>
-                <a:solidFill>
-                  <a:srgbClr val="ffffff"/>
+            <a:endParaRPr lang="pt-BR" sz="1400" b="0" strike="noStrike" spc="-1">
+              <a:solidFill>
+                <a:srgbClr val="000000"/>
+              </a:solidFill>
+              <a:uFill>
+                <a:solidFill>
+                  <a:srgbClr val="FFFFFF"/>
                 </a:solidFill>
               </a:uFill>
               <a:latin typeface="Arial"/>
@@ -4915,13 +5594,13 @@
                 <a:spcPct val="136000"/>
               </a:lnSpc>
             </a:pPr>
-            <a:endParaRPr b="0" lang="pt-BR" sz="1400" spc="-1" strike="noStrike">
-              <a:solidFill>
-                <a:srgbClr val="000000"/>
-              </a:solidFill>
-              <a:uFill>
-                <a:solidFill>
-                  <a:srgbClr val="ffffff"/>
+            <a:endParaRPr lang="pt-BR" sz="1400" b="0" strike="noStrike" spc="-1">
+              <a:solidFill>
+                <a:srgbClr val="000000"/>
+              </a:solidFill>
+              <a:uFill>
+                <a:solidFill>
+                  <a:srgbClr val="FFFFFF"/>
                 </a:solidFill>
               </a:uFill>
               <a:latin typeface="Arial"/>
@@ -4933,13 +5612,13 @@
                 <a:spcPct val="100000"/>
               </a:lnSpc>
             </a:pPr>
-            <a:endParaRPr b="0" lang="pt-BR" sz="1400" spc="-1" strike="noStrike">
-              <a:solidFill>
-                <a:srgbClr val="000000"/>
-              </a:solidFill>
-              <a:uFill>
-                <a:solidFill>
-                  <a:srgbClr val="ffffff"/>
+            <a:endParaRPr lang="pt-BR" sz="1400" b="0" strike="noStrike" spc="-1">
+              <a:solidFill>
+                <a:srgbClr val="000000"/>
+              </a:solidFill>
+              <a:uFill>
+                <a:solidFill>
+                  <a:srgbClr val="FFFFFF"/>
                 </a:solidFill>
               </a:uFill>
               <a:latin typeface="Arial"/>
@@ -4949,22 +5628,25 @@
       </p:sp>
     </p:spTree>
   </p:cSld>
+  <p:clrMapOvr>
+    <a:masterClrMapping/>
+  </p:clrMapOvr>
   <p:timing>
     <p:tnLst>
       <p:par>
-        <p:cTn id="9" dur="indefinite" restart="never" nodeType="tmRoot">
+        <p:cTn id="1" dur="indefinite" restart="never" nodeType="tmRoot">
           <p:childTnLst>
             <p:seq>
-              <p:cTn id="10" nodeType="mainSeq"/>
+              <p:cTn id="2" nodeType="mainSeq"/>
               <p:prevCondLst>
-                <p:cond delay="0" evt="onPrev">
+                <p:cond evt="onPrev" delay="0">
                   <p:tgtEl>
                     <p:sldTgt/>
                   </p:tgtEl>
                 </p:cond>
               </p:prevCondLst>
               <p:nextCondLst>
-                <p:cond delay="0" evt="onNext">
+                <p:cond evt="onNext" delay="0">
                   <p:tgtEl>
                     <p:sldTgt/>
                   </p:tgtEl>
@@ -4980,7 +5662,7 @@
 </file>
 
 <file path=ppt/slides/slide6.xml><?xml version="1.0" encoding="utf-8"?>
-<p:sld xmlns:a="http://schemas.openxmlformats.org/drawingml/2006/main" xmlns:p="http://schemas.openxmlformats.org/presentationml/2006/main" xmlns:r="http://schemas.openxmlformats.org/officeDocument/2006/relationships" xmlns:p14="http://schemas.microsoft.com/office/powerpoint/2010/main" xmlns:p15="http://schemas.microsoft.com/office/powerpoint/2012/main" xmlns:mc="http://schemas.openxmlformats.org/markup-compatibility/2006">
+<p:sld xmlns:a="http://schemas.openxmlformats.org/drawingml/2006/main" xmlns:r="http://schemas.openxmlformats.org/officeDocument/2006/relationships" xmlns:p="http://schemas.openxmlformats.org/presentationml/2006/main">
   <p:cSld>
     <p:spTree>
       <p:nvGrpSpPr>
@@ -5017,6 +5699,7 @@
         </p:spPr>
         <p:txBody>
           <a:bodyPr tIns="91440" bIns="91440" anchor="b"/>
+          <a:lstStyle/>
           <a:p>
             <a:pPr>
               <a:lnSpc>
@@ -5024,13 +5707,13 @@
               </a:lnSpc>
             </a:pPr>
             <a:r>
-              <a:rPr b="1" lang="pt-BR" sz="3000" spc="-1" strike="noStrike">
-                <a:solidFill>
-                  <a:srgbClr val="ffffff"/>
+              <a:rPr lang="pt-BR" sz="3000" b="1" strike="noStrike" spc="-1">
+                <a:solidFill>
+                  <a:srgbClr val="FFFFFF"/>
                 </a:solidFill>
                 <a:uFill>
                   <a:solidFill>
-                    <a:srgbClr val="ffffff"/>
+                    <a:srgbClr val="FFFFFF"/>
                   </a:solidFill>
                 </a:uFill>
                 <a:latin typeface="Arial"/>
@@ -5038,13 +5721,13 @@
               </a:rPr>
               <a:t>Atividade #2: Retrospectiva</a:t>
             </a:r>
-            <a:endParaRPr b="0" lang="pt-BR" sz="1400" spc="-1" strike="noStrike">
-              <a:solidFill>
-                <a:srgbClr val="000000"/>
-              </a:solidFill>
-              <a:uFill>
-                <a:solidFill>
-                  <a:srgbClr val="ffffff"/>
+            <a:endParaRPr lang="pt-BR" sz="1400" b="0" strike="noStrike" spc="-1">
+              <a:solidFill>
+                <a:srgbClr val="000000"/>
+              </a:solidFill>
+              <a:uFill>
+                <a:solidFill>
+                  <a:srgbClr val="FFFFFF"/>
                 </a:solidFill>
               </a:uFill>
               <a:latin typeface="Arial"/>
@@ -5073,380 +5756,87 @@
         </p:spPr>
         <p:txBody>
           <a:bodyPr tIns="91440" bIns="91440"/>
-          <a:p>
-            <a:pPr marL="457200" indent="-317160">
-              <a:lnSpc>
-                <a:spcPct val="100000"/>
-              </a:lnSpc>
-              <a:buClr>
-                <a:srgbClr val="000000"/>
-              </a:buClr>
-              <a:buFont typeface="Arial"/>
-              <a:buChar char="➔"/>
+          <a:lstStyle/>
+          <a:p>
+            <a:pPr marL="285750" lvl="0" indent="-285750" fontAlgn="base">
+              <a:buFont typeface="Wingdings" panose="05000000000000000000" pitchFamily="2" charset="2"/>
+              <a:buChar char="§"/>
             </a:pPr>
             <a:r>
-              <a:rPr b="1" lang="pt-BR" sz="1400" spc="-1" strike="noStrike">
-                <a:solidFill>
-                  <a:srgbClr val="333333"/>
-                </a:solidFill>
-                <a:uFill>
-                  <a:solidFill>
-                    <a:srgbClr val="ffffff"/>
-                  </a:solidFill>
-                </a:uFill>
-                <a:latin typeface="Arial"/>
-                <a:ea typeface="Arial"/>
-              </a:rPr>
+              <a:rPr lang="pt-BR" sz="1400" b="1" dirty="0"/>
               <a:t>O que foi bem </a:t>
             </a:r>
-            <a:endParaRPr b="0" lang="pt-BR" sz="1400" spc="-1" strike="noStrike">
-              <a:solidFill>
-                <a:srgbClr val="000000"/>
-              </a:solidFill>
-              <a:uFill>
-                <a:solidFill>
-                  <a:srgbClr val="ffffff"/>
-                </a:solidFill>
-              </a:uFill>
-              <a:latin typeface="Arial"/>
-            </a:endParaRPr>
-          </a:p>
-          <a:p>
-            <a:pPr>
-              <a:lnSpc>
-                <a:spcPct val="100000"/>
-              </a:lnSpc>
+            <a:endParaRPr lang="pt-BR" sz="1400" u="none" strike="noStrike" dirty="0" smtClean="0">
+              <a:effectLst/>
+            </a:endParaRPr>
+          </a:p>
+          <a:p>
+            <a:pPr algn="just"/>
+            <a:r>
+              <a:rPr lang="pt-BR" sz="1400" dirty="0" smtClean="0">
+                <a:effectLst/>
+              </a:rPr>
+              <a:t>	- O trabalho em relação ao código que foi definido na Sprint-2 foi realizado de acordo com os pontos fortes de cada participante, com está divisão o trabalho em equipe para junção das partes ocorreu muito bem.</a:t>
+            </a:r>
+          </a:p>
+          <a:p>
+            <a:pPr algn="just"/>
+            <a:endParaRPr lang="pt-BR" sz="1400" dirty="0" smtClean="0">
+              <a:effectLst/>
+            </a:endParaRPr>
+          </a:p>
+          <a:p>
+            <a:pPr marL="285750" lvl="0" indent="-285750" fontAlgn="base">
+              <a:buFont typeface="Wingdings" panose="05000000000000000000" pitchFamily="2" charset="2"/>
+              <a:buChar char="§"/>
             </a:pPr>
             <a:r>
-              <a:rPr b="0" lang="pt-BR" sz="1400" spc="-1" strike="noStrike">
-                <a:solidFill>
-                  <a:srgbClr val="333333"/>
-                </a:solidFill>
-                <a:uFill>
-                  <a:solidFill>
-                    <a:srgbClr val="ffffff"/>
-                  </a:solidFill>
-                </a:uFill>
-                <a:latin typeface="Arial"/>
-                <a:ea typeface="Arial"/>
-              </a:rPr>
-              <a:t>- Todas as tarefas definidas na reunião de planejamento foram atingidas.</a:t>
+              <a:rPr lang="pt-BR" sz="1400" b="1" dirty="0"/>
+              <a:t> O que não foi tão bem</a:t>
             </a:r>
-            <a:endParaRPr b="0" lang="pt-BR" sz="1400" spc="-1" strike="noStrike">
-              <a:solidFill>
-                <a:srgbClr val="000000"/>
-              </a:solidFill>
-              <a:uFill>
-                <a:solidFill>
-                  <a:srgbClr val="ffffff"/>
-                </a:solidFill>
-              </a:uFill>
-              <a:latin typeface="Arial"/>
-            </a:endParaRPr>
-          </a:p>
-          <a:p>
-            <a:pPr>
-              <a:lnSpc>
-                <a:spcPct val="100000"/>
-              </a:lnSpc>
+            <a:endParaRPr lang="pt-BR" sz="1400" u="none" strike="noStrike" dirty="0" smtClean="0">
+              <a:effectLst/>
+            </a:endParaRPr>
+          </a:p>
+          <a:p>
+            <a:pPr algn="just"/>
+            <a:r>
+              <a:rPr lang="pt-BR" sz="1400" dirty="0" smtClean="0"/>
+              <a:t>	- A </a:t>
+            </a:r>
+            <a:r>
+              <a:rPr lang="pt-BR" sz="1400" dirty="0"/>
+              <a:t>Questão de um participante não está em condições de participar de algumas reuniões e desenvolvimento nesta Sprint, acabou que dificultando o cumprimento do prazo. </a:t>
+            </a:r>
+            <a:endParaRPr lang="pt-BR" sz="1400" dirty="0" smtClean="0"/>
+          </a:p>
+          <a:p>
+            <a:pPr algn="just"/>
+            <a:endParaRPr lang="pt-BR" sz="1400" dirty="0"/>
+          </a:p>
+          <a:p>
+            <a:pPr marL="285750" lvl="0" indent="-285750" fontAlgn="base">
+              <a:buFont typeface="Wingdings" panose="05000000000000000000" pitchFamily="2" charset="2"/>
+              <a:buChar char="§"/>
             </a:pPr>
             <a:r>
-              <a:rPr b="0" lang="pt-BR" sz="1400" spc="-1" strike="noStrike">
-                <a:solidFill>
-                  <a:srgbClr val="333333"/>
-                </a:solidFill>
-                <a:uFill>
-                  <a:solidFill>
-                    <a:srgbClr val="ffffff"/>
-                  </a:solidFill>
-                </a:uFill>
-                <a:latin typeface="Arial"/>
-                <a:ea typeface="Arial"/>
-              </a:rPr>
-              <a:t>- Bom relacionamento e comprometimento dos membros da equipe.</a:t>
+              <a:rPr lang="pt-BR" sz="1400" b="1" dirty="0"/>
+              <a:t>Melhoras</a:t>
             </a:r>
-            <a:endParaRPr b="0" lang="pt-BR" sz="1400" spc="-1" strike="noStrike">
-              <a:solidFill>
-                <a:srgbClr val="000000"/>
-              </a:solidFill>
-              <a:uFill>
-                <a:solidFill>
-                  <a:srgbClr val="ffffff"/>
-                </a:solidFill>
-              </a:uFill>
-              <a:latin typeface="Arial"/>
-            </a:endParaRPr>
-          </a:p>
-          <a:p>
-            <a:pPr>
-              <a:lnSpc>
-                <a:spcPct val="100000"/>
-              </a:lnSpc>
-            </a:pPr>
-            <a:endParaRPr b="0" lang="pt-BR" sz="1400" spc="-1" strike="noStrike">
-              <a:solidFill>
-                <a:srgbClr val="000000"/>
-              </a:solidFill>
-              <a:uFill>
-                <a:solidFill>
-                  <a:srgbClr val="ffffff"/>
-                </a:solidFill>
-              </a:uFill>
-              <a:latin typeface="Arial"/>
-            </a:endParaRPr>
-          </a:p>
-          <a:p>
-            <a:pPr marL="457200" indent="-317160">
-              <a:lnSpc>
-                <a:spcPct val="100000"/>
-              </a:lnSpc>
-              <a:buClr>
-                <a:srgbClr val="333333"/>
-              </a:buClr>
-              <a:buFont typeface="Arial"/>
-              <a:buChar char="➔"/>
-            </a:pPr>
+            <a:endParaRPr lang="pt-BR" sz="1400" u="none" strike="noStrike" dirty="0" smtClean="0">
+              <a:effectLst/>
+            </a:endParaRPr>
+          </a:p>
+          <a:p>
+            <a:pPr algn="just"/>
             <a:r>
-              <a:rPr b="1" lang="pt-BR" sz="1400" spc="-1" strike="noStrike">
-                <a:solidFill>
-                  <a:srgbClr val="333333"/>
-                </a:solidFill>
-                <a:uFill>
-                  <a:solidFill>
-                    <a:srgbClr val="ffffff"/>
-                  </a:solidFill>
-                </a:uFill>
-                <a:latin typeface="Arial"/>
-                <a:ea typeface="Arial"/>
-              </a:rPr>
-              <a:t> </a:t>
+              <a:rPr lang="pt-BR" sz="1400" dirty="0" smtClean="0"/>
+              <a:t>	- A </a:t>
             </a:r>
             <a:r>
-              <a:rPr b="1" lang="pt-BR" sz="1400" spc="-1" strike="noStrike">
-                <a:solidFill>
-                  <a:srgbClr val="333333"/>
-                </a:solidFill>
-                <a:uFill>
-                  <a:solidFill>
-                    <a:srgbClr val="ffffff"/>
-                  </a:solidFill>
-                </a:uFill>
-                <a:latin typeface="Arial"/>
-                <a:ea typeface="Arial"/>
-              </a:rPr>
-              <a:t>O que não foi tão bem</a:t>
+              <a:rPr lang="pt-BR" sz="1400" dirty="0"/>
+              <a:t>equipe busca desenvolver um maior número de tarefas com início na próxima Sprint, em vista disso pretendemos manter o equilíbrio em relação ao prazo de entrega.</a:t>
             </a:r>
-            <a:endParaRPr b="0" lang="pt-BR" sz="1400" spc="-1" strike="noStrike">
-              <a:solidFill>
-                <a:srgbClr val="000000"/>
-              </a:solidFill>
-              <a:uFill>
-                <a:solidFill>
-                  <a:srgbClr val="ffffff"/>
-                </a:solidFill>
-              </a:uFill>
-              <a:latin typeface="Arial"/>
-            </a:endParaRPr>
-          </a:p>
-          <a:p>
-            <a:pPr>
-              <a:lnSpc>
-                <a:spcPct val="100000"/>
-              </a:lnSpc>
-            </a:pPr>
-            <a:r>
-              <a:rPr b="1" lang="pt-BR" sz="1400" spc="-1" strike="noStrike">
-                <a:solidFill>
-                  <a:srgbClr val="333333"/>
-                </a:solidFill>
-                <a:uFill>
-                  <a:solidFill>
-                    <a:srgbClr val="ffffff"/>
-                  </a:solidFill>
-                </a:uFill>
-                <a:latin typeface="Arial"/>
-                <a:ea typeface="Arial"/>
-              </a:rPr>
-              <a:t>	</a:t>
-            </a:r>
-            <a:r>
-              <a:rPr b="0" lang="pt-BR" sz="1400" spc="-1" strike="noStrike">
-                <a:solidFill>
-                  <a:srgbClr val="333333"/>
-                </a:solidFill>
-                <a:uFill>
-                  <a:solidFill>
-                    <a:srgbClr val="ffffff"/>
-                  </a:solidFill>
-                </a:uFill>
-                <a:latin typeface="Arial"/>
-                <a:ea typeface="Arial"/>
-              </a:rPr>
-              <a:t>- Dificuldades de comunicação (Team geograficamente disperso).</a:t>
-            </a:r>
-            <a:endParaRPr b="0" lang="pt-BR" sz="1400" spc="-1" strike="noStrike">
-              <a:solidFill>
-                <a:srgbClr val="000000"/>
-              </a:solidFill>
-              <a:uFill>
-                <a:solidFill>
-                  <a:srgbClr val="ffffff"/>
-                </a:solidFill>
-              </a:uFill>
-              <a:latin typeface="Arial"/>
-            </a:endParaRPr>
-          </a:p>
-          <a:p>
-            <a:pPr>
-              <a:lnSpc>
-                <a:spcPct val="100000"/>
-              </a:lnSpc>
-            </a:pPr>
-            <a:r>
-              <a:rPr b="0" lang="pt-BR" sz="1400" spc="-1" strike="noStrike">
-                <a:solidFill>
-                  <a:srgbClr val="333333"/>
-                </a:solidFill>
-                <a:uFill>
-                  <a:solidFill>
-                    <a:srgbClr val="ffffff"/>
-                  </a:solidFill>
-                </a:uFill>
-                <a:latin typeface="Arial"/>
-                <a:ea typeface="Arial"/>
-              </a:rPr>
-              <a:t>	</a:t>
-            </a:r>
-            <a:r>
-              <a:rPr b="0" lang="pt-BR" sz="1400" spc="-1" strike="noStrike">
-                <a:solidFill>
-                  <a:srgbClr val="333333"/>
-                </a:solidFill>
-                <a:uFill>
-                  <a:solidFill>
-                    <a:srgbClr val="ffffff"/>
-                  </a:solidFill>
-                </a:uFill>
-                <a:latin typeface="Arial"/>
-                <a:ea typeface="Arial"/>
-              </a:rPr>
-              <a:t>- Ferramentas de modelagem (Hydra - feature model) e framework (ScrumHalf) limitados.</a:t>
-            </a:r>
-            <a:endParaRPr b="0" lang="pt-BR" sz="1400" spc="-1" strike="noStrike">
-              <a:solidFill>
-                <a:srgbClr val="000000"/>
-              </a:solidFill>
-              <a:uFill>
-                <a:solidFill>
-                  <a:srgbClr val="ffffff"/>
-                </a:solidFill>
-              </a:uFill>
-              <a:latin typeface="Arial"/>
-            </a:endParaRPr>
-          </a:p>
-          <a:p>
-            <a:pPr>
-              <a:lnSpc>
-                <a:spcPct val="100000"/>
-              </a:lnSpc>
-            </a:pPr>
-            <a:r>
-              <a:rPr b="0" lang="pt-BR" sz="1400" spc="-1" strike="noStrike">
-                <a:solidFill>
-                  <a:srgbClr val="333333"/>
-                </a:solidFill>
-                <a:uFill>
-                  <a:solidFill>
-                    <a:srgbClr val="ffffff"/>
-                  </a:solidFill>
-                </a:uFill>
-                <a:latin typeface="Arial"/>
-                <a:ea typeface="Arial"/>
-              </a:rPr>
-              <a:t>	</a:t>
-            </a:r>
-            <a:r>
-              <a:rPr b="0" lang="pt-BR" sz="1400" spc="-1" strike="noStrike">
-                <a:solidFill>
-                  <a:srgbClr val="333333"/>
-                </a:solidFill>
-                <a:uFill>
-                  <a:solidFill>
-                    <a:srgbClr val="ffffff"/>
-                  </a:solidFill>
-                </a:uFill>
-                <a:latin typeface="Arial"/>
-                <a:ea typeface="Arial"/>
-              </a:rPr>
-              <a:t>- Gerenciamento do tempo ineficiente.</a:t>
-            </a:r>
-            <a:endParaRPr b="0" lang="pt-BR" sz="1400" spc="-1" strike="noStrike">
-              <a:solidFill>
-                <a:srgbClr val="000000"/>
-              </a:solidFill>
-              <a:uFill>
-                <a:solidFill>
-                  <a:srgbClr val="ffffff"/>
-                </a:solidFill>
-              </a:uFill>
-              <a:latin typeface="Arial"/>
-            </a:endParaRPr>
-          </a:p>
-          <a:p>
-            <a:pPr>
-              <a:lnSpc>
-                <a:spcPct val="100000"/>
-              </a:lnSpc>
-            </a:pPr>
-            <a:endParaRPr b="0" lang="pt-BR" sz="1400" spc="-1" strike="noStrike">
-              <a:solidFill>
-                <a:srgbClr val="000000"/>
-              </a:solidFill>
-              <a:uFill>
-                <a:solidFill>
-                  <a:srgbClr val="ffffff"/>
-                </a:solidFill>
-              </a:uFill>
-              <a:latin typeface="Arial"/>
-            </a:endParaRPr>
-          </a:p>
-          <a:p>
-            <a:pPr marL="457200" indent="-317160">
-              <a:lnSpc>
-                <a:spcPct val="100000"/>
-              </a:lnSpc>
-              <a:buClr>
-                <a:srgbClr val="333333"/>
-              </a:buClr>
-              <a:buFont typeface="Arial"/>
-              <a:buChar char="➔"/>
-            </a:pPr>
-            <a:r>
-              <a:rPr b="1" lang="pt-BR" sz="1400" spc="-1" strike="noStrike">
-                <a:solidFill>
-                  <a:srgbClr val="333333"/>
-                </a:solidFill>
-                <a:uFill>
-                  <a:solidFill>
-                    <a:srgbClr val="ffffff"/>
-                  </a:solidFill>
-                </a:uFill>
-                <a:latin typeface="Arial"/>
-                <a:ea typeface="Arial"/>
-              </a:rPr>
-              <a:t>Melhoras</a:t>
-            </a:r>
-            <a:endParaRPr b="0" lang="pt-BR" sz="1400" spc="-1" strike="noStrike">
-              <a:solidFill>
-                <a:srgbClr val="000000"/>
-              </a:solidFill>
-              <a:uFill>
-                <a:solidFill>
-                  <a:srgbClr val="ffffff"/>
-                </a:solidFill>
-              </a:uFill>
-              <a:latin typeface="Arial"/>
-            </a:endParaRPr>
           </a:p>
           <a:p>
             <a:pPr marL="457200">
@@ -5454,46 +5844,13 @@
                 <a:spcPct val="100000"/>
               </a:lnSpc>
             </a:pPr>
-            <a:r>
-              <a:rPr b="0" lang="pt-BR" sz="1400" spc="-1" strike="noStrike">
-                <a:solidFill>
-                  <a:srgbClr val="333333"/>
-                </a:solidFill>
-                <a:uFill>
-                  <a:solidFill>
-                    <a:srgbClr val="ffffff"/>
-                  </a:solidFill>
-                </a:uFill>
-                <a:latin typeface="Arial"/>
-                <a:ea typeface="Arial"/>
-              </a:rPr>
-              <a:t>- Estabelecer estratégias para o melhor gerenciamento da comunicação e de tempo do Team, afim de remover dificuldades. </a:t>
-            </a:r>
-            <a:endParaRPr b="0" lang="pt-BR" sz="1400" spc="-1" strike="noStrike">
-              <a:solidFill>
-                <a:srgbClr val="000000"/>
-              </a:solidFill>
-              <a:uFill>
-                <a:solidFill>
-                  <a:srgbClr val="ffffff"/>
-                </a:solidFill>
-              </a:uFill>
-              <a:latin typeface="Arial"/>
-            </a:endParaRPr>
-          </a:p>
-          <a:p>
-            <a:pPr marL="457200">
-              <a:lnSpc>
-                <a:spcPct val="100000"/>
-              </a:lnSpc>
-            </a:pPr>
-            <a:endParaRPr b="0" lang="pt-BR" sz="1400" spc="-1" strike="noStrike">
-              <a:solidFill>
-                <a:srgbClr val="000000"/>
-              </a:solidFill>
-              <a:uFill>
-                <a:solidFill>
-                  <a:srgbClr val="ffffff"/>
+            <a:endParaRPr lang="pt-BR" sz="1400" b="0" strike="noStrike" spc="-1" dirty="0">
+              <a:solidFill>
+                <a:srgbClr val="000000"/>
+              </a:solidFill>
+              <a:uFill>
+                <a:solidFill>
+                  <a:srgbClr val="FFFFFF"/>
                 </a:solidFill>
               </a:uFill>
               <a:latin typeface="Arial"/>
@@ -5503,22 +5860,25 @@
       </p:sp>
     </p:spTree>
   </p:cSld>
+  <p:clrMapOvr>
+    <a:masterClrMapping/>
+  </p:clrMapOvr>
   <p:timing>
     <p:tnLst>
       <p:par>
-        <p:cTn id="11" dur="indefinite" restart="never" nodeType="tmRoot">
+        <p:cTn id="1" dur="indefinite" restart="never" nodeType="tmRoot">
           <p:childTnLst>
             <p:seq>
-              <p:cTn id="12" nodeType="mainSeq"/>
+              <p:cTn id="2" nodeType="mainSeq"/>
               <p:prevCondLst>
-                <p:cond delay="0" evt="onPrev">
+                <p:cond evt="onPrev" delay="0">
                   <p:tgtEl>
                     <p:sldTgt/>
                   </p:tgtEl>
                 </p:cond>
               </p:prevCondLst>
               <p:nextCondLst>
-                <p:cond delay="0" evt="onNext">
+                <p:cond evt="onNext" delay="0">
                   <p:tgtEl>
                     <p:sldTgt/>
                   </p:tgtEl>
@@ -5753,6 +6113,8 @@
       </a:bgFillStyleLst>
     </a:fmtScheme>
   </a:themeElements>
+  <a:objectDefaults/>
+  <a:extraClrSchemeLst/>
 </a:theme>
 </file>
 
@@ -5976,5 +6338,7 @@
       </a:bgFillStyleLst>
     </a:fmtScheme>
   </a:themeElements>
+  <a:objectDefaults/>
+  <a:extraClrSchemeLst/>
 </a:theme>
 </file>